--- a/Team 08-Outcome.pptx
+++ b/Team 08-Outcome.pptx
@@ -10,7 +10,10 @@
     <p:sldId id="258" r:id="rId4"/>
     <p:sldId id="259" r:id="rId5"/>
     <p:sldId id="260" r:id="rId6"/>
-    <p:sldId id="261" r:id="rId7"/>
+    <p:sldId id="263" r:id="rId7"/>
+    <p:sldId id="264" r:id="rId8"/>
+    <p:sldId id="261" r:id="rId9"/>
+    <p:sldId id="262" r:id="rId10"/>
   </p:sldIdLst>
   <p:sldSz cx="12192000" cy="6858000"/>
   <p:notesSz cx="6858000" cy="9144000"/>
@@ -109,6 +112,11 @@
       </a:defRPr>
     </a:lvl9pPr>
   </p:defaultTextStyle>
+  <p:extLst>
+    <p:ext uri="{EFAFB233-063F-42B5-8137-9DF3F51BA10A}">
+      <p15:sldGuideLst xmlns:p15="http://schemas.microsoft.com/office/powerpoint/2012/main"/>
+    </p:ext>
+  </p:extLst>
 </p:presentation>
 </file>
 
@@ -3707,6 +3715,14 @@
               <a:rPr lang="de-DE" dirty="0" err="1"/>
               <a:t>Questionnaire</a:t>
             </a:r>
+            <a:r>
+              <a:rPr lang="de-DE" dirty="0"/>
+              <a:t> – Student </a:t>
+            </a:r>
+            <a:r>
+              <a:rPr lang="de-DE" dirty="0" err="1"/>
+              <a:t>view</a:t>
+            </a:r>
             <a:endParaRPr lang="de-DE" dirty="0"/>
           </a:p>
         </p:txBody>
@@ -3732,7 +3748,7 @@
           <a:bodyPr/>
           <a:lstStyle/>
           <a:p>
-            <a:endParaRPr lang="de-DE"/>
+            <a:endParaRPr lang="de-DE" dirty="0"/>
           </a:p>
         </p:txBody>
       </p:sp>
@@ -3771,6 +3787,209 @@
           <p:cNvPr id="2" name="Titel 1">
             <a:extLst>
               <a:ext uri="{FF2B5EF4-FFF2-40B4-BE49-F238E27FC236}">
+                <a16:creationId xmlns:a16="http://schemas.microsoft.com/office/drawing/2014/main" id="{87C8146E-BABE-8F4E-B54C-066201B4098F}"/>
+              </a:ext>
+            </a:extLst>
+          </p:cNvPr>
+          <p:cNvSpPr>
+            <a:spLocks noGrp="1"/>
+          </p:cNvSpPr>
+          <p:nvPr>
+            <p:ph type="title"/>
+          </p:nvPr>
+        </p:nvSpPr>
+        <p:spPr/>
+        <p:txBody>
+          <a:bodyPr/>
+          <a:lstStyle/>
+          <a:p>
+            <a:r>
+              <a:rPr lang="de-DE" dirty="0"/>
+              <a:t>Outcomes  </a:t>
+            </a:r>
+            <a:r>
+              <a:rPr lang="de-DE" dirty="0" err="1"/>
+              <a:t>from</a:t>
+            </a:r>
+            <a:r>
+              <a:rPr lang="de-DE" dirty="0"/>
+              <a:t> </a:t>
+            </a:r>
+            <a:r>
+              <a:rPr lang="de-DE" dirty="0" err="1"/>
+              <a:t>Questionnaire</a:t>
+            </a:r>
+            <a:r>
+              <a:rPr lang="de-DE" dirty="0"/>
+              <a:t> – </a:t>
+            </a:r>
+            <a:r>
+              <a:rPr lang="de-DE" dirty="0" err="1"/>
+              <a:t>Lecturer</a:t>
+            </a:r>
+            <a:r>
+              <a:rPr lang="de-DE" dirty="0"/>
+              <a:t> </a:t>
+            </a:r>
+            <a:r>
+              <a:rPr lang="de-DE" dirty="0" err="1"/>
+              <a:t>view</a:t>
+            </a:r>
+            <a:endParaRPr lang="de-DE" dirty="0"/>
+          </a:p>
+        </p:txBody>
+      </p:sp>
+      <p:sp>
+        <p:nvSpPr>
+          <p:cNvPr id="3" name="Inhaltsplatzhalter 2">
+            <a:extLst>
+              <a:ext uri="{FF2B5EF4-FFF2-40B4-BE49-F238E27FC236}">
+                <a16:creationId xmlns:a16="http://schemas.microsoft.com/office/drawing/2014/main" id="{8608956C-85E4-D942-A442-F220E2778D5F}"/>
+              </a:ext>
+            </a:extLst>
+          </p:cNvPr>
+          <p:cNvSpPr>
+            <a:spLocks noGrp="1"/>
+          </p:cNvSpPr>
+          <p:nvPr>
+            <p:ph idx="1"/>
+          </p:nvPr>
+        </p:nvSpPr>
+        <p:spPr/>
+        <p:txBody>
+          <a:bodyPr/>
+          <a:lstStyle/>
+          <a:p>
+            <a:endParaRPr lang="de-DE" dirty="0"/>
+          </a:p>
+        </p:txBody>
+      </p:sp>
+    </p:spTree>
+    <p:extLst>
+      <p:ext uri="{BB962C8B-B14F-4D97-AF65-F5344CB8AC3E}">
+        <p14:creationId xmlns:p14="http://schemas.microsoft.com/office/powerpoint/2010/main" val="1001805346"/>
+      </p:ext>
+    </p:extLst>
+  </p:cSld>
+  <p:clrMapOvr>
+    <a:masterClrMapping/>
+  </p:clrMapOvr>
+</p:sld>
+</file>
+
+<file path=ppt/slides/slide7.xml><?xml version="1.0" encoding="utf-8"?>
+<p:sld xmlns:a="http://schemas.openxmlformats.org/drawingml/2006/main" xmlns:r="http://schemas.openxmlformats.org/officeDocument/2006/relationships" xmlns:p="http://schemas.openxmlformats.org/presentationml/2006/main">
+  <p:cSld>
+    <p:spTree>
+      <p:nvGrpSpPr>
+        <p:cNvPr id="1" name=""/>
+        <p:cNvGrpSpPr/>
+        <p:nvPr/>
+      </p:nvGrpSpPr>
+      <p:grpSpPr>
+        <a:xfrm>
+          <a:off x="0" y="0"/>
+          <a:ext cx="0" cy="0"/>
+          <a:chOff x="0" y="0"/>
+          <a:chExt cx="0" cy="0"/>
+        </a:xfrm>
+      </p:grpSpPr>
+      <p:sp>
+        <p:nvSpPr>
+          <p:cNvPr id="2" name="Titel 1">
+            <a:extLst>
+              <a:ext uri="{FF2B5EF4-FFF2-40B4-BE49-F238E27FC236}">
+                <a16:creationId xmlns:a16="http://schemas.microsoft.com/office/drawing/2014/main" id="{87C8146E-BABE-8F4E-B54C-066201B4098F}"/>
+              </a:ext>
+            </a:extLst>
+          </p:cNvPr>
+          <p:cNvSpPr>
+            <a:spLocks noGrp="1"/>
+          </p:cNvSpPr>
+          <p:nvPr>
+            <p:ph type="title"/>
+          </p:nvPr>
+        </p:nvSpPr>
+        <p:spPr/>
+        <p:txBody>
+          <a:bodyPr/>
+          <a:lstStyle/>
+          <a:p>
+            <a:r>
+              <a:rPr lang="de-DE" dirty="0"/>
+              <a:t>Outcomes </a:t>
+            </a:r>
+            <a:r>
+              <a:rPr lang="de-DE" dirty="0" err="1"/>
+              <a:t>Experts</a:t>
+            </a:r>
+            <a:r>
+              <a:rPr lang="de-DE" dirty="0"/>
+              <a:t> interview</a:t>
+            </a:r>
+          </a:p>
+        </p:txBody>
+      </p:sp>
+      <p:sp>
+        <p:nvSpPr>
+          <p:cNvPr id="3" name="Inhaltsplatzhalter 2">
+            <a:extLst>
+              <a:ext uri="{FF2B5EF4-FFF2-40B4-BE49-F238E27FC236}">
+                <a16:creationId xmlns:a16="http://schemas.microsoft.com/office/drawing/2014/main" id="{8608956C-85E4-D942-A442-F220E2778D5F}"/>
+              </a:ext>
+            </a:extLst>
+          </p:cNvPr>
+          <p:cNvSpPr>
+            <a:spLocks noGrp="1"/>
+          </p:cNvSpPr>
+          <p:nvPr>
+            <p:ph idx="1"/>
+          </p:nvPr>
+        </p:nvSpPr>
+        <p:spPr/>
+        <p:txBody>
+          <a:bodyPr/>
+          <a:lstStyle/>
+          <a:p>
+            <a:endParaRPr lang="de-DE" dirty="0"/>
+          </a:p>
+        </p:txBody>
+      </p:sp>
+    </p:spTree>
+    <p:extLst>
+      <p:ext uri="{BB962C8B-B14F-4D97-AF65-F5344CB8AC3E}">
+        <p14:creationId xmlns:p14="http://schemas.microsoft.com/office/powerpoint/2010/main" val="1296492468"/>
+      </p:ext>
+    </p:extLst>
+  </p:cSld>
+  <p:clrMapOvr>
+    <a:masterClrMapping/>
+  </p:clrMapOvr>
+</p:sld>
+</file>
+
+<file path=ppt/slides/slide8.xml><?xml version="1.0" encoding="utf-8"?>
+<p:sld xmlns:a="http://schemas.openxmlformats.org/drawingml/2006/main" xmlns:r="http://schemas.openxmlformats.org/officeDocument/2006/relationships" xmlns:p="http://schemas.openxmlformats.org/presentationml/2006/main">
+  <p:cSld>
+    <p:spTree>
+      <p:nvGrpSpPr>
+        <p:cNvPr id="1" name=""/>
+        <p:cNvGrpSpPr/>
+        <p:nvPr/>
+      </p:nvGrpSpPr>
+      <p:grpSpPr>
+        <a:xfrm>
+          <a:off x="0" y="0"/>
+          <a:ext cx="0" cy="0"/>
+          <a:chOff x="0" y="0"/>
+          <a:chExt cx="0" cy="0"/>
+        </a:xfrm>
+      </p:grpSpPr>
+      <p:sp>
+        <p:nvSpPr>
+          <p:cNvPr id="2" name="Titel 1">
+            <a:extLst>
+              <a:ext uri="{FF2B5EF4-FFF2-40B4-BE49-F238E27FC236}">
                 <a16:creationId xmlns:a16="http://schemas.microsoft.com/office/drawing/2014/main" id="{D35A5E8A-12BE-3440-9C6C-2244555FC9E5}"/>
               </a:ext>
             </a:extLst>
@@ -3804,26 +4023,799 @@
       </p:sp>
       <p:sp>
         <p:nvSpPr>
-          <p:cNvPr id="3" name="Inhaltsplatzhalter 2">
-            <a:extLst>
-              <a:ext uri="{FF2B5EF4-FFF2-40B4-BE49-F238E27FC236}">
-                <a16:creationId xmlns:a16="http://schemas.microsoft.com/office/drawing/2014/main" id="{F7F51229-BB85-BF47-890B-F3D276B0A532}"/>
-              </a:ext>
-            </a:extLst>
-          </p:cNvPr>
-          <p:cNvSpPr>
-            <a:spLocks noGrp="1"/>
-          </p:cNvSpPr>
-          <p:nvPr>
-            <p:ph idx="1"/>
-          </p:nvPr>
-        </p:nvSpPr>
-        <p:spPr/>
-        <p:txBody>
-          <a:bodyPr/>
-          <a:lstStyle/>
-          <a:p>
-            <a:endParaRPr lang="de-DE"/>
+          <p:cNvPr id="4" name="Rechteck 3">
+            <a:extLst>
+              <a:ext uri="{FF2B5EF4-FFF2-40B4-BE49-F238E27FC236}">
+                <a16:creationId xmlns:a16="http://schemas.microsoft.com/office/drawing/2014/main" id="{6A77BB82-DA18-0A49-A852-33222CAE90B9}"/>
+              </a:ext>
+            </a:extLst>
+          </p:cNvPr>
+          <p:cNvSpPr/>
+          <p:nvPr/>
+        </p:nvSpPr>
+        <p:spPr>
+          <a:xfrm>
+            <a:off x="925830" y="2966085"/>
+            <a:ext cx="1771650" cy="925830"/>
+          </a:xfrm>
+          <a:prstGeom prst="rect">
+            <a:avLst/>
+          </a:prstGeom>
+        </p:spPr>
+        <p:style>
+          <a:lnRef idx="2">
+            <a:schemeClr val="accent1">
+              <a:shade val="50000"/>
+            </a:schemeClr>
+          </a:lnRef>
+          <a:fillRef idx="1">
+            <a:schemeClr val="accent1"/>
+          </a:fillRef>
+          <a:effectRef idx="0">
+            <a:schemeClr val="accent1"/>
+          </a:effectRef>
+          <a:fontRef idx="minor">
+            <a:schemeClr val="lt1"/>
+          </a:fontRef>
+        </p:style>
+        <p:txBody>
+          <a:bodyPr rtlCol="0" anchor="ctr"/>
+          <a:lstStyle/>
+          <a:p>
+            <a:pPr algn="ctr"/>
+            <a:r>
+              <a:rPr lang="de-DE" dirty="0"/>
+              <a:t>Business Case</a:t>
+            </a:r>
+          </a:p>
+        </p:txBody>
+      </p:sp>
+      <p:sp>
+        <p:nvSpPr>
+          <p:cNvPr id="5" name="Rechteck 4">
+            <a:extLst>
+              <a:ext uri="{FF2B5EF4-FFF2-40B4-BE49-F238E27FC236}">
+                <a16:creationId xmlns:a16="http://schemas.microsoft.com/office/drawing/2014/main" id="{5B84B0F4-B768-BE4F-9D1E-19E5C0DEDAAD}"/>
+              </a:ext>
+            </a:extLst>
+          </p:cNvPr>
+          <p:cNvSpPr/>
+          <p:nvPr/>
+        </p:nvSpPr>
+        <p:spPr>
+          <a:xfrm>
+            <a:off x="3108960" y="2103120"/>
+            <a:ext cx="1840230" cy="2377440"/>
+          </a:xfrm>
+          <a:prstGeom prst="rect">
+            <a:avLst/>
+          </a:prstGeom>
+          <a:solidFill>
+            <a:schemeClr val="accent2"/>
+          </a:solidFill>
+        </p:spPr>
+        <p:style>
+          <a:lnRef idx="2">
+            <a:schemeClr val="accent1">
+              <a:shade val="50000"/>
+            </a:schemeClr>
+          </a:lnRef>
+          <a:fillRef idx="1">
+            <a:schemeClr val="accent1"/>
+          </a:fillRef>
+          <a:effectRef idx="0">
+            <a:schemeClr val="accent1"/>
+          </a:effectRef>
+          <a:fontRef idx="minor">
+            <a:schemeClr val="lt1"/>
+          </a:fontRef>
+        </p:style>
+        <p:txBody>
+          <a:bodyPr rtlCol="0" anchor="ctr"/>
+          <a:lstStyle/>
+          <a:p>
+            <a:pPr algn="ctr"/>
+            <a:r>
+              <a:rPr lang="de-DE" dirty="0"/>
+              <a:t>Business</a:t>
+            </a:r>
+          </a:p>
+          <a:p>
+            <a:pPr algn="ctr"/>
+            <a:endParaRPr lang="de-DE" dirty="0"/>
+          </a:p>
+        </p:txBody>
+      </p:sp>
+      <p:sp>
+        <p:nvSpPr>
+          <p:cNvPr id="6" name="Rechteck 5">
+            <a:extLst>
+              <a:ext uri="{FF2B5EF4-FFF2-40B4-BE49-F238E27FC236}">
+                <a16:creationId xmlns:a16="http://schemas.microsoft.com/office/drawing/2014/main" id="{5404AC48-874D-C64E-8775-D9702E135604}"/>
+              </a:ext>
+            </a:extLst>
+          </p:cNvPr>
+          <p:cNvSpPr/>
+          <p:nvPr/>
+        </p:nvSpPr>
+        <p:spPr>
+          <a:xfrm>
+            <a:off x="5175885" y="2103120"/>
+            <a:ext cx="1840230" cy="2377440"/>
+          </a:xfrm>
+          <a:prstGeom prst="rect">
+            <a:avLst/>
+          </a:prstGeom>
+          <a:solidFill>
+            <a:schemeClr val="accent6">
+              <a:lumMod val="40000"/>
+              <a:lumOff val="60000"/>
+            </a:schemeClr>
+          </a:solidFill>
+        </p:spPr>
+        <p:style>
+          <a:lnRef idx="2">
+            <a:schemeClr val="accent1">
+              <a:shade val="50000"/>
+            </a:schemeClr>
+          </a:lnRef>
+          <a:fillRef idx="1">
+            <a:schemeClr val="accent1"/>
+          </a:fillRef>
+          <a:effectRef idx="0">
+            <a:schemeClr val="accent1"/>
+          </a:effectRef>
+          <a:fontRef idx="minor">
+            <a:schemeClr val="lt1"/>
+          </a:fontRef>
+        </p:style>
+        <p:txBody>
+          <a:bodyPr rtlCol="0" anchor="ctr"/>
+          <a:lstStyle/>
+          <a:p>
+            <a:pPr algn="ctr"/>
+            <a:r>
+              <a:rPr lang="de-DE" dirty="0"/>
+              <a:t>SW Engineering</a:t>
+            </a:r>
+          </a:p>
+        </p:txBody>
+      </p:sp>
+      <p:sp>
+        <p:nvSpPr>
+          <p:cNvPr id="7" name="Rechteck 6">
+            <a:extLst>
+              <a:ext uri="{FF2B5EF4-FFF2-40B4-BE49-F238E27FC236}">
+                <a16:creationId xmlns:a16="http://schemas.microsoft.com/office/drawing/2014/main" id="{C2C34074-4D9D-9247-B70A-E83E7C263CC6}"/>
+              </a:ext>
+            </a:extLst>
+          </p:cNvPr>
+          <p:cNvSpPr/>
+          <p:nvPr/>
+        </p:nvSpPr>
+        <p:spPr>
+          <a:xfrm>
+            <a:off x="7242810" y="2103120"/>
+            <a:ext cx="1840230" cy="2377440"/>
+          </a:xfrm>
+          <a:prstGeom prst="rect">
+            <a:avLst/>
+          </a:prstGeom>
+        </p:spPr>
+        <p:style>
+          <a:lnRef idx="2">
+            <a:schemeClr val="accent1">
+              <a:shade val="50000"/>
+            </a:schemeClr>
+          </a:lnRef>
+          <a:fillRef idx="1">
+            <a:schemeClr val="accent1"/>
+          </a:fillRef>
+          <a:effectRef idx="0">
+            <a:schemeClr val="accent1"/>
+          </a:effectRef>
+          <a:fontRef idx="minor">
+            <a:schemeClr val="lt1"/>
+          </a:fontRef>
+        </p:style>
+        <p:txBody>
+          <a:bodyPr rtlCol="0" anchor="ctr"/>
+          <a:lstStyle/>
+          <a:p>
+            <a:pPr algn="ctr"/>
+            <a:r>
+              <a:rPr lang="de-DE" dirty="0"/>
+              <a:t>IT Infrastructure/</a:t>
+            </a:r>
+            <a:br>
+              <a:rPr lang="de-DE" dirty="0"/>
+            </a:br>
+            <a:r>
+              <a:rPr lang="de-DE" dirty="0"/>
+              <a:t>Security</a:t>
+            </a:r>
+          </a:p>
+        </p:txBody>
+      </p:sp>
+      <p:sp>
+        <p:nvSpPr>
+          <p:cNvPr id="8" name="Rechteck 7">
+            <a:extLst>
+              <a:ext uri="{FF2B5EF4-FFF2-40B4-BE49-F238E27FC236}">
+                <a16:creationId xmlns:a16="http://schemas.microsoft.com/office/drawing/2014/main" id="{E029D474-324D-644C-AB5D-1795FD8BC90C}"/>
+              </a:ext>
+            </a:extLst>
+          </p:cNvPr>
+          <p:cNvSpPr/>
+          <p:nvPr/>
+        </p:nvSpPr>
+        <p:spPr>
+          <a:xfrm>
+            <a:off x="9494520" y="2741295"/>
+            <a:ext cx="1771650" cy="925830"/>
+          </a:xfrm>
+          <a:prstGeom prst="rect">
+            <a:avLst/>
+          </a:prstGeom>
+        </p:spPr>
+        <p:style>
+          <a:lnRef idx="2">
+            <a:schemeClr val="accent1">
+              <a:shade val="50000"/>
+            </a:schemeClr>
+          </a:lnRef>
+          <a:fillRef idx="1">
+            <a:schemeClr val="accent1"/>
+          </a:fillRef>
+          <a:effectRef idx="0">
+            <a:schemeClr val="accent1"/>
+          </a:effectRef>
+          <a:fontRef idx="minor">
+            <a:schemeClr val="lt1"/>
+          </a:fontRef>
+        </p:style>
+        <p:txBody>
+          <a:bodyPr rtlCol="0" anchor="ctr"/>
+          <a:lstStyle/>
+          <a:p>
+            <a:pPr algn="ctr"/>
+            <a:r>
+              <a:rPr lang="de-DE" dirty="0"/>
+              <a:t>End </a:t>
+            </a:r>
+            <a:r>
+              <a:rPr lang="de-DE" dirty="0" err="1"/>
+              <a:t>Product</a:t>
+            </a:r>
+            <a:endParaRPr lang="de-DE" dirty="0"/>
+          </a:p>
+        </p:txBody>
+      </p:sp>
+      <p:cxnSp>
+        <p:nvCxnSpPr>
+          <p:cNvPr id="11" name="Gewinkelte Verbindung 10">
+            <a:extLst>
+              <a:ext uri="{FF2B5EF4-FFF2-40B4-BE49-F238E27FC236}">
+                <a16:creationId xmlns:a16="http://schemas.microsoft.com/office/drawing/2014/main" id="{2D7C9B15-0647-B948-A72F-6A2FCBEB4E79}"/>
+              </a:ext>
+            </a:extLst>
+          </p:cNvPr>
+          <p:cNvCxnSpPr>
+            <a:cxnSpLocks/>
+          </p:cNvCxnSpPr>
+          <p:nvPr/>
+        </p:nvCxnSpPr>
+        <p:spPr>
+          <a:xfrm rot="5400000" flipH="1" flipV="1">
+            <a:off x="4837430" y="1082358"/>
+            <a:ext cx="12700" cy="2066925"/>
+          </a:xfrm>
+          <a:prstGeom prst="bentConnector3">
+            <a:avLst>
+              <a:gd name="adj1" fmla="val 1800000"/>
+            </a:avLst>
+          </a:prstGeom>
+          <a:ln w="28575">
+            <a:tailEnd type="triangle"/>
+          </a:ln>
+        </p:spPr>
+        <p:style>
+          <a:lnRef idx="1">
+            <a:schemeClr val="dk1"/>
+          </a:lnRef>
+          <a:fillRef idx="0">
+            <a:schemeClr val="dk1"/>
+          </a:fillRef>
+          <a:effectRef idx="0">
+            <a:schemeClr val="dk1"/>
+          </a:effectRef>
+          <a:fontRef idx="minor">
+            <a:schemeClr val="tx1"/>
+          </a:fontRef>
+        </p:style>
+      </p:cxnSp>
+      <p:cxnSp>
+        <p:nvCxnSpPr>
+          <p:cNvPr id="15" name="Gewinkelte Verbindung 14">
+            <a:extLst>
+              <a:ext uri="{FF2B5EF4-FFF2-40B4-BE49-F238E27FC236}">
+                <a16:creationId xmlns:a16="http://schemas.microsoft.com/office/drawing/2014/main" id="{855FAB24-2E88-6441-A677-63E4FBCE0205}"/>
+              </a:ext>
+            </a:extLst>
+          </p:cNvPr>
+          <p:cNvCxnSpPr>
+            <a:cxnSpLocks/>
+          </p:cNvCxnSpPr>
+          <p:nvPr/>
+        </p:nvCxnSpPr>
+        <p:spPr>
+          <a:xfrm rot="5400000" flipH="1" flipV="1">
+            <a:off x="7356158" y="1069658"/>
+            <a:ext cx="12700" cy="2066925"/>
+          </a:xfrm>
+          <a:prstGeom prst="bentConnector3">
+            <a:avLst>
+              <a:gd name="adj1" fmla="val 1800000"/>
+            </a:avLst>
+          </a:prstGeom>
+          <a:ln w="28575">
+            <a:tailEnd type="triangle"/>
+          </a:ln>
+        </p:spPr>
+        <p:style>
+          <a:lnRef idx="1">
+            <a:schemeClr val="dk1"/>
+          </a:lnRef>
+          <a:fillRef idx="0">
+            <a:schemeClr val="dk1"/>
+          </a:fillRef>
+          <a:effectRef idx="0">
+            <a:schemeClr val="dk1"/>
+          </a:effectRef>
+          <a:fontRef idx="minor">
+            <a:schemeClr val="tx1"/>
+          </a:fontRef>
+        </p:style>
+      </p:cxnSp>
+      <p:cxnSp>
+        <p:nvCxnSpPr>
+          <p:cNvPr id="17" name="Gewinkelte Verbindung 16">
+            <a:extLst>
+              <a:ext uri="{FF2B5EF4-FFF2-40B4-BE49-F238E27FC236}">
+                <a16:creationId xmlns:a16="http://schemas.microsoft.com/office/drawing/2014/main" id="{DF88770C-77CF-8441-A455-DEB86E92D706}"/>
+              </a:ext>
+            </a:extLst>
+          </p:cNvPr>
+          <p:cNvCxnSpPr>
+            <a:cxnSpLocks/>
+          </p:cNvCxnSpPr>
+          <p:nvPr/>
+        </p:nvCxnSpPr>
+        <p:spPr>
+          <a:xfrm rot="5400000">
+            <a:off x="7474109" y="3331369"/>
+            <a:ext cx="12700" cy="2285682"/>
+          </a:xfrm>
+          <a:prstGeom prst="bentConnector4">
+            <a:avLst>
+              <a:gd name="adj1" fmla="val 4320000"/>
+              <a:gd name="adj2" fmla="val 99632"/>
+            </a:avLst>
+          </a:prstGeom>
+          <a:ln w="28575">
+            <a:tailEnd type="triangle"/>
+          </a:ln>
+        </p:spPr>
+        <p:style>
+          <a:lnRef idx="3">
+            <a:schemeClr val="dk1"/>
+          </a:lnRef>
+          <a:fillRef idx="0">
+            <a:schemeClr val="dk1"/>
+          </a:fillRef>
+          <a:effectRef idx="2">
+            <a:schemeClr val="dk1"/>
+          </a:effectRef>
+          <a:fontRef idx="minor">
+            <a:schemeClr val="tx1"/>
+          </a:fontRef>
+        </p:style>
+      </p:cxnSp>
+      <p:cxnSp>
+        <p:nvCxnSpPr>
+          <p:cNvPr id="20" name="Gewinkelte Verbindung 19">
+            <a:extLst>
+              <a:ext uri="{FF2B5EF4-FFF2-40B4-BE49-F238E27FC236}">
+                <a16:creationId xmlns:a16="http://schemas.microsoft.com/office/drawing/2014/main" id="{DBCEBFB7-F7D0-2E4A-9996-5921AA198987}"/>
+              </a:ext>
+            </a:extLst>
+          </p:cNvPr>
+          <p:cNvCxnSpPr>
+            <a:cxnSpLocks/>
+          </p:cNvCxnSpPr>
+          <p:nvPr/>
+        </p:nvCxnSpPr>
+        <p:spPr>
+          <a:xfrm rot="5400000">
+            <a:off x="4946809" y="3391059"/>
+            <a:ext cx="12700" cy="2285682"/>
+          </a:xfrm>
+          <a:prstGeom prst="bentConnector4">
+            <a:avLst>
+              <a:gd name="adj1" fmla="val 4320000"/>
+              <a:gd name="adj2" fmla="val 99632"/>
+            </a:avLst>
+          </a:prstGeom>
+          <a:ln w="28575">
+            <a:tailEnd type="triangle"/>
+          </a:ln>
+        </p:spPr>
+        <p:style>
+          <a:lnRef idx="3">
+            <a:schemeClr val="dk1"/>
+          </a:lnRef>
+          <a:fillRef idx="0">
+            <a:schemeClr val="dk1"/>
+          </a:fillRef>
+          <a:effectRef idx="2">
+            <a:schemeClr val="dk1"/>
+          </a:effectRef>
+          <a:fontRef idx="minor">
+            <a:schemeClr val="tx1"/>
+          </a:fontRef>
+        </p:style>
+      </p:cxnSp>
+      <p:cxnSp>
+        <p:nvCxnSpPr>
+          <p:cNvPr id="25" name="Gerade Verbindung mit Pfeil 24">
+            <a:extLst>
+              <a:ext uri="{FF2B5EF4-FFF2-40B4-BE49-F238E27FC236}">
+                <a16:creationId xmlns:a16="http://schemas.microsoft.com/office/drawing/2014/main" id="{4D37413B-D967-DA46-9D91-2F317721A1F3}"/>
+              </a:ext>
+            </a:extLst>
+          </p:cNvPr>
+          <p:cNvCxnSpPr>
+            <a:cxnSpLocks/>
+          </p:cNvCxnSpPr>
+          <p:nvPr/>
+        </p:nvCxnSpPr>
+        <p:spPr>
+          <a:xfrm>
+            <a:off x="2697480" y="3429000"/>
+            <a:ext cx="320040" cy="0"/>
+          </a:xfrm>
+          <a:prstGeom prst="straightConnector1">
+            <a:avLst/>
+          </a:prstGeom>
+          <a:ln w="28575">
+            <a:tailEnd type="triangle"/>
+          </a:ln>
+        </p:spPr>
+        <p:style>
+          <a:lnRef idx="3">
+            <a:schemeClr val="dk1"/>
+          </a:lnRef>
+          <a:fillRef idx="0">
+            <a:schemeClr val="dk1"/>
+          </a:fillRef>
+          <a:effectRef idx="2">
+            <a:schemeClr val="dk1"/>
+          </a:effectRef>
+          <a:fontRef idx="minor">
+            <a:schemeClr val="tx1"/>
+          </a:fontRef>
+        </p:style>
+      </p:cxnSp>
+      <p:cxnSp>
+        <p:nvCxnSpPr>
+          <p:cNvPr id="26" name="Gerade Verbindung mit Pfeil 25">
+            <a:extLst>
+              <a:ext uri="{FF2B5EF4-FFF2-40B4-BE49-F238E27FC236}">
+                <a16:creationId xmlns:a16="http://schemas.microsoft.com/office/drawing/2014/main" id="{FF037CF8-DB51-E440-BFC6-E65EF6628388}"/>
+              </a:ext>
+            </a:extLst>
+          </p:cNvPr>
+          <p:cNvCxnSpPr>
+            <a:cxnSpLocks/>
+          </p:cNvCxnSpPr>
+          <p:nvPr/>
+        </p:nvCxnSpPr>
+        <p:spPr>
+          <a:xfrm>
+            <a:off x="9174480" y="3429000"/>
+            <a:ext cx="320040" cy="0"/>
+          </a:xfrm>
+          <a:prstGeom prst="straightConnector1">
+            <a:avLst/>
+          </a:prstGeom>
+          <a:ln w="28575">
+            <a:tailEnd type="triangle"/>
+          </a:ln>
+        </p:spPr>
+        <p:style>
+          <a:lnRef idx="3">
+            <a:schemeClr val="dk1"/>
+          </a:lnRef>
+          <a:fillRef idx="0">
+            <a:schemeClr val="dk1"/>
+          </a:fillRef>
+          <a:effectRef idx="2">
+            <a:schemeClr val="dk1"/>
+          </a:effectRef>
+          <a:fontRef idx="minor">
+            <a:schemeClr val="tx1"/>
+          </a:fontRef>
+        </p:style>
+      </p:cxnSp>
+      <p:sp>
+        <p:nvSpPr>
+          <p:cNvPr id="27" name="Rechteck 26">
+            <a:extLst>
+              <a:ext uri="{FF2B5EF4-FFF2-40B4-BE49-F238E27FC236}">
+                <a16:creationId xmlns:a16="http://schemas.microsoft.com/office/drawing/2014/main" id="{01588F70-C7DD-E04A-BBE0-1D5FE5154ACA}"/>
+              </a:ext>
+            </a:extLst>
+          </p:cNvPr>
+          <p:cNvSpPr/>
+          <p:nvPr/>
+        </p:nvSpPr>
+        <p:spPr>
+          <a:xfrm>
+            <a:off x="3108960" y="5304155"/>
+            <a:ext cx="1840230" cy="1188720"/>
+          </a:xfrm>
+          <a:prstGeom prst="rect">
+            <a:avLst/>
+          </a:prstGeom>
+          <a:solidFill>
+            <a:schemeClr val="accent2"/>
+          </a:solidFill>
+        </p:spPr>
+        <p:style>
+          <a:lnRef idx="2">
+            <a:schemeClr val="accent1">
+              <a:shade val="50000"/>
+            </a:schemeClr>
+          </a:lnRef>
+          <a:fillRef idx="1">
+            <a:schemeClr val="accent1"/>
+          </a:fillRef>
+          <a:effectRef idx="0">
+            <a:schemeClr val="accent1"/>
+          </a:effectRef>
+          <a:fontRef idx="minor">
+            <a:schemeClr val="lt1"/>
+          </a:fontRef>
+        </p:style>
+        <p:txBody>
+          <a:bodyPr rtlCol="0" anchor="ctr"/>
+          <a:lstStyle/>
+          <a:p>
+            <a:pPr algn="ctr"/>
+            <a:r>
+              <a:rPr lang="de-DE" dirty="0"/>
+              <a:t>BPMN</a:t>
+            </a:r>
+          </a:p>
+          <a:p>
+            <a:pPr algn="ctr"/>
+            <a:endParaRPr lang="de-DE" dirty="0"/>
+          </a:p>
+        </p:txBody>
+      </p:sp>
+      <p:sp>
+        <p:nvSpPr>
+          <p:cNvPr id="28" name="Rechteck 27">
+            <a:extLst>
+              <a:ext uri="{FF2B5EF4-FFF2-40B4-BE49-F238E27FC236}">
+                <a16:creationId xmlns:a16="http://schemas.microsoft.com/office/drawing/2014/main" id="{0B4FB414-1451-5047-BE01-6478FFA90861}"/>
+              </a:ext>
+            </a:extLst>
+          </p:cNvPr>
+          <p:cNvSpPr/>
+          <p:nvPr/>
+        </p:nvSpPr>
+        <p:spPr>
+          <a:xfrm>
+            <a:off x="5175885" y="5304155"/>
+            <a:ext cx="1840230" cy="1188720"/>
+          </a:xfrm>
+          <a:prstGeom prst="rect">
+            <a:avLst/>
+          </a:prstGeom>
+          <a:solidFill>
+            <a:schemeClr val="accent6">
+              <a:lumMod val="40000"/>
+              <a:lumOff val="60000"/>
+            </a:schemeClr>
+          </a:solidFill>
+        </p:spPr>
+        <p:style>
+          <a:lnRef idx="2">
+            <a:schemeClr val="accent1">
+              <a:shade val="50000"/>
+            </a:schemeClr>
+          </a:lnRef>
+          <a:fillRef idx="1">
+            <a:schemeClr val="accent1"/>
+          </a:fillRef>
+          <a:effectRef idx="0">
+            <a:schemeClr val="accent1"/>
+          </a:effectRef>
+          <a:fontRef idx="minor">
+            <a:schemeClr val="lt1"/>
+          </a:fontRef>
+        </p:style>
+        <p:txBody>
+          <a:bodyPr rtlCol="0" anchor="ctr"/>
+          <a:lstStyle/>
+          <a:p>
+            <a:pPr algn="ctr"/>
+            <a:r>
+              <a:rPr lang="de-DE" dirty="0"/>
+              <a:t>UML Diagramm</a:t>
+            </a:r>
+          </a:p>
+          <a:p>
+            <a:pPr algn="ctr"/>
+            <a:r>
+              <a:rPr lang="de-DE" dirty="0" err="1"/>
+              <a:t>Programming</a:t>
+            </a:r>
+            <a:endParaRPr lang="de-DE" dirty="0"/>
+          </a:p>
+        </p:txBody>
+      </p:sp>
+      <p:sp>
+        <p:nvSpPr>
+          <p:cNvPr id="29" name="Rechteck 28">
+            <a:extLst>
+              <a:ext uri="{FF2B5EF4-FFF2-40B4-BE49-F238E27FC236}">
+                <a16:creationId xmlns:a16="http://schemas.microsoft.com/office/drawing/2014/main" id="{11CF1C76-C8D1-3140-A7B1-3B3876D50A9F}"/>
+              </a:ext>
+            </a:extLst>
+          </p:cNvPr>
+          <p:cNvSpPr/>
+          <p:nvPr/>
+        </p:nvSpPr>
+        <p:spPr>
+          <a:xfrm>
+            <a:off x="7236778" y="5304154"/>
+            <a:ext cx="1840230" cy="1191079"/>
+          </a:xfrm>
+          <a:prstGeom prst="rect">
+            <a:avLst/>
+          </a:prstGeom>
+        </p:spPr>
+        <p:style>
+          <a:lnRef idx="2">
+            <a:schemeClr val="accent1">
+              <a:shade val="50000"/>
+            </a:schemeClr>
+          </a:lnRef>
+          <a:fillRef idx="1">
+            <a:schemeClr val="accent1"/>
+          </a:fillRef>
+          <a:effectRef idx="0">
+            <a:schemeClr val="accent1"/>
+          </a:effectRef>
+          <a:fontRef idx="minor">
+            <a:schemeClr val="lt1"/>
+          </a:fontRef>
+        </p:style>
+        <p:txBody>
+          <a:bodyPr rtlCol="0" anchor="ctr"/>
+          <a:lstStyle/>
+          <a:p>
+            <a:pPr algn="ctr"/>
+            <a:r>
+              <a:rPr lang="de-DE" dirty="0" err="1"/>
+              <a:t>Application</a:t>
+            </a:r>
+            <a:endParaRPr lang="de-DE" dirty="0"/>
+          </a:p>
+          <a:p>
+            <a:pPr algn="ctr"/>
+            <a:r>
+              <a:rPr lang="de-DE" dirty="0"/>
+              <a:t>Infrastructure</a:t>
+            </a:r>
+          </a:p>
+          <a:p>
+            <a:pPr algn="ctr"/>
+            <a:r>
+              <a:rPr lang="de-DE" dirty="0"/>
+              <a:t>Network</a:t>
+            </a:r>
+          </a:p>
+          <a:p>
+            <a:pPr algn="ctr"/>
+            <a:r>
+              <a:rPr lang="de-DE" dirty="0"/>
+              <a:t>Security</a:t>
+            </a:r>
+          </a:p>
+        </p:txBody>
+      </p:sp>
+      <p:sp>
+        <p:nvSpPr>
+          <p:cNvPr id="30" name="Rechteck 29">
+            <a:extLst>
+              <a:ext uri="{FF2B5EF4-FFF2-40B4-BE49-F238E27FC236}">
+                <a16:creationId xmlns:a16="http://schemas.microsoft.com/office/drawing/2014/main" id="{B38BF423-BB65-1241-806B-70F201F48ED7}"/>
+              </a:ext>
+            </a:extLst>
+          </p:cNvPr>
+          <p:cNvSpPr/>
+          <p:nvPr/>
+        </p:nvSpPr>
+        <p:spPr>
+          <a:xfrm>
+            <a:off x="925830" y="4241481"/>
+            <a:ext cx="1771650" cy="2130289"/>
+          </a:xfrm>
+          <a:prstGeom prst="rect">
+            <a:avLst/>
+          </a:prstGeom>
+        </p:spPr>
+        <p:style>
+          <a:lnRef idx="2">
+            <a:schemeClr val="accent1">
+              <a:shade val="50000"/>
+            </a:schemeClr>
+          </a:lnRef>
+          <a:fillRef idx="1">
+            <a:schemeClr val="accent1"/>
+          </a:fillRef>
+          <a:effectRef idx="0">
+            <a:schemeClr val="accent1"/>
+          </a:effectRef>
+          <a:fontRef idx="minor">
+            <a:schemeClr val="lt1"/>
+          </a:fontRef>
+        </p:style>
+        <p:txBody>
+          <a:bodyPr rtlCol="0" anchor="ctr"/>
+          <a:lstStyle/>
+          <a:p>
+            <a:pPr algn="ctr"/>
+            <a:r>
+              <a:rPr lang="de-DE" dirty="0" err="1"/>
+              <a:t>E.g</a:t>
+            </a:r>
+            <a:r>
+              <a:rPr lang="de-DE" dirty="0"/>
+              <a:t>:</a:t>
+            </a:r>
+            <a:br>
+              <a:rPr lang="de-DE" dirty="0"/>
+            </a:br>
+            <a:r>
+              <a:rPr lang="de-DE" dirty="0"/>
+              <a:t>Ticketing</a:t>
+            </a:r>
+          </a:p>
+          <a:p>
+            <a:pPr algn="ctr"/>
+            <a:r>
+              <a:rPr lang="de-DE" dirty="0" err="1"/>
+              <a:t>CreditCard</a:t>
+            </a:r>
+            <a:r>
+              <a:rPr lang="de-DE" dirty="0"/>
+              <a:t> Order</a:t>
+            </a:r>
+          </a:p>
+          <a:p>
+            <a:pPr algn="ctr"/>
+            <a:r>
+              <a:rPr lang="de-DE" dirty="0"/>
+              <a:t>Insurance Claims</a:t>
+            </a:r>
+          </a:p>
+          <a:p>
+            <a:pPr algn="ctr"/>
+            <a:endParaRPr lang="de-DE" dirty="0"/>
           </a:p>
         </p:txBody>
       </p:sp>
@@ -3831,6 +4823,183 @@
     <p:extLst>
       <p:ext uri="{BB962C8B-B14F-4D97-AF65-F5344CB8AC3E}">
         <p14:creationId xmlns:p14="http://schemas.microsoft.com/office/powerpoint/2010/main" val="609875508"/>
+      </p:ext>
+    </p:extLst>
+  </p:cSld>
+  <p:clrMapOvr>
+    <a:masterClrMapping/>
+  </p:clrMapOvr>
+</p:sld>
+</file>
+
+<file path=ppt/slides/slide9.xml><?xml version="1.0" encoding="utf-8"?>
+<p:sld xmlns:a="http://schemas.openxmlformats.org/drawingml/2006/main" xmlns:r="http://schemas.openxmlformats.org/officeDocument/2006/relationships" xmlns:p="http://schemas.openxmlformats.org/presentationml/2006/main">
+  <p:cSld>
+    <p:spTree>
+      <p:nvGrpSpPr>
+        <p:cNvPr id="1" name=""/>
+        <p:cNvGrpSpPr/>
+        <p:nvPr/>
+      </p:nvGrpSpPr>
+      <p:grpSpPr>
+        <a:xfrm>
+          <a:off x="0" y="0"/>
+          <a:ext cx="0" cy="0"/>
+          <a:chOff x="0" y="0"/>
+          <a:chExt cx="0" cy="0"/>
+        </a:xfrm>
+      </p:grpSpPr>
+      <p:sp>
+        <p:nvSpPr>
+          <p:cNvPr id="2" name="Titel 1">
+            <a:extLst>
+              <a:ext uri="{FF2B5EF4-FFF2-40B4-BE49-F238E27FC236}">
+                <a16:creationId xmlns:a16="http://schemas.microsoft.com/office/drawing/2014/main" id="{40D2E1A9-D8C5-044F-B210-E1D509A95963}"/>
+              </a:ext>
+            </a:extLst>
+          </p:cNvPr>
+          <p:cNvSpPr>
+            <a:spLocks noGrp="1"/>
+          </p:cNvSpPr>
+          <p:nvPr>
+            <p:ph type="title"/>
+          </p:nvPr>
+        </p:nvSpPr>
+        <p:spPr/>
+        <p:txBody>
+          <a:bodyPr/>
+          <a:lstStyle/>
+          <a:p>
+            <a:r>
+              <a:rPr lang="de-DE" dirty="0" err="1"/>
+              <a:t>Examples</a:t>
+            </a:r>
+            <a:endParaRPr lang="de-DE" dirty="0"/>
+          </a:p>
+        </p:txBody>
+      </p:sp>
+      <p:sp>
+        <p:nvSpPr>
+          <p:cNvPr id="3" name="Inhaltsplatzhalter 2">
+            <a:extLst>
+              <a:ext uri="{FF2B5EF4-FFF2-40B4-BE49-F238E27FC236}">
+                <a16:creationId xmlns:a16="http://schemas.microsoft.com/office/drawing/2014/main" id="{ED93CB7E-906A-5749-B4B5-07DBD51D6AD6}"/>
+              </a:ext>
+            </a:extLst>
+          </p:cNvPr>
+          <p:cNvSpPr>
+            <a:spLocks noGrp="1"/>
+          </p:cNvSpPr>
+          <p:nvPr>
+            <p:ph idx="1"/>
+          </p:nvPr>
+        </p:nvSpPr>
+        <p:spPr/>
+        <p:txBody>
+          <a:bodyPr>
+            <a:normAutofit lnSpcReduction="10000"/>
+          </a:bodyPr>
+          <a:lstStyle/>
+          <a:p>
+            <a:r>
+              <a:rPr lang="de-DE" dirty="0"/>
+              <a:t>Visual </a:t>
+            </a:r>
+            <a:r>
+              <a:rPr lang="de-DE" dirty="0" err="1"/>
+              <a:t>Paradigm</a:t>
+            </a:r>
+            <a:r>
+              <a:rPr lang="de-DE" dirty="0"/>
+              <a:t> </a:t>
+            </a:r>
+            <a:r>
+              <a:rPr lang="de-DE" dirty="0" err="1"/>
+              <a:t>creating</a:t>
+            </a:r>
+            <a:r>
+              <a:rPr lang="de-DE" dirty="0"/>
+              <a:t> </a:t>
+            </a:r>
+            <a:r>
+              <a:rPr lang="de-DE" dirty="0" err="1"/>
+              <a:t>code</a:t>
+            </a:r>
+            <a:r>
+              <a:rPr lang="de-DE" dirty="0"/>
+              <a:t> </a:t>
+            </a:r>
+            <a:r>
+              <a:rPr lang="de-DE" dirty="0" err="1"/>
+              <a:t>based</a:t>
+            </a:r>
+            <a:r>
+              <a:rPr lang="de-DE" dirty="0"/>
+              <a:t> on </a:t>
+            </a:r>
+            <a:r>
+              <a:rPr lang="de-DE" dirty="0" err="1"/>
+              <a:t>models</a:t>
+            </a:r>
+            <a:endParaRPr lang="de-DE" dirty="0"/>
+          </a:p>
+          <a:p>
+            <a:endParaRPr lang="de-DE" dirty="0"/>
+          </a:p>
+          <a:p>
+            <a:r>
+              <a:rPr lang="de-DE" dirty="0" err="1"/>
+              <a:t>Raspberry</a:t>
+            </a:r>
+            <a:r>
+              <a:rPr lang="de-DE" dirty="0"/>
+              <a:t> Pi</a:t>
+            </a:r>
+          </a:p>
+          <a:p>
+            <a:endParaRPr lang="de-DE" dirty="0"/>
+          </a:p>
+          <a:p>
+            <a:r>
+              <a:rPr lang="de-DE" dirty="0"/>
+              <a:t>IFTT</a:t>
+            </a:r>
+          </a:p>
+          <a:p>
+            <a:endParaRPr lang="de-DE" dirty="0"/>
+          </a:p>
+          <a:p>
+            <a:r>
+              <a:rPr lang="de-DE" dirty="0" err="1"/>
+              <a:t>Nao</a:t>
+            </a:r>
+            <a:r>
+              <a:rPr lang="de-DE" dirty="0"/>
+              <a:t> Robot</a:t>
+            </a:r>
+          </a:p>
+          <a:p>
+            <a:endParaRPr lang="de-DE" dirty="0"/>
+          </a:p>
+          <a:p>
+            <a:r>
+              <a:rPr lang="de-DE" dirty="0" err="1"/>
+              <a:t>BlueJ</a:t>
+            </a:r>
+            <a:endParaRPr lang="de-DE" dirty="0"/>
+          </a:p>
+          <a:p>
+            <a:pPr marL="0" indent="0">
+              <a:buNone/>
+            </a:pPr>
+            <a:endParaRPr lang="de-DE" dirty="0"/>
+          </a:p>
+        </p:txBody>
+      </p:sp>
+    </p:spTree>
+    <p:extLst>
+      <p:ext uri="{BB962C8B-B14F-4D97-AF65-F5344CB8AC3E}">
+        <p14:creationId xmlns:p14="http://schemas.microsoft.com/office/powerpoint/2010/main" val="3372410563"/>
       </p:ext>
     </p:extLst>
   </p:cSld>

--- a/Team 08-Outcome.pptx
+++ b/Team 08-Outcome.pptx
@@ -4,16 +4,22 @@
   <p:sldMasterIdLst>
     <p:sldMasterId id="2147483648" r:id="rId1"/>
   </p:sldMasterIdLst>
+  <p:notesMasterIdLst>
+    <p:notesMasterId r:id="rId14"/>
+  </p:notesMasterIdLst>
   <p:sldIdLst>
     <p:sldId id="256" r:id="rId2"/>
     <p:sldId id="257" r:id="rId3"/>
-    <p:sldId id="258" r:id="rId4"/>
-    <p:sldId id="259" r:id="rId5"/>
-    <p:sldId id="260" r:id="rId6"/>
-    <p:sldId id="263" r:id="rId7"/>
-    <p:sldId id="264" r:id="rId8"/>
-    <p:sldId id="261" r:id="rId9"/>
-    <p:sldId id="262" r:id="rId10"/>
+    <p:sldId id="267" r:id="rId4"/>
+    <p:sldId id="258" r:id="rId5"/>
+    <p:sldId id="259" r:id="rId6"/>
+    <p:sldId id="260" r:id="rId7"/>
+    <p:sldId id="263" r:id="rId8"/>
+    <p:sldId id="264" r:id="rId9"/>
+    <p:sldId id="266" r:id="rId10"/>
+    <p:sldId id="261" r:id="rId11"/>
+    <p:sldId id="265" r:id="rId12"/>
+    <p:sldId id="262" r:id="rId13"/>
   </p:sldIdLst>
   <p:sldSz cx="12192000" cy="6858000"/>
   <p:notesSz cx="6858000" cy="9144000"/>
@@ -120,6 +126,439 @@
 </p:presentation>
 </file>
 
+<file path=ppt/notesMasters/notesMaster1.xml><?xml version="1.0" encoding="utf-8"?>
+<p:notesMaster xmlns:a="http://schemas.openxmlformats.org/drawingml/2006/main" xmlns:r="http://schemas.openxmlformats.org/officeDocument/2006/relationships" xmlns:p="http://schemas.openxmlformats.org/presentationml/2006/main">
+  <p:cSld>
+    <p:bg>
+      <p:bgRef idx="1001">
+        <a:schemeClr val="bg1"/>
+      </p:bgRef>
+    </p:bg>
+    <p:spTree>
+      <p:nvGrpSpPr>
+        <p:cNvPr id="1" name=""/>
+        <p:cNvGrpSpPr/>
+        <p:nvPr/>
+      </p:nvGrpSpPr>
+      <p:grpSpPr>
+        <a:xfrm>
+          <a:off x="0" y="0"/>
+          <a:ext cx="0" cy="0"/>
+          <a:chOff x="0" y="0"/>
+          <a:chExt cx="0" cy="0"/>
+        </a:xfrm>
+      </p:grpSpPr>
+      <p:sp>
+        <p:nvSpPr>
+          <p:cNvPr id="2" name="Header Placeholder 1"/>
+          <p:cNvSpPr>
+            <a:spLocks noGrp="1"/>
+          </p:cNvSpPr>
+          <p:nvPr>
+            <p:ph type="hdr" sz="quarter"/>
+          </p:nvPr>
+        </p:nvSpPr>
+        <p:spPr>
+          <a:xfrm>
+            <a:off x="0" y="0"/>
+            <a:ext cx="2971800" cy="458788"/>
+          </a:xfrm>
+          <a:prstGeom prst="rect">
+            <a:avLst/>
+          </a:prstGeom>
+        </p:spPr>
+        <p:txBody>
+          <a:bodyPr vert="horz" lIns="91440" tIns="45720" rIns="91440" bIns="45720" rtlCol="0"/>
+          <a:lstStyle>
+            <a:lvl1pPr algn="l">
+              <a:defRPr sz="1200"/>
+            </a:lvl1pPr>
+          </a:lstStyle>
+          <a:p>
+            <a:endParaRPr lang="en-US"/>
+          </a:p>
+        </p:txBody>
+      </p:sp>
+      <p:sp>
+        <p:nvSpPr>
+          <p:cNvPr id="3" name="Date Placeholder 2"/>
+          <p:cNvSpPr>
+            <a:spLocks noGrp="1"/>
+          </p:cNvSpPr>
+          <p:nvPr>
+            <p:ph type="dt" idx="1"/>
+          </p:nvPr>
+        </p:nvSpPr>
+        <p:spPr>
+          <a:xfrm>
+            <a:off x="3884613" y="0"/>
+            <a:ext cx="2971800" cy="458788"/>
+          </a:xfrm>
+          <a:prstGeom prst="rect">
+            <a:avLst/>
+          </a:prstGeom>
+        </p:spPr>
+        <p:txBody>
+          <a:bodyPr vert="horz" lIns="91440" tIns="45720" rIns="91440" bIns="45720" rtlCol="0"/>
+          <a:lstStyle>
+            <a:lvl1pPr algn="r">
+              <a:defRPr sz="1200"/>
+            </a:lvl1pPr>
+          </a:lstStyle>
+          <a:p>
+            <a:fld id="{F6F966EB-706B-CD44-BE93-7941BAD44A3C}" type="datetimeFigureOut">
+              <a:rPr lang="en-US" smtClean="0"/>
+              <a:t>12/7/19</a:t>
+            </a:fld>
+            <a:endParaRPr lang="en-US"/>
+          </a:p>
+        </p:txBody>
+      </p:sp>
+      <p:sp>
+        <p:nvSpPr>
+          <p:cNvPr id="4" name="Slide Image Placeholder 3"/>
+          <p:cNvSpPr>
+            <a:spLocks noGrp="1" noRot="1" noChangeAspect="1"/>
+          </p:cNvSpPr>
+          <p:nvPr>
+            <p:ph type="sldImg" idx="2"/>
+          </p:nvPr>
+        </p:nvSpPr>
+        <p:spPr>
+          <a:xfrm>
+            <a:off x="685800" y="1143000"/>
+            <a:ext cx="5486400" cy="3086100"/>
+          </a:xfrm>
+          <a:prstGeom prst="rect">
+            <a:avLst/>
+          </a:prstGeom>
+          <a:noFill/>
+          <a:ln w="12700">
+            <a:solidFill>
+              <a:prstClr val="black"/>
+            </a:solidFill>
+          </a:ln>
+        </p:spPr>
+        <p:txBody>
+          <a:bodyPr vert="horz" lIns="91440" tIns="45720" rIns="91440" bIns="45720" rtlCol="0" anchor="ctr"/>
+          <a:lstStyle/>
+          <a:p>
+            <a:endParaRPr lang="en-US"/>
+          </a:p>
+        </p:txBody>
+      </p:sp>
+      <p:sp>
+        <p:nvSpPr>
+          <p:cNvPr id="5" name="Notes Placeholder 4"/>
+          <p:cNvSpPr>
+            <a:spLocks noGrp="1"/>
+          </p:cNvSpPr>
+          <p:nvPr>
+            <p:ph type="body" sz="quarter" idx="3"/>
+          </p:nvPr>
+        </p:nvSpPr>
+        <p:spPr>
+          <a:xfrm>
+            <a:off x="685800" y="4400550"/>
+            <a:ext cx="5486400" cy="3600450"/>
+          </a:xfrm>
+          <a:prstGeom prst="rect">
+            <a:avLst/>
+          </a:prstGeom>
+        </p:spPr>
+        <p:txBody>
+          <a:bodyPr vert="horz" lIns="91440" tIns="45720" rIns="91440" bIns="45720" rtlCol="0"/>
+          <a:lstStyle/>
+          <a:p>
+            <a:pPr lvl="0"/>
+            <a:r>
+              <a:rPr lang="en-US"/>
+              <a:t>Edit Master text styles</a:t>
+            </a:r>
+          </a:p>
+          <a:p>
+            <a:pPr lvl="1"/>
+            <a:r>
+              <a:rPr lang="en-US"/>
+              <a:t>Second level</a:t>
+            </a:r>
+          </a:p>
+          <a:p>
+            <a:pPr lvl="2"/>
+            <a:r>
+              <a:rPr lang="en-US"/>
+              <a:t>Third level</a:t>
+            </a:r>
+          </a:p>
+          <a:p>
+            <a:pPr lvl="3"/>
+            <a:r>
+              <a:rPr lang="en-US"/>
+              <a:t>Fourth level</a:t>
+            </a:r>
+          </a:p>
+          <a:p>
+            <a:pPr lvl="4"/>
+            <a:r>
+              <a:rPr lang="en-US"/>
+              <a:t>Fifth level</a:t>
+            </a:r>
+          </a:p>
+        </p:txBody>
+      </p:sp>
+      <p:sp>
+        <p:nvSpPr>
+          <p:cNvPr id="6" name="Footer Placeholder 5"/>
+          <p:cNvSpPr>
+            <a:spLocks noGrp="1"/>
+          </p:cNvSpPr>
+          <p:nvPr>
+            <p:ph type="ftr" sz="quarter" idx="4"/>
+          </p:nvPr>
+        </p:nvSpPr>
+        <p:spPr>
+          <a:xfrm>
+            <a:off x="0" y="8685213"/>
+            <a:ext cx="2971800" cy="458787"/>
+          </a:xfrm>
+          <a:prstGeom prst="rect">
+            <a:avLst/>
+          </a:prstGeom>
+        </p:spPr>
+        <p:txBody>
+          <a:bodyPr vert="horz" lIns="91440" tIns="45720" rIns="91440" bIns="45720" rtlCol="0" anchor="b"/>
+          <a:lstStyle>
+            <a:lvl1pPr algn="l">
+              <a:defRPr sz="1200"/>
+            </a:lvl1pPr>
+          </a:lstStyle>
+          <a:p>
+            <a:endParaRPr lang="en-US"/>
+          </a:p>
+        </p:txBody>
+      </p:sp>
+      <p:sp>
+        <p:nvSpPr>
+          <p:cNvPr id="7" name="Slide Number Placeholder 6"/>
+          <p:cNvSpPr>
+            <a:spLocks noGrp="1"/>
+          </p:cNvSpPr>
+          <p:nvPr>
+            <p:ph type="sldNum" sz="quarter" idx="5"/>
+          </p:nvPr>
+        </p:nvSpPr>
+        <p:spPr>
+          <a:xfrm>
+            <a:off x="3884613" y="8685213"/>
+            <a:ext cx="2971800" cy="458787"/>
+          </a:xfrm>
+          <a:prstGeom prst="rect">
+            <a:avLst/>
+          </a:prstGeom>
+        </p:spPr>
+        <p:txBody>
+          <a:bodyPr vert="horz" lIns="91440" tIns="45720" rIns="91440" bIns="45720" rtlCol="0" anchor="b"/>
+          <a:lstStyle>
+            <a:lvl1pPr algn="r">
+              <a:defRPr sz="1200"/>
+            </a:lvl1pPr>
+          </a:lstStyle>
+          <a:p>
+            <a:fld id="{003E99BF-A0E5-FA4D-AA09-FB1236F7E33F}" type="slidenum">
+              <a:rPr lang="en-US" smtClean="0"/>
+              <a:t>‹#›</a:t>
+            </a:fld>
+            <a:endParaRPr lang="en-US"/>
+          </a:p>
+        </p:txBody>
+      </p:sp>
+    </p:spTree>
+    <p:extLst>
+      <p:ext uri="{BB962C8B-B14F-4D97-AF65-F5344CB8AC3E}">
+        <p14:creationId xmlns:p14="http://schemas.microsoft.com/office/powerpoint/2010/main" val="640269233"/>
+      </p:ext>
+    </p:extLst>
+  </p:cSld>
+  <p:clrMap bg1="lt1" tx1="dk1" bg2="lt2" tx2="dk2" accent1="accent1" accent2="accent2" accent3="accent3" accent4="accent4" accent5="accent5" accent6="accent6" hlink="hlink" folHlink="folHlink"/>
+  <p:notesStyle>
+    <a:lvl1pPr marL="0" algn="l" defTabSz="914400" rtl="0" eaLnBrk="1" latinLnBrk="0" hangingPunct="1">
+      <a:defRPr sz="1200" kern="1200">
+        <a:solidFill>
+          <a:schemeClr val="tx1"/>
+        </a:solidFill>
+        <a:latin typeface="+mn-lt"/>
+        <a:ea typeface="+mn-ea"/>
+        <a:cs typeface="+mn-cs"/>
+      </a:defRPr>
+    </a:lvl1pPr>
+    <a:lvl2pPr marL="457200" algn="l" defTabSz="914400" rtl="0" eaLnBrk="1" latinLnBrk="0" hangingPunct="1">
+      <a:defRPr sz="1200" kern="1200">
+        <a:solidFill>
+          <a:schemeClr val="tx1"/>
+        </a:solidFill>
+        <a:latin typeface="+mn-lt"/>
+        <a:ea typeface="+mn-ea"/>
+        <a:cs typeface="+mn-cs"/>
+      </a:defRPr>
+    </a:lvl2pPr>
+    <a:lvl3pPr marL="914400" algn="l" defTabSz="914400" rtl="0" eaLnBrk="1" latinLnBrk="0" hangingPunct="1">
+      <a:defRPr sz="1200" kern="1200">
+        <a:solidFill>
+          <a:schemeClr val="tx1"/>
+        </a:solidFill>
+        <a:latin typeface="+mn-lt"/>
+        <a:ea typeface="+mn-ea"/>
+        <a:cs typeface="+mn-cs"/>
+      </a:defRPr>
+    </a:lvl3pPr>
+    <a:lvl4pPr marL="1371600" algn="l" defTabSz="914400" rtl="0" eaLnBrk="1" latinLnBrk="0" hangingPunct="1">
+      <a:defRPr sz="1200" kern="1200">
+        <a:solidFill>
+          <a:schemeClr val="tx1"/>
+        </a:solidFill>
+        <a:latin typeface="+mn-lt"/>
+        <a:ea typeface="+mn-ea"/>
+        <a:cs typeface="+mn-cs"/>
+      </a:defRPr>
+    </a:lvl4pPr>
+    <a:lvl5pPr marL="1828800" algn="l" defTabSz="914400" rtl="0" eaLnBrk="1" latinLnBrk="0" hangingPunct="1">
+      <a:defRPr sz="1200" kern="1200">
+        <a:solidFill>
+          <a:schemeClr val="tx1"/>
+        </a:solidFill>
+        <a:latin typeface="+mn-lt"/>
+        <a:ea typeface="+mn-ea"/>
+        <a:cs typeface="+mn-cs"/>
+      </a:defRPr>
+    </a:lvl5pPr>
+    <a:lvl6pPr marL="2286000" algn="l" defTabSz="914400" rtl="0" eaLnBrk="1" latinLnBrk="0" hangingPunct="1">
+      <a:defRPr sz="1200" kern="1200">
+        <a:solidFill>
+          <a:schemeClr val="tx1"/>
+        </a:solidFill>
+        <a:latin typeface="+mn-lt"/>
+        <a:ea typeface="+mn-ea"/>
+        <a:cs typeface="+mn-cs"/>
+      </a:defRPr>
+    </a:lvl6pPr>
+    <a:lvl7pPr marL="2743200" algn="l" defTabSz="914400" rtl="0" eaLnBrk="1" latinLnBrk="0" hangingPunct="1">
+      <a:defRPr sz="1200" kern="1200">
+        <a:solidFill>
+          <a:schemeClr val="tx1"/>
+        </a:solidFill>
+        <a:latin typeface="+mn-lt"/>
+        <a:ea typeface="+mn-ea"/>
+        <a:cs typeface="+mn-cs"/>
+      </a:defRPr>
+    </a:lvl7pPr>
+    <a:lvl8pPr marL="3200400" algn="l" defTabSz="914400" rtl="0" eaLnBrk="1" latinLnBrk="0" hangingPunct="1">
+      <a:defRPr sz="1200" kern="1200">
+        <a:solidFill>
+          <a:schemeClr val="tx1"/>
+        </a:solidFill>
+        <a:latin typeface="+mn-lt"/>
+        <a:ea typeface="+mn-ea"/>
+        <a:cs typeface="+mn-cs"/>
+      </a:defRPr>
+    </a:lvl8pPr>
+    <a:lvl9pPr marL="3657600" algn="l" defTabSz="914400" rtl="0" eaLnBrk="1" latinLnBrk="0" hangingPunct="1">
+      <a:defRPr sz="1200" kern="1200">
+        <a:solidFill>
+          <a:schemeClr val="tx1"/>
+        </a:solidFill>
+        <a:latin typeface="+mn-lt"/>
+        <a:ea typeface="+mn-ea"/>
+        <a:cs typeface="+mn-cs"/>
+      </a:defRPr>
+    </a:lvl9pPr>
+  </p:notesStyle>
+</p:notesMaster>
+</file>
+
+<file path=ppt/notesSlides/notesSlide1.xml><?xml version="1.0" encoding="utf-8"?>
+<p:notes xmlns:a="http://schemas.openxmlformats.org/drawingml/2006/main" xmlns:r="http://schemas.openxmlformats.org/officeDocument/2006/relationships" xmlns:p="http://schemas.openxmlformats.org/presentationml/2006/main">
+  <p:cSld>
+    <p:spTree>
+      <p:nvGrpSpPr>
+        <p:cNvPr id="1" name=""/>
+        <p:cNvGrpSpPr/>
+        <p:nvPr/>
+      </p:nvGrpSpPr>
+      <p:grpSpPr>
+        <a:xfrm>
+          <a:off x="0" y="0"/>
+          <a:ext cx="0" cy="0"/>
+          <a:chOff x="0" y="0"/>
+          <a:chExt cx="0" cy="0"/>
+        </a:xfrm>
+      </p:grpSpPr>
+      <p:sp>
+        <p:nvSpPr>
+          <p:cNvPr id="2" name="Slide Image Placeholder 1"/>
+          <p:cNvSpPr>
+            <a:spLocks noGrp="1" noRot="1" noChangeAspect="1"/>
+          </p:cNvSpPr>
+          <p:nvPr>
+            <p:ph type="sldImg"/>
+          </p:nvPr>
+        </p:nvSpPr>
+        <p:spPr/>
+      </p:sp>
+      <p:sp>
+        <p:nvSpPr>
+          <p:cNvPr id="3" name="Notes Placeholder 2"/>
+          <p:cNvSpPr>
+            <a:spLocks noGrp="1"/>
+          </p:cNvSpPr>
+          <p:nvPr>
+            <p:ph type="body" idx="1"/>
+          </p:nvPr>
+        </p:nvSpPr>
+        <p:spPr/>
+        <p:txBody>
+          <a:bodyPr/>
+          <a:lstStyle/>
+          <a:p>
+            <a:endParaRPr lang="en-US" dirty="0"/>
+          </a:p>
+        </p:txBody>
+      </p:sp>
+      <p:sp>
+        <p:nvSpPr>
+          <p:cNvPr id="4" name="Slide Number Placeholder 3"/>
+          <p:cNvSpPr>
+            <a:spLocks noGrp="1"/>
+          </p:cNvSpPr>
+          <p:nvPr>
+            <p:ph type="sldNum" sz="quarter" idx="5"/>
+          </p:nvPr>
+        </p:nvSpPr>
+        <p:spPr/>
+        <p:txBody>
+          <a:bodyPr/>
+          <a:lstStyle/>
+          <a:p>
+            <a:fld id="{003E99BF-A0E5-FA4D-AA09-FB1236F7E33F}" type="slidenum">
+              <a:rPr lang="en-US" smtClean="0"/>
+              <a:t>3</a:t>
+            </a:fld>
+            <a:endParaRPr lang="en-US"/>
+          </a:p>
+        </p:txBody>
+      </p:sp>
+    </p:spTree>
+    <p:extLst>
+      <p:ext uri="{BB962C8B-B14F-4D97-AF65-F5344CB8AC3E}">
+        <p14:creationId xmlns:p14="http://schemas.microsoft.com/office/powerpoint/2010/main" val="3624731444"/>
+      </p:ext>
+    </p:extLst>
+  </p:cSld>
+  <p:clrMapOvr>
+    <a:masterClrMapping/>
+  </p:clrMapOvr>
+</p:notes>
+</file>
+
 <file path=ppt/slideLayouts/slideLayout1.xml><?xml version="1.0" encoding="utf-8"?>
 <p:sldLayout xmlns:a="http://schemas.openxmlformats.org/drawingml/2006/main" xmlns:r="http://schemas.openxmlformats.org/officeDocument/2006/relationships" xmlns:p="http://schemas.openxmlformats.org/presentationml/2006/main" type="title" preserve="1">
   <p:cSld name="Titelfolie">
@@ -267,7 +706,7 @@
           <a:p>
             <a:fld id="{3C11A942-05DF-9B44-8746-CCD48309F77C}" type="datetimeFigureOut">
               <a:rPr lang="de-DE" smtClean="0"/>
-              <a:t>29.11.19</a:t>
+              <a:t>07.12.19</a:t>
             </a:fld>
             <a:endParaRPr lang="de-DE"/>
           </a:p>
@@ -321,7 +760,7 @@
           <a:p>
             <a:fld id="{21D39462-1686-F144-956E-428C19DBFAFB}" type="slidenum">
               <a:rPr lang="de-DE" smtClean="0"/>
-              <a:t>‹Nr.›</a:t>
+              <a:t>‹#›</a:t>
             </a:fld>
             <a:endParaRPr lang="de-DE"/>
           </a:p>
@@ -465,7 +904,7 @@
           <a:p>
             <a:fld id="{3C11A942-05DF-9B44-8746-CCD48309F77C}" type="datetimeFigureOut">
               <a:rPr lang="de-DE" smtClean="0"/>
-              <a:t>29.11.19</a:t>
+              <a:t>07.12.19</a:t>
             </a:fld>
             <a:endParaRPr lang="de-DE"/>
           </a:p>
@@ -519,7 +958,7 @@
           <a:p>
             <a:fld id="{21D39462-1686-F144-956E-428C19DBFAFB}" type="slidenum">
               <a:rPr lang="de-DE" smtClean="0"/>
-              <a:t>‹Nr.›</a:t>
+              <a:t>‹#›</a:t>
             </a:fld>
             <a:endParaRPr lang="de-DE"/>
           </a:p>
@@ -673,7 +1112,7 @@
           <a:p>
             <a:fld id="{3C11A942-05DF-9B44-8746-CCD48309F77C}" type="datetimeFigureOut">
               <a:rPr lang="de-DE" smtClean="0"/>
-              <a:t>29.11.19</a:t>
+              <a:t>07.12.19</a:t>
             </a:fld>
             <a:endParaRPr lang="de-DE"/>
           </a:p>
@@ -727,7 +1166,7 @@
           <a:p>
             <a:fld id="{21D39462-1686-F144-956E-428C19DBFAFB}" type="slidenum">
               <a:rPr lang="de-DE" smtClean="0"/>
-              <a:t>‹Nr.›</a:t>
+              <a:t>‹#›</a:t>
             </a:fld>
             <a:endParaRPr lang="de-DE"/>
           </a:p>
@@ -871,7 +1310,7 @@
           <a:p>
             <a:fld id="{3C11A942-05DF-9B44-8746-CCD48309F77C}" type="datetimeFigureOut">
               <a:rPr lang="de-DE" smtClean="0"/>
-              <a:t>29.11.19</a:t>
+              <a:t>07.12.19</a:t>
             </a:fld>
             <a:endParaRPr lang="de-DE"/>
           </a:p>
@@ -925,7 +1364,7 @@
           <a:p>
             <a:fld id="{21D39462-1686-F144-956E-428C19DBFAFB}" type="slidenum">
               <a:rPr lang="de-DE" smtClean="0"/>
-              <a:t>‹Nr.›</a:t>
+              <a:t>‹#›</a:t>
             </a:fld>
             <a:endParaRPr lang="de-DE"/>
           </a:p>
@@ -1146,7 +1585,7 @@
           <a:p>
             <a:fld id="{3C11A942-05DF-9B44-8746-CCD48309F77C}" type="datetimeFigureOut">
               <a:rPr lang="de-DE" smtClean="0"/>
-              <a:t>29.11.19</a:t>
+              <a:t>07.12.19</a:t>
             </a:fld>
             <a:endParaRPr lang="de-DE"/>
           </a:p>
@@ -1200,7 +1639,7 @@
           <a:p>
             <a:fld id="{21D39462-1686-F144-956E-428C19DBFAFB}" type="slidenum">
               <a:rPr lang="de-DE" smtClean="0"/>
-              <a:t>‹Nr.›</a:t>
+              <a:t>‹#›</a:t>
             </a:fld>
             <a:endParaRPr lang="de-DE"/>
           </a:p>
@@ -1411,7 +1850,7 @@
           <a:p>
             <a:fld id="{3C11A942-05DF-9B44-8746-CCD48309F77C}" type="datetimeFigureOut">
               <a:rPr lang="de-DE" smtClean="0"/>
-              <a:t>29.11.19</a:t>
+              <a:t>07.12.19</a:t>
             </a:fld>
             <a:endParaRPr lang="de-DE"/>
           </a:p>
@@ -1465,7 +1904,7 @@
           <a:p>
             <a:fld id="{21D39462-1686-F144-956E-428C19DBFAFB}" type="slidenum">
               <a:rPr lang="de-DE" smtClean="0"/>
-              <a:t>‹Nr.›</a:t>
+              <a:t>‹#›</a:t>
             </a:fld>
             <a:endParaRPr lang="de-DE"/>
           </a:p>
@@ -1823,7 +2262,7 @@
           <a:p>
             <a:fld id="{3C11A942-05DF-9B44-8746-CCD48309F77C}" type="datetimeFigureOut">
               <a:rPr lang="de-DE" smtClean="0"/>
-              <a:t>29.11.19</a:t>
+              <a:t>07.12.19</a:t>
             </a:fld>
             <a:endParaRPr lang="de-DE"/>
           </a:p>
@@ -1877,7 +2316,7 @@
           <a:p>
             <a:fld id="{21D39462-1686-F144-956E-428C19DBFAFB}" type="slidenum">
               <a:rPr lang="de-DE" smtClean="0"/>
-              <a:t>‹Nr.›</a:t>
+              <a:t>‹#›</a:t>
             </a:fld>
             <a:endParaRPr lang="de-DE"/>
           </a:p>
@@ -1964,7 +2403,7 @@
           <a:p>
             <a:fld id="{3C11A942-05DF-9B44-8746-CCD48309F77C}" type="datetimeFigureOut">
               <a:rPr lang="de-DE" smtClean="0"/>
-              <a:t>29.11.19</a:t>
+              <a:t>07.12.19</a:t>
             </a:fld>
             <a:endParaRPr lang="de-DE"/>
           </a:p>
@@ -2018,7 +2457,7 @@
           <a:p>
             <a:fld id="{21D39462-1686-F144-956E-428C19DBFAFB}" type="slidenum">
               <a:rPr lang="de-DE" smtClean="0"/>
-              <a:t>‹Nr.›</a:t>
+              <a:t>‹#›</a:t>
             </a:fld>
             <a:endParaRPr lang="de-DE"/>
           </a:p>
@@ -2077,7 +2516,7 @@
           <a:p>
             <a:fld id="{3C11A942-05DF-9B44-8746-CCD48309F77C}" type="datetimeFigureOut">
               <a:rPr lang="de-DE" smtClean="0"/>
-              <a:t>29.11.19</a:t>
+              <a:t>07.12.19</a:t>
             </a:fld>
             <a:endParaRPr lang="de-DE"/>
           </a:p>
@@ -2131,7 +2570,7 @@
           <a:p>
             <a:fld id="{21D39462-1686-F144-956E-428C19DBFAFB}" type="slidenum">
               <a:rPr lang="de-DE" smtClean="0"/>
-              <a:t>‹Nr.›</a:t>
+              <a:t>‹#›</a:t>
             </a:fld>
             <a:endParaRPr lang="de-DE"/>
           </a:p>
@@ -2388,7 +2827,7 @@
           <a:p>
             <a:fld id="{3C11A942-05DF-9B44-8746-CCD48309F77C}" type="datetimeFigureOut">
               <a:rPr lang="de-DE" smtClean="0"/>
-              <a:t>29.11.19</a:t>
+              <a:t>07.12.19</a:t>
             </a:fld>
             <a:endParaRPr lang="de-DE"/>
           </a:p>
@@ -2442,7 +2881,7 @@
           <a:p>
             <a:fld id="{21D39462-1686-F144-956E-428C19DBFAFB}" type="slidenum">
               <a:rPr lang="de-DE" smtClean="0"/>
-              <a:t>‹Nr.›</a:t>
+              <a:t>‹#›</a:t>
             </a:fld>
             <a:endParaRPr lang="de-DE"/>
           </a:p>
@@ -2676,7 +3115,7 @@
           <a:p>
             <a:fld id="{3C11A942-05DF-9B44-8746-CCD48309F77C}" type="datetimeFigureOut">
               <a:rPr lang="de-DE" smtClean="0"/>
-              <a:t>29.11.19</a:t>
+              <a:t>07.12.19</a:t>
             </a:fld>
             <a:endParaRPr lang="de-DE"/>
           </a:p>
@@ -2730,7 +3169,7 @@
           <a:p>
             <a:fld id="{21D39462-1686-F144-956E-428C19DBFAFB}" type="slidenum">
               <a:rPr lang="de-DE" smtClean="0"/>
-              <a:t>‹Nr.›</a:t>
+              <a:t>‹#›</a:t>
             </a:fld>
             <a:endParaRPr lang="de-DE"/>
           </a:p>
@@ -2917,7 +3356,7 @@
           <a:p>
             <a:fld id="{3C11A942-05DF-9B44-8746-CCD48309F77C}" type="datetimeFigureOut">
               <a:rPr lang="de-DE" smtClean="0"/>
-              <a:t>29.11.19</a:t>
+              <a:t>07.12.19</a:t>
             </a:fld>
             <a:endParaRPr lang="de-DE"/>
           </a:p>
@@ -3007,7 +3446,7 @@
           <a:p>
             <a:fld id="{21D39462-1686-F144-956E-428C19DBFAFB}" type="slidenum">
               <a:rPr lang="de-DE" smtClean="0"/>
-              <a:t>‹Nr.›</a:t>
+              <a:t>‹#›</a:t>
             </a:fld>
             <a:endParaRPr lang="de-DE"/>
           </a:p>
@@ -3400,575 +3839,7 @@
 </p:sld>
 </file>
 
-<file path=ppt/slides/slide2.xml><?xml version="1.0" encoding="utf-8"?>
-<p:sld xmlns:a="http://schemas.openxmlformats.org/drawingml/2006/main" xmlns:r="http://schemas.openxmlformats.org/officeDocument/2006/relationships" xmlns:p="http://schemas.openxmlformats.org/presentationml/2006/main">
-  <p:cSld>
-    <p:spTree>
-      <p:nvGrpSpPr>
-        <p:cNvPr id="1" name=""/>
-        <p:cNvGrpSpPr/>
-        <p:nvPr/>
-      </p:nvGrpSpPr>
-      <p:grpSpPr>
-        <a:xfrm>
-          <a:off x="0" y="0"/>
-          <a:ext cx="0" cy="0"/>
-          <a:chOff x="0" y="0"/>
-          <a:chExt cx="0" cy="0"/>
-        </a:xfrm>
-      </p:grpSpPr>
-      <p:sp>
-        <p:nvSpPr>
-          <p:cNvPr id="2" name="Titel 1">
-            <a:extLst>
-              <a:ext uri="{FF2B5EF4-FFF2-40B4-BE49-F238E27FC236}">
-                <a16:creationId xmlns:a16="http://schemas.microsoft.com/office/drawing/2014/main" id="{543CD651-5D8D-714A-BC83-8D87315197B4}"/>
-              </a:ext>
-            </a:extLst>
-          </p:cNvPr>
-          <p:cNvSpPr>
-            <a:spLocks noGrp="1"/>
-          </p:cNvSpPr>
-          <p:nvPr>
-            <p:ph type="title"/>
-          </p:nvPr>
-        </p:nvSpPr>
-        <p:spPr/>
-        <p:txBody>
-          <a:bodyPr/>
-          <a:lstStyle/>
-          <a:p>
-            <a:r>
-              <a:rPr lang="de-DE" dirty="0"/>
-              <a:t>As-</a:t>
-            </a:r>
-            <a:r>
-              <a:rPr lang="de-DE" dirty="0" err="1"/>
-              <a:t>is</a:t>
-            </a:r>
-            <a:r>
-              <a:rPr lang="de-DE" dirty="0"/>
-              <a:t> Situation / Problem</a:t>
-            </a:r>
-          </a:p>
-        </p:txBody>
-      </p:sp>
-      <p:sp>
-        <p:nvSpPr>
-          <p:cNvPr id="3" name="Inhaltsplatzhalter 2">
-            <a:extLst>
-              <a:ext uri="{FF2B5EF4-FFF2-40B4-BE49-F238E27FC236}">
-                <a16:creationId xmlns:a16="http://schemas.microsoft.com/office/drawing/2014/main" id="{81A112BB-A17F-A147-8808-9DFEA80E5179}"/>
-              </a:ext>
-            </a:extLst>
-          </p:cNvPr>
-          <p:cNvSpPr>
-            <a:spLocks noGrp="1"/>
-          </p:cNvSpPr>
-          <p:nvPr>
-            <p:ph idx="1"/>
-          </p:nvPr>
-        </p:nvSpPr>
-        <p:spPr/>
-        <p:txBody>
-          <a:bodyPr/>
-          <a:lstStyle/>
-          <a:p>
-            <a:endParaRPr lang="de-DE"/>
-          </a:p>
-        </p:txBody>
-      </p:sp>
-    </p:spTree>
-    <p:extLst>
-      <p:ext uri="{BB962C8B-B14F-4D97-AF65-F5344CB8AC3E}">
-        <p14:creationId xmlns:p14="http://schemas.microsoft.com/office/powerpoint/2010/main" val="2891464357"/>
-      </p:ext>
-    </p:extLst>
-  </p:cSld>
-  <p:clrMapOvr>
-    <a:masterClrMapping/>
-  </p:clrMapOvr>
-</p:sld>
-</file>
-
-<file path=ppt/slides/slide3.xml><?xml version="1.0" encoding="utf-8"?>
-<p:sld xmlns:a="http://schemas.openxmlformats.org/drawingml/2006/main" xmlns:r="http://schemas.openxmlformats.org/officeDocument/2006/relationships" xmlns:p="http://schemas.openxmlformats.org/presentationml/2006/main">
-  <p:cSld>
-    <p:spTree>
-      <p:nvGrpSpPr>
-        <p:cNvPr id="1" name=""/>
-        <p:cNvGrpSpPr/>
-        <p:nvPr/>
-      </p:nvGrpSpPr>
-      <p:grpSpPr>
-        <a:xfrm>
-          <a:off x="0" y="0"/>
-          <a:ext cx="0" cy="0"/>
-          <a:chOff x="0" y="0"/>
-          <a:chExt cx="0" cy="0"/>
-        </a:xfrm>
-      </p:grpSpPr>
-      <p:sp>
-        <p:nvSpPr>
-          <p:cNvPr id="2" name="Titel 1">
-            <a:extLst>
-              <a:ext uri="{FF2B5EF4-FFF2-40B4-BE49-F238E27FC236}">
-                <a16:creationId xmlns:a16="http://schemas.microsoft.com/office/drawing/2014/main" id="{8128BF6A-F471-D24C-A54D-BBCCE88CB8AC}"/>
-              </a:ext>
-            </a:extLst>
-          </p:cNvPr>
-          <p:cNvSpPr>
-            <a:spLocks noGrp="1"/>
-          </p:cNvSpPr>
-          <p:nvPr>
-            <p:ph type="title"/>
-          </p:nvPr>
-        </p:nvSpPr>
-        <p:spPr/>
-        <p:txBody>
-          <a:bodyPr/>
-          <a:lstStyle/>
-          <a:p>
-            <a:r>
-              <a:rPr lang="de-DE" dirty="0"/>
-              <a:t>Future State</a:t>
-            </a:r>
-          </a:p>
-        </p:txBody>
-      </p:sp>
-      <p:sp>
-        <p:nvSpPr>
-          <p:cNvPr id="3" name="Inhaltsplatzhalter 2">
-            <a:extLst>
-              <a:ext uri="{FF2B5EF4-FFF2-40B4-BE49-F238E27FC236}">
-                <a16:creationId xmlns:a16="http://schemas.microsoft.com/office/drawing/2014/main" id="{345FB8E8-E89B-F947-9F45-46F20F7FF1FB}"/>
-              </a:ext>
-            </a:extLst>
-          </p:cNvPr>
-          <p:cNvSpPr>
-            <a:spLocks noGrp="1"/>
-          </p:cNvSpPr>
-          <p:nvPr>
-            <p:ph idx="1"/>
-          </p:nvPr>
-        </p:nvSpPr>
-        <p:spPr/>
-        <p:txBody>
-          <a:bodyPr/>
-          <a:lstStyle/>
-          <a:p>
-            <a:endParaRPr lang="de-DE"/>
-          </a:p>
-        </p:txBody>
-      </p:sp>
-    </p:spTree>
-    <p:extLst>
-      <p:ext uri="{BB962C8B-B14F-4D97-AF65-F5344CB8AC3E}">
-        <p14:creationId xmlns:p14="http://schemas.microsoft.com/office/powerpoint/2010/main" val="3865663739"/>
-      </p:ext>
-    </p:extLst>
-  </p:cSld>
-  <p:clrMapOvr>
-    <a:masterClrMapping/>
-  </p:clrMapOvr>
-</p:sld>
-</file>
-
-<file path=ppt/slides/slide4.xml><?xml version="1.0" encoding="utf-8"?>
-<p:sld xmlns:a="http://schemas.openxmlformats.org/drawingml/2006/main" xmlns:r="http://schemas.openxmlformats.org/officeDocument/2006/relationships" xmlns:p="http://schemas.openxmlformats.org/presentationml/2006/main">
-  <p:cSld>
-    <p:spTree>
-      <p:nvGrpSpPr>
-        <p:cNvPr id="1" name=""/>
-        <p:cNvGrpSpPr/>
-        <p:nvPr/>
-      </p:nvGrpSpPr>
-      <p:grpSpPr>
-        <a:xfrm>
-          <a:off x="0" y="0"/>
-          <a:ext cx="0" cy="0"/>
-          <a:chOff x="0" y="0"/>
-          <a:chExt cx="0" cy="0"/>
-        </a:xfrm>
-      </p:grpSpPr>
-      <p:sp>
-        <p:nvSpPr>
-          <p:cNvPr id="2" name="Titel 1">
-            <a:extLst>
-              <a:ext uri="{FF2B5EF4-FFF2-40B4-BE49-F238E27FC236}">
-                <a16:creationId xmlns:a16="http://schemas.microsoft.com/office/drawing/2014/main" id="{302B1279-B3EF-2646-AB97-D39DC4F7B527}"/>
-              </a:ext>
-            </a:extLst>
-          </p:cNvPr>
-          <p:cNvSpPr>
-            <a:spLocks noGrp="1"/>
-          </p:cNvSpPr>
-          <p:nvPr>
-            <p:ph type="title"/>
-          </p:nvPr>
-        </p:nvSpPr>
-        <p:spPr/>
-        <p:txBody>
-          <a:bodyPr/>
-          <a:lstStyle/>
-          <a:p>
-            <a:r>
-              <a:rPr lang="de-DE" dirty="0" err="1"/>
-              <a:t>Methodology</a:t>
-            </a:r>
-            <a:r>
-              <a:rPr lang="de-DE" dirty="0"/>
-              <a:t> / Approach</a:t>
-            </a:r>
-          </a:p>
-        </p:txBody>
-      </p:sp>
-      <p:sp>
-        <p:nvSpPr>
-          <p:cNvPr id="3" name="Inhaltsplatzhalter 2">
-            <a:extLst>
-              <a:ext uri="{FF2B5EF4-FFF2-40B4-BE49-F238E27FC236}">
-                <a16:creationId xmlns:a16="http://schemas.microsoft.com/office/drawing/2014/main" id="{D942E08F-BC02-0242-A9B0-B1BB9183E6EC}"/>
-              </a:ext>
-            </a:extLst>
-          </p:cNvPr>
-          <p:cNvSpPr>
-            <a:spLocks noGrp="1"/>
-          </p:cNvSpPr>
-          <p:nvPr>
-            <p:ph idx="1"/>
-          </p:nvPr>
-        </p:nvSpPr>
-        <p:spPr/>
-        <p:txBody>
-          <a:bodyPr/>
-          <a:lstStyle/>
-          <a:p>
-            <a:endParaRPr lang="de-DE" dirty="0"/>
-          </a:p>
-        </p:txBody>
-      </p:sp>
-    </p:spTree>
-    <p:extLst>
-      <p:ext uri="{BB962C8B-B14F-4D97-AF65-F5344CB8AC3E}">
-        <p14:creationId xmlns:p14="http://schemas.microsoft.com/office/powerpoint/2010/main" val="1910290384"/>
-      </p:ext>
-    </p:extLst>
-  </p:cSld>
-  <p:clrMapOvr>
-    <a:masterClrMapping/>
-  </p:clrMapOvr>
-</p:sld>
-</file>
-
-<file path=ppt/slides/slide5.xml><?xml version="1.0" encoding="utf-8"?>
-<p:sld xmlns:a="http://schemas.openxmlformats.org/drawingml/2006/main" xmlns:r="http://schemas.openxmlformats.org/officeDocument/2006/relationships" xmlns:p="http://schemas.openxmlformats.org/presentationml/2006/main">
-  <p:cSld>
-    <p:spTree>
-      <p:nvGrpSpPr>
-        <p:cNvPr id="1" name=""/>
-        <p:cNvGrpSpPr/>
-        <p:nvPr/>
-      </p:nvGrpSpPr>
-      <p:grpSpPr>
-        <a:xfrm>
-          <a:off x="0" y="0"/>
-          <a:ext cx="0" cy="0"/>
-          <a:chOff x="0" y="0"/>
-          <a:chExt cx="0" cy="0"/>
-        </a:xfrm>
-      </p:grpSpPr>
-      <p:sp>
-        <p:nvSpPr>
-          <p:cNvPr id="2" name="Titel 1">
-            <a:extLst>
-              <a:ext uri="{FF2B5EF4-FFF2-40B4-BE49-F238E27FC236}">
-                <a16:creationId xmlns:a16="http://schemas.microsoft.com/office/drawing/2014/main" id="{87C8146E-BABE-8F4E-B54C-066201B4098F}"/>
-              </a:ext>
-            </a:extLst>
-          </p:cNvPr>
-          <p:cNvSpPr>
-            <a:spLocks noGrp="1"/>
-          </p:cNvSpPr>
-          <p:nvPr>
-            <p:ph type="title"/>
-          </p:nvPr>
-        </p:nvSpPr>
-        <p:spPr/>
-        <p:txBody>
-          <a:bodyPr/>
-          <a:lstStyle/>
-          <a:p>
-            <a:r>
-              <a:rPr lang="de-DE" dirty="0"/>
-              <a:t>Outcomes  </a:t>
-            </a:r>
-            <a:r>
-              <a:rPr lang="de-DE" dirty="0" err="1"/>
-              <a:t>from</a:t>
-            </a:r>
-            <a:r>
-              <a:rPr lang="de-DE" dirty="0"/>
-              <a:t> </a:t>
-            </a:r>
-            <a:r>
-              <a:rPr lang="de-DE" dirty="0" err="1"/>
-              <a:t>Questionnaire</a:t>
-            </a:r>
-            <a:r>
-              <a:rPr lang="de-DE" dirty="0"/>
-              <a:t> – Student </a:t>
-            </a:r>
-            <a:r>
-              <a:rPr lang="de-DE" dirty="0" err="1"/>
-              <a:t>view</a:t>
-            </a:r>
-            <a:endParaRPr lang="de-DE" dirty="0"/>
-          </a:p>
-        </p:txBody>
-      </p:sp>
-      <p:sp>
-        <p:nvSpPr>
-          <p:cNvPr id="3" name="Inhaltsplatzhalter 2">
-            <a:extLst>
-              <a:ext uri="{FF2B5EF4-FFF2-40B4-BE49-F238E27FC236}">
-                <a16:creationId xmlns:a16="http://schemas.microsoft.com/office/drawing/2014/main" id="{8608956C-85E4-D942-A442-F220E2778D5F}"/>
-              </a:ext>
-            </a:extLst>
-          </p:cNvPr>
-          <p:cNvSpPr>
-            <a:spLocks noGrp="1"/>
-          </p:cNvSpPr>
-          <p:nvPr>
-            <p:ph idx="1"/>
-          </p:nvPr>
-        </p:nvSpPr>
-        <p:spPr/>
-        <p:txBody>
-          <a:bodyPr/>
-          <a:lstStyle/>
-          <a:p>
-            <a:endParaRPr lang="de-DE" dirty="0"/>
-          </a:p>
-        </p:txBody>
-      </p:sp>
-    </p:spTree>
-    <p:extLst>
-      <p:ext uri="{BB962C8B-B14F-4D97-AF65-F5344CB8AC3E}">
-        <p14:creationId xmlns:p14="http://schemas.microsoft.com/office/powerpoint/2010/main" val="2568166804"/>
-      </p:ext>
-    </p:extLst>
-  </p:cSld>
-  <p:clrMapOvr>
-    <a:masterClrMapping/>
-  </p:clrMapOvr>
-</p:sld>
-</file>
-
-<file path=ppt/slides/slide6.xml><?xml version="1.0" encoding="utf-8"?>
-<p:sld xmlns:a="http://schemas.openxmlformats.org/drawingml/2006/main" xmlns:r="http://schemas.openxmlformats.org/officeDocument/2006/relationships" xmlns:p="http://schemas.openxmlformats.org/presentationml/2006/main">
-  <p:cSld>
-    <p:spTree>
-      <p:nvGrpSpPr>
-        <p:cNvPr id="1" name=""/>
-        <p:cNvGrpSpPr/>
-        <p:nvPr/>
-      </p:nvGrpSpPr>
-      <p:grpSpPr>
-        <a:xfrm>
-          <a:off x="0" y="0"/>
-          <a:ext cx="0" cy="0"/>
-          <a:chOff x="0" y="0"/>
-          <a:chExt cx="0" cy="0"/>
-        </a:xfrm>
-      </p:grpSpPr>
-      <p:sp>
-        <p:nvSpPr>
-          <p:cNvPr id="2" name="Titel 1">
-            <a:extLst>
-              <a:ext uri="{FF2B5EF4-FFF2-40B4-BE49-F238E27FC236}">
-                <a16:creationId xmlns:a16="http://schemas.microsoft.com/office/drawing/2014/main" id="{87C8146E-BABE-8F4E-B54C-066201B4098F}"/>
-              </a:ext>
-            </a:extLst>
-          </p:cNvPr>
-          <p:cNvSpPr>
-            <a:spLocks noGrp="1"/>
-          </p:cNvSpPr>
-          <p:nvPr>
-            <p:ph type="title"/>
-          </p:nvPr>
-        </p:nvSpPr>
-        <p:spPr/>
-        <p:txBody>
-          <a:bodyPr/>
-          <a:lstStyle/>
-          <a:p>
-            <a:r>
-              <a:rPr lang="de-DE" dirty="0"/>
-              <a:t>Outcomes  </a:t>
-            </a:r>
-            <a:r>
-              <a:rPr lang="de-DE" dirty="0" err="1"/>
-              <a:t>from</a:t>
-            </a:r>
-            <a:r>
-              <a:rPr lang="de-DE" dirty="0"/>
-              <a:t> </a:t>
-            </a:r>
-            <a:r>
-              <a:rPr lang="de-DE" dirty="0" err="1"/>
-              <a:t>Questionnaire</a:t>
-            </a:r>
-            <a:r>
-              <a:rPr lang="de-DE" dirty="0"/>
-              <a:t> – </a:t>
-            </a:r>
-            <a:r>
-              <a:rPr lang="de-DE" dirty="0" err="1"/>
-              <a:t>Lecturer</a:t>
-            </a:r>
-            <a:r>
-              <a:rPr lang="de-DE" dirty="0"/>
-              <a:t> </a:t>
-            </a:r>
-            <a:r>
-              <a:rPr lang="de-DE" dirty="0" err="1"/>
-              <a:t>view</a:t>
-            </a:r>
-            <a:endParaRPr lang="de-DE" dirty="0"/>
-          </a:p>
-        </p:txBody>
-      </p:sp>
-      <p:sp>
-        <p:nvSpPr>
-          <p:cNvPr id="3" name="Inhaltsplatzhalter 2">
-            <a:extLst>
-              <a:ext uri="{FF2B5EF4-FFF2-40B4-BE49-F238E27FC236}">
-                <a16:creationId xmlns:a16="http://schemas.microsoft.com/office/drawing/2014/main" id="{8608956C-85E4-D942-A442-F220E2778D5F}"/>
-              </a:ext>
-            </a:extLst>
-          </p:cNvPr>
-          <p:cNvSpPr>
-            <a:spLocks noGrp="1"/>
-          </p:cNvSpPr>
-          <p:nvPr>
-            <p:ph idx="1"/>
-          </p:nvPr>
-        </p:nvSpPr>
-        <p:spPr/>
-        <p:txBody>
-          <a:bodyPr/>
-          <a:lstStyle/>
-          <a:p>
-            <a:endParaRPr lang="de-DE" dirty="0"/>
-          </a:p>
-        </p:txBody>
-      </p:sp>
-    </p:spTree>
-    <p:extLst>
-      <p:ext uri="{BB962C8B-B14F-4D97-AF65-F5344CB8AC3E}">
-        <p14:creationId xmlns:p14="http://schemas.microsoft.com/office/powerpoint/2010/main" val="1001805346"/>
-      </p:ext>
-    </p:extLst>
-  </p:cSld>
-  <p:clrMapOvr>
-    <a:masterClrMapping/>
-  </p:clrMapOvr>
-</p:sld>
-</file>
-
-<file path=ppt/slides/slide7.xml><?xml version="1.0" encoding="utf-8"?>
-<p:sld xmlns:a="http://schemas.openxmlformats.org/drawingml/2006/main" xmlns:r="http://schemas.openxmlformats.org/officeDocument/2006/relationships" xmlns:p="http://schemas.openxmlformats.org/presentationml/2006/main">
-  <p:cSld>
-    <p:spTree>
-      <p:nvGrpSpPr>
-        <p:cNvPr id="1" name=""/>
-        <p:cNvGrpSpPr/>
-        <p:nvPr/>
-      </p:nvGrpSpPr>
-      <p:grpSpPr>
-        <a:xfrm>
-          <a:off x="0" y="0"/>
-          <a:ext cx="0" cy="0"/>
-          <a:chOff x="0" y="0"/>
-          <a:chExt cx="0" cy="0"/>
-        </a:xfrm>
-      </p:grpSpPr>
-      <p:sp>
-        <p:nvSpPr>
-          <p:cNvPr id="2" name="Titel 1">
-            <a:extLst>
-              <a:ext uri="{FF2B5EF4-FFF2-40B4-BE49-F238E27FC236}">
-                <a16:creationId xmlns:a16="http://schemas.microsoft.com/office/drawing/2014/main" id="{87C8146E-BABE-8F4E-B54C-066201B4098F}"/>
-              </a:ext>
-            </a:extLst>
-          </p:cNvPr>
-          <p:cNvSpPr>
-            <a:spLocks noGrp="1"/>
-          </p:cNvSpPr>
-          <p:nvPr>
-            <p:ph type="title"/>
-          </p:nvPr>
-        </p:nvSpPr>
-        <p:spPr/>
-        <p:txBody>
-          <a:bodyPr/>
-          <a:lstStyle/>
-          <a:p>
-            <a:r>
-              <a:rPr lang="de-DE" dirty="0"/>
-              <a:t>Outcomes </a:t>
-            </a:r>
-            <a:r>
-              <a:rPr lang="de-DE" dirty="0" err="1"/>
-              <a:t>Experts</a:t>
-            </a:r>
-            <a:r>
-              <a:rPr lang="de-DE" dirty="0"/>
-              <a:t> interview</a:t>
-            </a:r>
-          </a:p>
-        </p:txBody>
-      </p:sp>
-      <p:sp>
-        <p:nvSpPr>
-          <p:cNvPr id="3" name="Inhaltsplatzhalter 2">
-            <a:extLst>
-              <a:ext uri="{FF2B5EF4-FFF2-40B4-BE49-F238E27FC236}">
-                <a16:creationId xmlns:a16="http://schemas.microsoft.com/office/drawing/2014/main" id="{8608956C-85E4-D942-A442-F220E2778D5F}"/>
-              </a:ext>
-            </a:extLst>
-          </p:cNvPr>
-          <p:cNvSpPr>
-            <a:spLocks noGrp="1"/>
-          </p:cNvSpPr>
-          <p:nvPr>
-            <p:ph idx="1"/>
-          </p:nvPr>
-        </p:nvSpPr>
-        <p:spPr/>
-        <p:txBody>
-          <a:bodyPr/>
-          <a:lstStyle/>
-          <a:p>
-            <a:endParaRPr lang="de-DE" dirty="0"/>
-          </a:p>
-        </p:txBody>
-      </p:sp>
-    </p:spTree>
-    <p:extLst>
-      <p:ext uri="{BB962C8B-B14F-4D97-AF65-F5344CB8AC3E}">
-        <p14:creationId xmlns:p14="http://schemas.microsoft.com/office/powerpoint/2010/main" val="1296492468"/>
-      </p:ext>
-    </p:extLst>
-  </p:cSld>
-  <p:clrMapOvr>
-    <a:masterClrMapping/>
-  </p:clrMapOvr>
-</p:sld>
-</file>
-
-<file path=ppt/slides/slide8.xml><?xml version="1.0" encoding="utf-8"?>
+<file path=ppt/slides/slide10.xml><?xml version="1.0" encoding="utf-8"?>
 <p:sld xmlns:a="http://schemas.openxmlformats.org/drawingml/2006/main" xmlns:r="http://schemas.openxmlformats.org/officeDocument/2006/relationships" xmlns:p="http://schemas.openxmlformats.org/presentationml/2006/main">
   <p:cSld>
     <p:spTree>
@@ -4832,6 +4703,2218 @@
 </p:sld>
 </file>
 
+<file path=ppt/slides/slide11.xml><?xml version="1.0" encoding="utf-8"?>
+<p:sld xmlns:a="http://schemas.openxmlformats.org/drawingml/2006/main" xmlns:r="http://schemas.openxmlformats.org/officeDocument/2006/relationships" xmlns:p="http://schemas.openxmlformats.org/presentationml/2006/main">
+  <p:cSld>
+    <p:spTree>
+      <p:nvGrpSpPr>
+        <p:cNvPr id="1" name=""/>
+        <p:cNvGrpSpPr/>
+        <p:nvPr/>
+      </p:nvGrpSpPr>
+      <p:grpSpPr>
+        <a:xfrm>
+          <a:off x="0" y="0"/>
+          <a:ext cx="0" cy="0"/>
+          <a:chOff x="0" y="0"/>
+          <a:chExt cx="0" cy="0"/>
+        </a:xfrm>
+      </p:grpSpPr>
+      <p:sp>
+        <p:nvSpPr>
+          <p:cNvPr id="2" name="Title 1">
+            <a:extLst>
+              <a:ext uri="{FF2B5EF4-FFF2-40B4-BE49-F238E27FC236}">
+                <a16:creationId xmlns:a16="http://schemas.microsoft.com/office/drawing/2014/main" id="{5E5F8FD9-564A-7D46-8E9F-719B4252779C}"/>
+              </a:ext>
+            </a:extLst>
+          </p:cNvPr>
+          <p:cNvSpPr>
+            <a:spLocks noGrp="1"/>
+          </p:cNvSpPr>
+          <p:nvPr>
+            <p:ph type="title"/>
+          </p:nvPr>
+        </p:nvSpPr>
+        <p:spPr/>
+        <p:txBody>
+          <a:bodyPr/>
+          <a:lstStyle/>
+          <a:p>
+            <a:r>
+              <a:rPr lang="en-US" dirty="0"/>
+              <a:t>Tipps from Maja</a:t>
+            </a:r>
+          </a:p>
+        </p:txBody>
+      </p:sp>
+      <p:sp>
+        <p:nvSpPr>
+          <p:cNvPr id="3" name="Content Placeholder 2">
+            <a:extLst>
+              <a:ext uri="{FF2B5EF4-FFF2-40B4-BE49-F238E27FC236}">
+                <a16:creationId xmlns:a16="http://schemas.microsoft.com/office/drawing/2014/main" id="{F21D2186-7A33-7E42-8789-2FF4F85B6147}"/>
+              </a:ext>
+            </a:extLst>
+          </p:cNvPr>
+          <p:cNvSpPr>
+            <a:spLocks noGrp="1"/>
+          </p:cNvSpPr>
+          <p:nvPr>
+            <p:ph idx="1"/>
+          </p:nvPr>
+        </p:nvSpPr>
+        <p:spPr/>
+        <p:txBody>
+          <a:bodyPr>
+            <a:normAutofit fontScale="85000" lnSpcReduction="20000"/>
+          </a:bodyPr>
+          <a:lstStyle/>
+          <a:p>
+            <a:r>
+              <a:rPr lang="en-US" dirty="0"/>
+              <a:t>Pitch</a:t>
+            </a:r>
+          </a:p>
+          <a:p>
+            <a:pPr lvl="1"/>
+            <a:r>
+              <a:rPr lang="en-US" dirty="0" err="1"/>
+              <a:t>Welche</a:t>
+            </a:r>
+            <a:r>
+              <a:rPr lang="en-US" dirty="0"/>
+              <a:t> </a:t>
+            </a:r>
+            <a:r>
+              <a:rPr lang="en-US" dirty="0" err="1"/>
+              <a:t>Lernmethode</a:t>
+            </a:r>
+            <a:r>
+              <a:rPr lang="en-US" dirty="0"/>
+              <a:t> </a:t>
+            </a:r>
+            <a:r>
+              <a:rPr lang="en-US" dirty="0" err="1"/>
+              <a:t>brauchen</a:t>
+            </a:r>
+            <a:r>
+              <a:rPr lang="en-US" dirty="0"/>
+              <a:t> </a:t>
+            </a:r>
+            <a:r>
+              <a:rPr lang="en-US" dirty="0" err="1"/>
+              <a:t>wir</a:t>
+            </a:r>
+            <a:r>
+              <a:rPr lang="en-US" dirty="0"/>
+              <a:t>, </a:t>
+            </a:r>
+            <a:r>
+              <a:rPr lang="en-US" dirty="0" err="1"/>
+              <a:t>welche</a:t>
+            </a:r>
+            <a:r>
+              <a:rPr lang="en-US" dirty="0"/>
+              <a:t> Tools </a:t>
+            </a:r>
+            <a:r>
+              <a:rPr lang="en-US" dirty="0" err="1"/>
+              <a:t>brauchen</a:t>
+            </a:r>
+            <a:r>
+              <a:rPr lang="en-US" dirty="0"/>
+              <a:t> </a:t>
+            </a:r>
+            <a:r>
+              <a:rPr lang="en-US" dirty="0" err="1"/>
+              <a:t>wir</a:t>
+            </a:r>
+            <a:endParaRPr lang="en-US" dirty="0"/>
+          </a:p>
+          <a:p>
+            <a:pPr lvl="2"/>
+            <a:r>
+              <a:rPr lang="en-US" dirty="0"/>
+              <a:t>Brainstorming was muss man </a:t>
+            </a:r>
+            <a:r>
+              <a:rPr lang="en-US" dirty="0" err="1"/>
+              <a:t>alles</a:t>
+            </a:r>
+            <a:r>
+              <a:rPr lang="en-US" dirty="0"/>
+              <a:t> </a:t>
+            </a:r>
+            <a:r>
+              <a:rPr lang="en-US" dirty="0" err="1"/>
+              <a:t>beibringen</a:t>
+            </a:r>
+            <a:endParaRPr lang="en-US" dirty="0"/>
+          </a:p>
+          <a:p>
+            <a:pPr lvl="2"/>
+            <a:r>
+              <a:rPr lang="en-US" dirty="0" err="1"/>
+              <a:t>Welche</a:t>
+            </a:r>
+            <a:r>
+              <a:rPr lang="en-US" dirty="0"/>
+              <a:t> </a:t>
+            </a:r>
+            <a:r>
+              <a:rPr lang="en-US" dirty="0" err="1"/>
+              <a:t>Programmiersprache</a:t>
+            </a:r>
+            <a:r>
+              <a:rPr lang="en-US" dirty="0"/>
+              <a:t> </a:t>
+            </a:r>
+            <a:r>
+              <a:rPr lang="en-US" dirty="0" err="1"/>
+              <a:t>überhaupt</a:t>
+            </a:r>
+            <a:r>
+              <a:rPr lang="en-US" dirty="0"/>
+              <a:t> </a:t>
+            </a:r>
+          </a:p>
+          <a:p>
+            <a:pPr lvl="2"/>
+            <a:endParaRPr lang="en-US" dirty="0"/>
+          </a:p>
+          <a:p>
+            <a:pPr lvl="2"/>
+            <a:r>
+              <a:rPr lang="en-US" dirty="0"/>
+              <a:t>Tools / </a:t>
+            </a:r>
+            <a:r>
+              <a:rPr lang="en-US" dirty="0" err="1"/>
+              <a:t>Möglichkeiten</a:t>
+            </a:r>
+            <a:r>
+              <a:rPr lang="en-US" dirty="0"/>
+              <a:t> </a:t>
+            </a:r>
+            <a:r>
+              <a:rPr lang="en-US" dirty="0" err="1"/>
+              <a:t>im</a:t>
+            </a:r>
+            <a:r>
+              <a:rPr lang="en-US" dirty="0"/>
+              <a:t> Appendix</a:t>
+            </a:r>
+          </a:p>
+          <a:p>
+            <a:pPr lvl="2"/>
+            <a:endParaRPr lang="en-US" dirty="0"/>
+          </a:p>
+          <a:p>
+            <a:pPr lvl="2"/>
+            <a:r>
+              <a:rPr lang="en-US" dirty="0"/>
+              <a:t>Appendix </a:t>
+            </a:r>
+            <a:r>
+              <a:rPr lang="en-US" dirty="0">
+                <a:sym typeface="Wingdings" pitchFamily="2" charset="2"/>
+              </a:rPr>
+              <a:t> auf Trello / GitHub </a:t>
+            </a:r>
+            <a:r>
+              <a:rPr lang="en-US" dirty="0" err="1">
+                <a:sym typeface="Wingdings" pitchFamily="2" charset="2"/>
+              </a:rPr>
+              <a:t>verweisen</a:t>
+            </a:r>
+            <a:r>
+              <a:rPr lang="en-US" dirty="0">
+                <a:sym typeface="Wingdings" pitchFamily="2" charset="2"/>
+              </a:rPr>
+              <a:t>, falls </a:t>
+            </a:r>
+            <a:r>
+              <a:rPr lang="en-US" dirty="0" err="1">
+                <a:sym typeface="Wingdings" pitchFamily="2" charset="2"/>
+              </a:rPr>
+              <a:t>ihr</a:t>
+            </a:r>
+            <a:r>
+              <a:rPr lang="en-US" dirty="0">
+                <a:sym typeface="Wingdings" pitchFamily="2" charset="2"/>
+              </a:rPr>
+              <a:t> questionnaire </a:t>
+            </a:r>
+            <a:r>
+              <a:rPr lang="en-US" dirty="0" err="1">
+                <a:sym typeface="Wingdings" pitchFamily="2" charset="2"/>
+              </a:rPr>
+              <a:t>zeigen</a:t>
+            </a:r>
+            <a:r>
+              <a:rPr lang="en-US" dirty="0">
+                <a:sym typeface="Wingdings" pitchFamily="2" charset="2"/>
+              </a:rPr>
+              <a:t> </a:t>
+            </a:r>
+            <a:r>
+              <a:rPr lang="en-US" dirty="0" err="1">
+                <a:sym typeface="Wingdings" pitchFamily="2" charset="2"/>
+              </a:rPr>
+              <a:t>möchte</a:t>
+            </a:r>
+            <a:endParaRPr lang="en-US" dirty="0"/>
+          </a:p>
+          <a:p>
+            <a:pPr lvl="1"/>
+            <a:r>
+              <a:rPr lang="en-US" dirty="0"/>
+              <a:t>Sell it as Microservices</a:t>
+            </a:r>
+          </a:p>
+          <a:p>
+            <a:pPr lvl="1"/>
+            <a:endParaRPr lang="en-US" dirty="0"/>
+          </a:p>
+          <a:p>
+            <a:pPr lvl="1"/>
+            <a:r>
+              <a:rPr lang="en-US" dirty="0" err="1"/>
+              <a:t>Grafik</a:t>
+            </a:r>
+            <a:r>
+              <a:rPr lang="en-US" dirty="0"/>
+              <a:t> Module </a:t>
+            </a:r>
+            <a:r>
+              <a:rPr lang="en-US" dirty="0" err="1"/>
+              <a:t>auseinander</a:t>
+            </a:r>
+            <a:r>
+              <a:rPr lang="en-US" dirty="0"/>
+              <a:t> und </a:t>
+            </a:r>
+            <a:r>
+              <a:rPr lang="en-US" dirty="0" err="1"/>
+              <a:t>dann</a:t>
+            </a:r>
+            <a:r>
+              <a:rPr lang="en-US" dirty="0"/>
+              <a:t> </a:t>
+            </a:r>
+            <a:r>
+              <a:rPr lang="en-US" dirty="0" err="1"/>
+              <a:t>alle</a:t>
+            </a:r>
+            <a:r>
+              <a:rPr lang="en-US" dirty="0"/>
+              <a:t> </a:t>
+            </a:r>
+            <a:r>
+              <a:rPr lang="en-US" dirty="0" err="1"/>
+              <a:t>zusammen</a:t>
+            </a:r>
+            <a:endParaRPr lang="en-US" dirty="0"/>
+          </a:p>
+          <a:p>
+            <a:pPr lvl="1"/>
+            <a:endParaRPr lang="en-US" dirty="0"/>
+          </a:p>
+          <a:p>
+            <a:pPr lvl="1"/>
+            <a:r>
+              <a:rPr lang="en-US" dirty="0" err="1"/>
+              <a:t>Wir</a:t>
+            </a:r>
+            <a:r>
+              <a:rPr lang="en-US" dirty="0"/>
+              <a:t> </a:t>
+            </a:r>
+            <a:r>
+              <a:rPr lang="en-US" dirty="0" err="1"/>
+              <a:t>haben</a:t>
+            </a:r>
+            <a:r>
+              <a:rPr lang="en-US" dirty="0"/>
+              <a:t> </a:t>
+            </a:r>
+            <a:r>
+              <a:rPr lang="en-US" dirty="0" err="1"/>
+              <a:t>es</a:t>
+            </a:r>
+            <a:r>
+              <a:rPr lang="en-US" dirty="0"/>
+              <a:t> </a:t>
+            </a:r>
+            <a:r>
+              <a:rPr lang="en-US" dirty="0" err="1"/>
+              <a:t>einfach</a:t>
+            </a:r>
+            <a:r>
+              <a:rPr lang="en-US" dirty="0"/>
+              <a:t> </a:t>
+            </a:r>
+            <a:r>
+              <a:rPr lang="en-US" dirty="0" err="1"/>
+              <a:t>zum</a:t>
+            </a:r>
+            <a:r>
+              <a:rPr lang="en-US" dirty="0"/>
+              <a:t> </a:t>
+            </a:r>
+            <a:r>
+              <a:rPr lang="en-US" dirty="0" err="1"/>
+              <a:t>pitchen</a:t>
+            </a:r>
+            <a:r>
+              <a:rPr lang="en-US" dirty="0"/>
+              <a:t> (FHNW </a:t>
+            </a:r>
+            <a:r>
+              <a:rPr lang="en-US" dirty="0" err="1"/>
+              <a:t>als</a:t>
+            </a:r>
+            <a:r>
+              <a:rPr lang="en-US" dirty="0"/>
+              <a:t> </a:t>
+            </a:r>
+            <a:r>
+              <a:rPr lang="en-US" dirty="0" err="1"/>
+              <a:t>Marke</a:t>
+            </a:r>
+            <a:r>
+              <a:rPr lang="en-US" dirty="0"/>
+              <a:t>) – Praxis/</a:t>
+            </a:r>
+            <a:r>
+              <a:rPr lang="en-US" dirty="0" err="1"/>
+              <a:t>Theorie</a:t>
+            </a:r>
+            <a:r>
+              <a:rPr lang="en-US" dirty="0"/>
+              <a:t> </a:t>
+            </a:r>
+            <a:r>
+              <a:rPr lang="en-US" dirty="0" err="1"/>
+              <a:t>verkaufen</a:t>
+            </a:r>
+            <a:endParaRPr lang="en-US" dirty="0"/>
+          </a:p>
+          <a:p>
+            <a:pPr lvl="1"/>
+            <a:endParaRPr lang="en-US" dirty="0"/>
+          </a:p>
+          <a:p>
+            <a:pPr lvl="1"/>
+            <a:r>
+              <a:rPr lang="en-US" dirty="0" err="1"/>
+              <a:t>Wir</a:t>
+            </a:r>
+            <a:r>
+              <a:rPr lang="en-US" dirty="0"/>
+              <a:t> </a:t>
+            </a:r>
+            <a:r>
+              <a:rPr lang="en-US" dirty="0" err="1"/>
+              <a:t>brauchen</a:t>
+            </a:r>
+            <a:r>
+              <a:rPr lang="en-US" dirty="0"/>
+              <a:t> Geld </a:t>
+            </a:r>
+            <a:r>
+              <a:rPr lang="en-US" dirty="0" err="1"/>
+              <a:t>zum</a:t>
+            </a:r>
+            <a:r>
+              <a:rPr lang="en-US" dirty="0"/>
+              <a:t> </a:t>
+            </a:r>
+            <a:r>
+              <a:rPr lang="en-US" dirty="0" err="1"/>
+              <a:t>testen</a:t>
+            </a:r>
+            <a:r>
+              <a:rPr lang="en-US" dirty="0"/>
+              <a:t> (</a:t>
+            </a:r>
+            <a:r>
+              <a:rPr lang="en-US" dirty="0" err="1"/>
+              <a:t>Bedürfnisse</a:t>
+            </a:r>
+            <a:r>
+              <a:rPr lang="en-US" dirty="0"/>
+              <a:t> </a:t>
+            </a:r>
+            <a:r>
+              <a:rPr lang="en-US" dirty="0">
+                <a:sym typeface="Wingdings" pitchFamily="2" charset="2"/>
+              </a:rPr>
+              <a:t> </a:t>
+            </a:r>
+            <a:r>
+              <a:rPr lang="en-US" dirty="0" err="1">
+                <a:sym typeface="Wingdings" pitchFamily="2" charset="2"/>
+              </a:rPr>
+              <a:t>damit</a:t>
+            </a:r>
+            <a:r>
+              <a:rPr lang="en-US" dirty="0">
+                <a:sym typeface="Wingdings" pitchFamily="2" charset="2"/>
+              </a:rPr>
+              <a:t> </a:t>
+            </a:r>
+            <a:r>
+              <a:rPr lang="en-US" dirty="0" err="1">
+                <a:sym typeface="Wingdings" pitchFamily="2" charset="2"/>
+              </a:rPr>
+              <a:t>wir</a:t>
+            </a:r>
+            <a:r>
+              <a:rPr lang="en-US" dirty="0">
+                <a:sym typeface="Wingdings" pitchFamily="2" charset="2"/>
+              </a:rPr>
+              <a:t> </a:t>
+            </a:r>
+            <a:r>
+              <a:rPr lang="en-US" dirty="0" err="1">
+                <a:sym typeface="Wingdings" pitchFamily="2" charset="2"/>
+              </a:rPr>
+              <a:t>starten</a:t>
+            </a:r>
+            <a:r>
+              <a:rPr lang="en-US" dirty="0">
+                <a:sym typeface="Wingdings" pitchFamily="2" charset="2"/>
+              </a:rPr>
+              <a:t> </a:t>
+            </a:r>
+            <a:r>
+              <a:rPr lang="en-US" dirty="0" err="1">
+                <a:sym typeface="Wingdings" pitchFamily="2" charset="2"/>
+              </a:rPr>
+              <a:t>könn</a:t>
+            </a:r>
+            <a:endParaRPr lang="en-US" dirty="0"/>
+          </a:p>
+        </p:txBody>
+      </p:sp>
+    </p:spTree>
+    <p:extLst>
+      <p:ext uri="{BB962C8B-B14F-4D97-AF65-F5344CB8AC3E}">
+        <p14:creationId xmlns:p14="http://schemas.microsoft.com/office/powerpoint/2010/main" val="3314326659"/>
+      </p:ext>
+    </p:extLst>
+  </p:cSld>
+  <p:clrMapOvr>
+    <a:masterClrMapping/>
+  </p:clrMapOvr>
+</p:sld>
+</file>
+
+<file path=ppt/slides/slide12.xml><?xml version="1.0" encoding="utf-8"?>
+<p:sld xmlns:a="http://schemas.openxmlformats.org/drawingml/2006/main" xmlns:r="http://schemas.openxmlformats.org/officeDocument/2006/relationships" xmlns:p="http://schemas.openxmlformats.org/presentationml/2006/main">
+  <p:cSld>
+    <p:spTree>
+      <p:nvGrpSpPr>
+        <p:cNvPr id="1" name=""/>
+        <p:cNvGrpSpPr/>
+        <p:nvPr/>
+      </p:nvGrpSpPr>
+      <p:grpSpPr>
+        <a:xfrm>
+          <a:off x="0" y="0"/>
+          <a:ext cx="0" cy="0"/>
+          <a:chOff x="0" y="0"/>
+          <a:chExt cx="0" cy="0"/>
+        </a:xfrm>
+      </p:grpSpPr>
+      <p:sp>
+        <p:nvSpPr>
+          <p:cNvPr id="2" name="Titel 1">
+            <a:extLst>
+              <a:ext uri="{FF2B5EF4-FFF2-40B4-BE49-F238E27FC236}">
+                <a16:creationId xmlns:a16="http://schemas.microsoft.com/office/drawing/2014/main" id="{40D2E1A9-D8C5-044F-B210-E1D509A95963}"/>
+              </a:ext>
+            </a:extLst>
+          </p:cNvPr>
+          <p:cNvSpPr>
+            <a:spLocks noGrp="1"/>
+          </p:cNvSpPr>
+          <p:nvPr>
+            <p:ph type="title"/>
+          </p:nvPr>
+        </p:nvSpPr>
+        <p:spPr/>
+        <p:txBody>
+          <a:bodyPr/>
+          <a:lstStyle/>
+          <a:p>
+            <a:r>
+              <a:rPr lang="de-DE" dirty="0" err="1"/>
+              <a:t>Examples</a:t>
+            </a:r>
+            <a:endParaRPr lang="de-DE" dirty="0"/>
+          </a:p>
+        </p:txBody>
+      </p:sp>
+      <p:sp>
+        <p:nvSpPr>
+          <p:cNvPr id="3" name="Inhaltsplatzhalter 2">
+            <a:extLst>
+              <a:ext uri="{FF2B5EF4-FFF2-40B4-BE49-F238E27FC236}">
+                <a16:creationId xmlns:a16="http://schemas.microsoft.com/office/drawing/2014/main" id="{ED93CB7E-906A-5749-B4B5-07DBD51D6AD6}"/>
+              </a:ext>
+            </a:extLst>
+          </p:cNvPr>
+          <p:cNvSpPr>
+            <a:spLocks noGrp="1"/>
+          </p:cNvSpPr>
+          <p:nvPr>
+            <p:ph idx="1"/>
+          </p:nvPr>
+        </p:nvSpPr>
+        <p:spPr/>
+        <p:txBody>
+          <a:bodyPr>
+            <a:normAutofit lnSpcReduction="10000"/>
+          </a:bodyPr>
+          <a:lstStyle/>
+          <a:p>
+            <a:r>
+              <a:rPr lang="de-DE" dirty="0"/>
+              <a:t>Visual </a:t>
+            </a:r>
+            <a:r>
+              <a:rPr lang="de-DE" dirty="0" err="1"/>
+              <a:t>Paradigm</a:t>
+            </a:r>
+            <a:r>
+              <a:rPr lang="de-DE" dirty="0"/>
+              <a:t> </a:t>
+            </a:r>
+            <a:r>
+              <a:rPr lang="de-DE" dirty="0" err="1"/>
+              <a:t>creating</a:t>
+            </a:r>
+            <a:r>
+              <a:rPr lang="de-DE" dirty="0"/>
+              <a:t> </a:t>
+            </a:r>
+            <a:r>
+              <a:rPr lang="de-DE" dirty="0" err="1"/>
+              <a:t>code</a:t>
+            </a:r>
+            <a:r>
+              <a:rPr lang="de-DE" dirty="0"/>
+              <a:t> </a:t>
+            </a:r>
+            <a:r>
+              <a:rPr lang="de-DE" dirty="0" err="1"/>
+              <a:t>based</a:t>
+            </a:r>
+            <a:r>
+              <a:rPr lang="de-DE" dirty="0"/>
+              <a:t> on </a:t>
+            </a:r>
+            <a:r>
+              <a:rPr lang="de-DE" dirty="0" err="1"/>
+              <a:t>models</a:t>
+            </a:r>
+            <a:endParaRPr lang="de-DE" dirty="0"/>
+          </a:p>
+          <a:p>
+            <a:endParaRPr lang="de-DE" dirty="0"/>
+          </a:p>
+          <a:p>
+            <a:r>
+              <a:rPr lang="de-DE" dirty="0" err="1"/>
+              <a:t>Raspberry</a:t>
+            </a:r>
+            <a:r>
+              <a:rPr lang="de-DE" dirty="0"/>
+              <a:t> Pi</a:t>
+            </a:r>
+          </a:p>
+          <a:p>
+            <a:endParaRPr lang="de-DE" dirty="0"/>
+          </a:p>
+          <a:p>
+            <a:r>
+              <a:rPr lang="de-DE" dirty="0"/>
+              <a:t>IFTT</a:t>
+            </a:r>
+          </a:p>
+          <a:p>
+            <a:endParaRPr lang="de-DE" dirty="0"/>
+          </a:p>
+          <a:p>
+            <a:r>
+              <a:rPr lang="de-DE" dirty="0" err="1"/>
+              <a:t>Nao</a:t>
+            </a:r>
+            <a:r>
+              <a:rPr lang="de-DE" dirty="0"/>
+              <a:t> Robot</a:t>
+            </a:r>
+          </a:p>
+          <a:p>
+            <a:endParaRPr lang="de-DE" dirty="0"/>
+          </a:p>
+          <a:p>
+            <a:r>
+              <a:rPr lang="de-DE" dirty="0" err="1"/>
+              <a:t>BlueJ</a:t>
+            </a:r>
+            <a:endParaRPr lang="de-DE" dirty="0"/>
+          </a:p>
+          <a:p>
+            <a:pPr marL="0" indent="0">
+              <a:buNone/>
+            </a:pPr>
+            <a:endParaRPr lang="de-DE" dirty="0"/>
+          </a:p>
+        </p:txBody>
+      </p:sp>
+    </p:spTree>
+    <p:extLst>
+      <p:ext uri="{BB962C8B-B14F-4D97-AF65-F5344CB8AC3E}">
+        <p14:creationId xmlns:p14="http://schemas.microsoft.com/office/powerpoint/2010/main" val="3372410563"/>
+      </p:ext>
+    </p:extLst>
+  </p:cSld>
+  <p:clrMapOvr>
+    <a:masterClrMapping/>
+  </p:clrMapOvr>
+</p:sld>
+</file>
+
+<file path=ppt/slides/slide2.xml><?xml version="1.0" encoding="utf-8"?>
+<p:sld xmlns:a="http://schemas.openxmlformats.org/drawingml/2006/main" xmlns:r="http://schemas.openxmlformats.org/officeDocument/2006/relationships" xmlns:p="http://schemas.openxmlformats.org/presentationml/2006/main">
+  <p:cSld>
+    <p:spTree>
+      <p:nvGrpSpPr>
+        <p:cNvPr id="1" name=""/>
+        <p:cNvGrpSpPr/>
+        <p:nvPr/>
+      </p:nvGrpSpPr>
+      <p:grpSpPr>
+        <a:xfrm>
+          <a:off x="0" y="0"/>
+          <a:ext cx="0" cy="0"/>
+          <a:chOff x="0" y="0"/>
+          <a:chExt cx="0" cy="0"/>
+        </a:xfrm>
+      </p:grpSpPr>
+      <p:sp>
+        <p:nvSpPr>
+          <p:cNvPr id="2" name="Titel 1">
+            <a:extLst>
+              <a:ext uri="{FF2B5EF4-FFF2-40B4-BE49-F238E27FC236}">
+                <a16:creationId xmlns:a16="http://schemas.microsoft.com/office/drawing/2014/main" id="{543CD651-5D8D-714A-BC83-8D87315197B4}"/>
+              </a:ext>
+            </a:extLst>
+          </p:cNvPr>
+          <p:cNvSpPr>
+            <a:spLocks noGrp="1"/>
+          </p:cNvSpPr>
+          <p:nvPr>
+            <p:ph type="title"/>
+          </p:nvPr>
+        </p:nvSpPr>
+        <p:spPr/>
+        <p:txBody>
+          <a:bodyPr/>
+          <a:lstStyle/>
+          <a:p>
+            <a:r>
+              <a:rPr lang="de-DE" dirty="0"/>
+              <a:t>As-</a:t>
+            </a:r>
+            <a:r>
+              <a:rPr lang="de-DE" dirty="0" err="1"/>
+              <a:t>is</a:t>
+            </a:r>
+            <a:r>
+              <a:rPr lang="de-DE" dirty="0"/>
+              <a:t> Situation / Problem</a:t>
+            </a:r>
+          </a:p>
+        </p:txBody>
+      </p:sp>
+      <p:sp>
+        <p:nvSpPr>
+          <p:cNvPr id="3" name="Inhaltsplatzhalter 2">
+            <a:extLst>
+              <a:ext uri="{FF2B5EF4-FFF2-40B4-BE49-F238E27FC236}">
+                <a16:creationId xmlns:a16="http://schemas.microsoft.com/office/drawing/2014/main" id="{81A112BB-A17F-A147-8808-9DFEA80E5179}"/>
+              </a:ext>
+            </a:extLst>
+          </p:cNvPr>
+          <p:cNvSpPr>
+            <a:spLocks noGrp="1"/>
+          </p:cNvSpPr>
+          <p:nvPr>
+            <p:ph idx="1"/>
+          </p:nvPr>
+        </p:nvSpPr>
+        <p:spPr/>
+        <p:txBody>
+          <a:bodyPr/>
+          <a:lstStyle/>
+          <a:p>
+            <a:endParaRPr lang="de-DE" dirty="0"/>
+          </a:p>
+        </p:txBody>
+      </p:sp>
+      <p:pic>
+        <p:nvPicPr>
+          <p:cNvPr id="4" name="Picture 3">
+            <a:extLst>
+              <a:ext uri="{FF2B5EF4-FFF2-40B4-BE49-F238E27FC236}">
+                <a16:creationId xmlns:a16="http://schemas.microsoft.com/office/drawing/2014/main" id="{1F710528-4CF0-B449-A562-9D097439F7F2}"/>
+              </a:ext>
+            </a:extLst>
+          </p:cNvPr>
+          <p:cNvPicPr>
+            <a:picLocks noChangeAspect="1"/>
+          </p:cNvPicPr>
+          <p:nvPr/>
+        </p:nvPicPr>
+        <p:blipFill>
+          <a:blip r:embed="rId2"/>
+          <a:stretch>
+            <a:fillRect/>
+          </a:stretch>
+        </p:blipFill>
+        <p:spPr>
+          <a:xfrm>
+            <a:off x="2198024" y="1548406"/>
+            <a:ext cx="7487397" cy="4905776"/>
+          </a:xfrm>
+          <a:prstGeom prst="rect">
+            <a:avLst/>
+          </a:prstGeom>
+        </p:spPr>
+      </p:pic>
+    </p:spTree>
+    <p:extLst>
+      <p:ext uri="{BB962C8B-B14F-4D97-AF65-F5344CB8AC3E}">
+        <p14:creationId xmlns:p14="http://schemas.microsoft.com/office/powerpoint/2010/main" val="2891464357"/>
+      </p:ext>
+    </p:extLst>
+  </p:cSld>
+  <p:clrMapOvr>
+    <a:masterClrMapping/>
+  </p:clrMapOvr>
+</p:sld>
+</file>
+
+<file path=ppt/slides/slide3.xml><?xml version="1.0" encoding="utf-8"?>
+<p:sld xmlns:a="http://schemas.openxmlformats.org/drawingml/2006/main" xmlns:r="http://schemas.openxmlformats.org/officeDocument/2006/relationships" xmlns:p="http://schemas.openxmlformats.org/presentationml/2006/main">
+  <p:cSld>
+    <p:spTree>
+      <p:nvGrpSpPr>
+        <p:cNvPr id="1" name=""/>
+        <p:cNvGrpSpPr/>
+        <p:nvPr/>
+      </p:nvGrpSpPr>
+      <p:grpSpPr>
+        <a:xfrm>
+          <a:off x="0" y="0"/>
+          <a:ext cx="0" cy="0"/>
+          <a:chOff x="0" y="0"/>
+          <a:chExt cx="0" cy="0"/>
+        </a:xfrm>
+      </p:grpSpPr>
+      <p:sp>
+        <p:nvSpPr>
+          <p:cNvPr id="4" name="Rechteck 4">
+            <a:extLst>
+              <a:ext uri="{FF2B5EF4-FFF2-40B4-BE49-F238E27FC236}">
+                <a16:creationId xmlns:a16="http://schemas.microsoft.com/office/drawing/2014/main" id="{E61D5F6C-B366-B443-82D1-F64D16CB73F0}"/>
+              </a:ext>
+            </a:extLst>
+          </p:cNvPr>
+          <p:cNvSpPr/>
+          <p:nvPr/>
+        </p:nvSpPr>
+        <p:spPr>
+          <a:xfrm>
+            <a:off x="1366610" y="235246"/>
+            <a:ext cx="1840230" cy="638175"/>
+          </a:xfrm>
+          <a:prstGeom prst="rect">
+            <a:avLst/>
+          </a:prstGeom>
+          <a:solidFill>
+            <a:schemeClr val="accent2"/>
+          </a:solidFill>
+        </p:spPr>
+        <p:style>
+          <a:lnRef idx="2">
+            <a:schemeClr val="accent1">
+              <a:shade val="50000"/>
+            </a:schemeClr>
+          </a:lnRef>
+          <a:fillRef idx="1">
+            <a:schemeClr val="accent1"/>
+          </a:fillRef>
+          <a:effectRef idx="0">
+            <a:schemeClr val="accent1"/>
+          </a:effectRef>
+          <a:fontRef idx="minor">
+            <a:schemeClr val="lt1"/>
+          </a:fontRef>
+        </p:style>
+        <p:txBody>
+          <a:bodyPr rtlCol="0" anchor="ctr"/>
+          <a:lstStyle/>
+          <a:p>
+            <a:pPr algn="ctr"/>
+            <a:r>
+              <a:rPr lang="de-DE" dirty="0"/>
+              <a:t>Business</a:t>
+            </a:r>
+          </a:p>
+          <a:p>
+            <a:pPr algn="ctr"/>
+            <a:endParaRPr lang="de-DE" dirty="0"/>
+          </a:p>
+        </p:txBody>
+      </p:sp>
+      <p:sp>
+        <p:nvSpPr>
+          <p:cNvPr id="5" name="Rechteck 5">
+            <a:extLst>
+              <a:ext uri="{FF2B5EF4-FFF2-40B4-BE49-F238E27FC236}">
+                <a16:creationId xmlns:a16="http://schemas.microsoft.com/office/drawing/2014/main" id="{AC71ED99-DCAF-5F41-A5CE-44F41A9CE85A}"/>
+              </a:ext>
+            </a:extLst>
+          </p:cNvPr>
+          <p:cNvSpPr/>
+          <p:nvPr/>
+        </p:nvSpPr>
+        <p:spPr>
+          <a:xfrm>
+            <a:off x="4597454" y="235246"/>
+            <a:ext cx="1840230" cy="638175"/>
+          </a:xfrm>
+          <a:prstGeom prst="rect">
+            <a:avLst/>
+          </a:prstGeom>
+          <a:solidFill>
+            <a:schemeClr val="accent6">
+              <a:lumMod val="40000"/>
+              <a:lumOff val="60000"/>
+            </a:schemeClr>
+          </a:solidFill>
+        </p:spPr>
+        <p:style>
+          <a:lnRef idx="2">
+            <a:schemeClr val="accent1">
+              <a:shade val="50000"/>
+            </a:schemeClr>
+          </a:lnRef>
+          <a:fillRef idx="1">
+            <a:schemeClr val="accent1"/>
+          </a:fillRef>
+          <a:effectRef idx="0">
+            <a:schemeClr val="accent1"/>
+          </a:effectRef>
+          <a:fontRef idx="minor">
+            <a:schemeClr val="lt1"/>
+          </a:fontRef>
+        </p:style>
+        <p:txBody>
+          <a:bodyPr rtlCol="0" anchor="ctr"/>
+          <a:lstStyle/>
+          <a:p>
+            <a:pPr algn="ctr"/>
+            <a:r>
+              <a:rPr lang="de-DE" dirty="0"/>
+              <a:t>SW Engineering</a:t>
+            </a:r>
+          </a:p>
+        </p:txBody>
+      </p:sp>
+      <p:sp>
+        <p:nvSpPr>
+          <p:cNvPr id="6" name="Rechteck 6">
+            <a:extLst>
+              <a:ext uri="{FF2B5EF4-FFF2-40B4-BE49-F238E27FC236}">
+                <a16:creationId xmlns:a16="http://schemas.microsoft.com/office/drawing/2014/main" id="{E3EBAC31-077C-5B49-B418-5D9A6B5CD9AD}"/>
+              </a:ext>
+            </a:extLst>
+          </p:cNvPr>
+          <p:cNvSpPr/>
+          <p:nvPr/>
+        </p:nvSpPr>
+        <p:spPr>
+          <a:xfrm>
+            <a:off x="7287597" y="235245"/>
+            <a:ext cx="2909339" cy="638175"/>
+          </a:xfrm>
+          <a:prstGeom prst="rect">
+            <a:avLst/>
+          </a:prstGeom>
+        </p:spPr>
+        <p:style>
+          <a:lnRef idx="2">
+            <a:schemeClr val="accent1">
+              <a:shade val="50000"/>
+            </a:schemeClr>
+          </a:lnRef>
+          <a:fillRef idx="1">
+            <a:schemeClr val="accent1"/>
+          </a:fillRef>
+          <a:effectRef idx="0">
+            <a:schemeClr val="accent1"/>
+          </a:effectRef>
+          <a:fontRef idx="minor">
+            <a:schemeClr val="lt1"/>
+          </a:fontRef>
+        </p:style>
+        <p:txBody>
+          <a:bodyPr rtlCol="0" anchor="ctr"/>
+          <a:lstStyle/>
+          <a:p>
+            <a:pPr algn="ctr"/>
+            <a:r>
+              <a:rPr lang="de-DE" dirty="0"/>
+              <a:t>IT Infrastructure/</a:t>
+            </a:r>
+            <a:br>
+              <a:rPr lang="de-DE" dirty="0"/>
+            </a:br>
+            <a:r>
+              <a:rPr lang="de-DE" dirty="0"/>
+              <a:t>Security</a:t>
+            </a:r>
+          </a:p>
+        </p:txBody>
+      </p:sp>
+      <p:sp>
+        <p:nvSpPr>
+          <p:cNvPr id="9" name="Rechteck 4">
+            <a:extLst>
+              <a:ext uri="{FF2B5EF4-FFF2-40B4-BE49-F238E27FC236}">
+                <a16:creationId xmlns:a16="http://schemas.microsoft.com/office/drawing/2014/main" id="{C7DAE408-3F52-314A-8B13-0F0FAF08D0BB}"/>
+              </a:ext>
+            </a:extLst>
+          </p:cNvPr>
+          <p:cNvSpPr/>
+          <p:nvPr/>
+        </p:nvSpPr>
+        <p:spPr>
+          <a:xfrm>
+            <a:off x="237067" y="1213565"/>
+            <a:ext cx="3612868" cy="6372568"/>
+          </a:xfrm>
+          <a:prstGeom prst="rect">
+            <a:avLst/>
+          </a:prstGeom>
+          <a:solidFill>
+            <a:schemeClr val="accent2"/>
+          </a:solidFill>
+        </p:spPr>
+        <p:style>
+          <a:lnRef idx="2">
+            <a:schemeClr val="accent1">
+              <a:shade val="50000"/>
+            </a:schemeClr>
+          </a:lnRef>
+          <a:fillRef idx="1">
+            <a:schemeClr val="accent1"/>
+          </a:fillRef>
+          <a:effectRef idx="0">
+            <a:schemeClr val="accent1"/>
+          </a:effectRef>
+          <a:fontRef idx="minor">
+            <a:schemeClr val="lt1"/>
+          </a:fontRef>
+        </p:style>
+        <p:txBody>
+          <a:bodyPr rtlCol="0" anchor="ctr"/>
+          <a:lstStyle/>
+          <a:p>
+            <a:pPr marL="285750" indent="-285750" algn="ctr">
+              <a:buFontTx/>
+              <a:buChar char="-"/>
+            </a:pPr>
+            <a:r>
+              <a:rPr lang="de-DE" dirty="0"/>
+              <a:t>Wirtschaftskommunikation DE/EN 1 (5)</a:t>
+            </a:r>
+          </a:p>
+          <a:p>
+            <a:pPr marL="285750" indent="-285750" algn="ctr">
+              <a:buFontTx/>
+              <a:buChar char="-"/>
+            </a:pPr>
+            <a:r>
+              <a:rPr lang="de-DE" dirty="0"/>
+              <a:t>Wirtschaftsmathematik 1 (5)</a:t>
+            </a:r>
+          </a:p>
+          <a:p>
+            <a:pPr marL="285750" indent="-285750" algn="ctr">
+              <a:buFontTx/>
+              <a:buChar char="-"/>
+            </a:pPr>
+            <a:r>
+              <a:rPr lang="de-DE" dirty="0"/>
+              <a:t>-Integrales Management (5)</a:t>
+            </a:r>
+          </a:p>
+          <a:p>
+            <a:pPr marL="285750" indent="-285750" algn="ctr">
+              <a:buFontTx/>
+              <a:buChar char="-"/>
+            </a:pPr>
+            <a:r>
+              <a:rPr lang="de-DE" dirty="0" err="1"/>
+              <a:t>Requirements</a:t>
+            </a:r>
+            <a:r>
+              <a:rPr lang="de-DE" dirty="0"/>
+              <a:t> Engineering (5)</a:t>
+            </a:r>
+          </a:p>
+          <a:p>
+            <a:pPr marL="285750" indent="-285750" algn="ctr">
+              <a:buFontTx/>
+              <a:buChar char="-"/>
+            </a:pPr>
+            <a:r>
+              <a:rPr lang="de-DE" dirty="0"/>
+              <a:t>Einführung in die Wirtschaftsinformatik (5)</a:t>
+            </a:r>
+          </a:p>
+          <a:p>
+            <a:pPr marL="285750" indent="-285750" algn="ctr">
+              <a:buFontTx/>
+              <a:buChar char="-"/>
+            </a:pPr>
+            <a:r>
+              <a:rPr lang="de-DE" dirty="0">
+                <a:solidFill>
+                  <a:srgbClr val="FF0000"/>
+                </a:solidFill>
+              </a:rPr>
+              <a:t>Wirtschaftskommunikation DE/EN 2 (5)</a:t>
+            </a:r>
+            <a:endParaRPr lang="de-DE" dirty="0">
+              <a:solidFill>
+                <a:schemeClr val="tx1">
+                  <a:lumMod val="95000"/>
+                  <a:lumOff val="5000"/>
+                </a:schemeClr>
+              </a:solidFill>
+            </a:endParaRPr>
+          </a:p>
+          <a:p>
+            <a:pPr marL="285750" indent="-285750" algn="ctr">
+              <a:buFontTx/>
+              <a:buChar char="-"/>
+            </a:pPr>
+            <a:r>
+              <a:rPr lang="de-DE" dirty="0">
+                <a:solidFill>
+                  <a:srgbClr val="FF0000"/>
+                </a:solidFill>
+              </a:rPr>
+              <a:t>Accounting (5)</a:t>
+            </a:r>
+          </a:p>
+          <a:p>
+            <a:pPr marL="285750" indent="-285750" algn="ctr">
+              <a:buFontTx/>
+              <a:buChar char="-"/>
+            </a:pPr>
+            <a:r>
+              <a:rPr lang="de-DE" dirty="0">
+                <a:solidFill>
+                  <a:srgbClr val="FF0000"/>
+                </a:solidFill>
+              </a:rPr>
+              <a:t>Geschäftsprozessmanagement (5)</a:t>
+            </a:r>
+          </a:p>
+          <a:p>
+            <a:pPr marL="285750" indent="-285750" algn="ctr">
+              <a:buFontTx/>
+              <a:buChar char="-"/>
+            </a:pPr>
+            <a:r>
+              <a:rPr lang="de-DE" dirty="0">
+                <a:solidFill>
+                  <a:schemeClr val="tx1">
+                    <a:lumMod val="95000"/>
+                    <a:lumOff val="5000"/>
+                  </a:schemeClr>
+                </a:solidFill>
+              </a:rPr>
+              <a:t>Wirtschaftskommunikation DE/EN 3 (5)</a:t>
+            </a:r>
+          </a:p>
+          <a:p>
+            <a:pPr marL="285750" indent="-285750" algn="ctr">
+              <a:buFontTx/>
+              <a:buChar char="-"/>
+            </a:pPr>
+            <a:r>
+              <a:rPr lang="de-DE" dirty="0">
+                <a:solidFill>
+                  <a:schemeClr val="tx1">
+                    <a:lumMod val="95000"/>
+                    <a:lumOff val="5000"/>
+                  </a:schemeClr>
+                </a:solidFill>
+              </a:rPr>
+              <a:t>Wirtschaftsmathematik 2 (5)</a:t>
+            </a:r>
+          </a:p>
+          <a:p>
+            <a:pPr marL="285750" indent="-285750" algn="ctr">
+              <a:buFontTx/>
+              <a:buChar char="-"/>
+            </a:pPr>
+            <a:r>
+              <a:rPr lang="de-DE" dirty="0">
+                <a:solidFill>
+                  <a:schemeClr val="tx1">
+                    <a:lumMod val="95000"/>
+                    <a:lumOff val="5000"/>
+                  </a:schemeClr>
+                </a:solidFill>
+              </a:rPr>
+              <a:t>Marketing und </a:t>
+            </a:r>
+            <a:r>
+              <a:rPr lang="de-DE" dirty="0" err="1">
+                <a:solidFill>
+                  <a:schemeClr val="tx1">
+                    <a:lumMod val="95000"/>
+                    <a:lumOff val="5000"/>
+                  </a:schemeClr>
+                </a:solidFill>
+              </a:rPr>
+              <a:t>Social</a:t>
+            </a:r>
+            <a:r>
+              <a:rPr lang="de-DE" dirty="0">
+                <a:solidFill>
+                  <a:schemeClr val="tx1">
+                    <a:lumMod val="95000"/>
+                    <a:lumOff val="5000"/>
+                  </a:schemeClr>
+                </a:solidFill>
+              </a:rPr>
+              <a:t> Media (5)</a:t>
+            </a:r>
+          </a:p>
+          <a:p>
+            <a:pPr marL="285750" indent="-285750" algn="ctr">
+              <a:buFontTx/>
+              <a:buChar char="-"/>
+            </a:pPr>
+            <a:r>
+              <a:rPr lang="de-DE" dirty="0">
+                <a:solidFill>
+                  <a:srgbClr val="FFFF00"/>
+                </a:solidFill>
+              </a:rPr>
+              <a:t>Statistik und Wahrscheinlichkeit (5)</a:t>
+            </a:r>
+          </a:p>
+          <a:p>
+            <a:pPr marL="285750" indent="-285750" algn="ctr">
+              <a:buFontTx/>
+              <a:buChar char="-"/>
+            </a:pPr>
+            <a:r>
+              <a:rPr lang="de-DE" dirty="0">
+                <a:solidFill>
+                  <a:srgbClr val="FFFF00"/>
+                </a:solidFill>
+              </a:rPr>
+              <a:t>Ethik und Recht (5)</a:t>
+            </a:r>
+          </a:p>
+          <a:p>
+            <a:pPr marL="285750" indent="-285750" algn="ctr">
+              <a:buFontTx/>
+              <a:buChar char="-"/>
+            </a:pPr>
+            <a:r>
+              <a:rPr lang="de-DE" dirty="0">
+                <a:solidFill>
+                  <a:srgbClr val="FFFF00"/>
+                </a:solidFill>
+              </a:rPr>
+              <a:t>Volkswirtschaftslehre (5)</a:t>
+            </a:r>
+          </a:p>
+          <a:p>
+            <a:pPr marL="285750" indent="-285750" algn="ctr">
+              <a:buFontTx/>
+              <a:buChar char="-"/>
+            </a:pPr>
+            <a:r>
+              <a:rPr lang="de-DE" dirty="0">
+                <a:solidFill>
+                  <a:srgbClr val="FFFF00"/>
+                </a:solidFill>
+              </a:rPr>
+              <a:t>Logistik und Supply Chain Management (5)</a:t>
+            </a:r>
+          </a:p>
+          <a:p>
+            <a:pPr marL="285750" indent="-285750" algn="ctr">
+              <a:buFontTx/>
+              <a:buChar char="-"/>
+            </a:pPr>
+            <a:r>
+              <a:rPr lang="de-DE" dirty="0">
+                <a:solidFill>
+                  <a:srgbClr val="00B0F0"/>
+                </a:solidFill>
+              </a:rPr>
+              <a:t>Corporate </a:t>
+            </a:r>
+            <a:r>
+              <a:rPr lang="de-DE" dirty="0" err="1">
+                <a:solidFill>
+                  <a:srgbClr val="00B0F0"/>
+                </a:solidFill>
+              </a:rPr>
+              <a:t>Finance</a:t>
+            </a:r>
+            <a:r>
+              <a:rPr lang="de-DE" dirty="0">
+                <a:solidFill>
+                  <a:srgbClr val="00B0F0"/>
+                </a:solidFill>
+              </a:rPr>
+              <a:t> &amp; Controlling (5)</a:t>
+            </a:r>
+          </a:p>
+          <a:p>
+            <a:pPr marL="285750" indent="-285750" algn="ctr">
+              <a:buFontTx/>
+              <a:buChar char="-"/>
+            </a:pPr>
+            <a:r>
+              <a:rPr lang="de-DE" dirty="0">
+                <a:solidFill>
+                  <a:srgbClr val="00B0F0"/>
+                </a:solidFill>
+              </a:rPr>
+              <a:t>Enterprise Content Management (5)</a:t>
+            </a:r>
+          </a:p>
+          <a:p>
+            <a:pPr marL="285750" indent="-285750" algn="ctr">
+              <a:buFontTx/>
+              <a:buChar char="-"/>
+            </a:pPr>
+            <a:r>
+              <a:rPr lang="de-DE" dirty="0">
+                <a:solidFill>
+                  <a:srgbClr val="00B050"/>
+                </a:solidFill>
+              </a:rPr>
+              <a:t>Unternehmungsstrategie (5)</a:t>
+            </a:r>
+          </a:p>
+          <a:p>
+            <a:pPr marL="285750" indent="-285750" algn="ctr">
+              <a:buFontTx/>
+              <a:buChar char="-"/>
+            </a:pPr>
+            <a:r>
+              <a:rPr lang="de-DE" dirty="0">
+                <a:solidFill>
+                  <a:srgbClr val="00B050"/>
+                </a:solidFill>
+              </a:rPr>
+              <a:t>Digital Enterprise (5)</a:t>
+            </a:r>
+          </a:p>
+          <a:p>
+            <a:pPr marL="285750" indent="-285750" algn="ctr">
+              <a:buFontTx/>
+              <a:buChar char="-"/>
+            </a:pPr>
+            <a:r>
+              <a:rPr lang="de-DE" dirty="0">
+                <a:solidFill>
+                  <a:srgbClr val="00B050"/>
+                </a:solidFill>
+              </a:rPr>
+              <a:t>- IT-Management (5)</a:t>
+            </a:r>
+          </a:p>
+          <a:p>
+            <a:pPr marL="285750" indent="-285750" algn="ctr">
+              <a:buFontTx/>
+              <a:buChar char="-"/>
+            </a:pPr>
+            <a:endParaRPr lang="de-DE" dirty="0">
+              <a:solidFill>
+                <a:srgbClr val="00B050"/>
+              </a:solidFill>
+            </a:endParaRPr>
+          </a:p>
+          <a:p>
+            <a:pPr marL="285750" indent="-285750" algn="ctr">
+              <a:buFontTx/>
+              <a:buChar char="-"/>
+            </a:pPr>
+            <a:endParaRPr lang="de-DE" dirty="0">
+              <a:solidFill>
+                <a:srgbClr val="00B0F0"/>
+              </a:solidFill>
+            </a:endParaRPr>
+          </a:p>
+          <a:p>
+            <a:pPr marL="285750" indent="-285750" algn="ctr">
+              <a:buFontTx/>
+              <a:buChar char="-"/>
+            </a:pPr>
+            <a:endParaRPr lang="de-DE" dirty="0"/>
+          </a:p>
+          <a:p>
+            <a:pPr algn="ctr"/>
+            <a:endParaRPr lang="de-DE" dirty="0"/>
+          </a:p>
+        </p:txBody>
+      </p:sp>
+      <p:sp>
+        <p:nvSpPr>
+          <p:cNvPr id="10" name="Rechteck 5">
+            <a:extLst>
+              <a:ext uri="{FF2B5EF4-FFF2-40B4-BE49-F238E27FC236}">
+                <a16:creationId xmlns:a16="http://schemas.microsoft.com/office/drawing/2014/main" id="{83EC907D-4A6B-6540-A063-346F6E8F53DB}"/>
+              </a:ext>
+            </a:extLst>
+          </p:cNvPr>
+          <p:cNvSpPr/>
+          <p:nvPr/>
+        </p:nvSpPr>
+        <p:spPr>
+          <a:xfrm>
+            <a:off x="4133279" y="1167694"/>
+            <a:ext cx="2768580" cy="2398539"/>
+          </a:xfrm>
+          <a:prstGeom prst="rect">
+            <a:avLst/>
+          </a:prstGeom>
+          <a:solidFill>
+            <a:schemeClr val="accent6">
+              <a:lumMod val="40000"/>
+              <a:lumOff val="60000"/>
+            </a:schemeClr>
+          </a:solidFill>
+        </p:spPr>
+        <p:style>
+          <a:lnRef idx="2">
+            <a:schemeClr val="accent1">
+              <a:shade val="50000"/>
+            </a:schemeClr>
+          </a:lnRef>
+          <a:fillRef idx="1">
+            <a:schemeClr val="accent1"/>
+          </a:fillRef>
+          <a:effectRef idx="0">
+            <a:schemeClr val="accent1"/>
+          </a:effectRef>
+          <a:fontRef idx="minor">
+            <a:schemeClr val="lt1"/>
+          </a:fontRef>
+        </p:style>
+        <p:txBody>
+          <a:bodyPr rtlCol="0" anchor="ctr"/>
+          <a:lstStyle/>
+          <a:p>
+            <a:pPr marL="285750" indent="-285750" algn="ctr">
+              <a:buFontTx/>
+              <a:buChar char="-"/>
+            </a:pPr>
+            <a:r>
+              <a:rPr lang="de-DE" dirty="0"/>
+              <a:t>Software Engineering (5)</a:t>
+            </a:r>
+          </a:p>
+          <a:p>
+            <a:pPr marL="285750" indent="-285750" algn="ctr">
+              <a:buFontTx/>
+              <a:buChar char="-"/>
+            </a:pPr>
+            <a:endParaRPr lang="de-DE" dirty="0"/>
+          </a:p>
+        </p:txBody>
+      </p:sp>
+      <p:sp>
+        <p:nvSpPr>
+          <p:cNvPr id="13" name="Rechteck 6">
+            <a:extLst>
+              <a:ext uri="{FF2B5EF4-FFF2-40B4-BE49-F238E27FC236}">
+                <a16:creationId xmlns:a16="http://schemas.microsoft.com/office/drawing/2014/main" id="{C67EF314-D7E1-F54E-B52A-48A2105E1F2A}"/>
+              </a:ext>
+            </a:extLst>
+          </p:cNvPr>
+          <p:cNvSpPr/>
+          <p:nvPr/>
+        </p:nvSpPr>
+        <p:spPr>
+          <a:xfrm>
+            <a:off x="7287598" y="1213565"/>
+            <a:ext cx="2909339" cy="2306796"/>
+          </a:xfrm>
+          <a:prstGeom prst="rect">
+            <a:avLst/>
+          </a:prstGeom>
+        </p:spPr>
+        <p:style>
+          <a:lnRef idx="2">
+            <a:schemeClr val="accent1">
+              <a:shade val="50000"/>
+            </a:schemeClr>
+          </a:lnRef>
+          <a:fillRef idx="1">
+            <a:schemeClr val="accent1"/>
+          </a:fillRef>
+          <a:effectRef idx="0">
+            <a:schemeClr val="accent1"/>
+          </a:effectRef>
+          <a:fontRef idx="minor">
+            <a:schemeClr val="lt1"/>
+          </a:fontRef>
+        </p:style>
+        <p:txBody>
+          <a:bodyPr rtlCol="0" anchor="ctr"/>
+          <a:lstStyle/>
+          <a:p>
+            <a:pPr marL="285750" indent="-285750" algn="ctr">
+              <a:buFontTx/>
+              <a:buChar char="-"/>
+            </a:pPr>
+            <a:r>
+              <a:rPr lang="de-DE" dirty="0"/>
+              <a:t>Programmierung (5)</a:t>
+            </a:r>
+          </a:p>
+          <a:p>
+            <a:pPr marL="285750" indent="-285750" algn="ctr">
+              <a:buFontTx/>
+              <a:buChar char="-"/>
+            </a:pPr>
+            <a:r>
+              <a:rPr lang="de-DE" dirty="0">
+                <a:solidFill>
+                  <a:srgbClr val="FF0000"/>
+                </a:solidFill>
+              </a:rPr>
+              <a:t>Datenbanken (5)</a:t>
+            </a:r>
+          </a:p>
+          <a:p>
+            <a:pPr marL="285750" indent="-285750" algn="ctr">
+              <a:buFontTx/>
+              <a:buChar char="-"/>
+            </a:pPr>
+            <a:r>
+              <a:rPr lang="de-DE" dirty="0">
+                <a:solidFill>
+                  <a:srgbClr val="00B0F0"/>
+                </a:solidFill>
+              </a:rPr>
+              <a:t>IT-Security (5)</a:t>
+            </a:r>
+          </a:p>
+          <a:p>
+            <a:pPr marL="285750" indent="-285750" algn="ctr">
+              <a:buFontTx/>
+              <a:buChar char="-"/>
+            </a:pPr>
+            <a:endParaRPr lang="de-DE" dirty="0"/>
+          </a:p>
+          <a:p>
+            <a:pPr algn="ctr"/>
+            <a:endParaRPr lang="de-DE" dirty="0"/>
+          </a:p>
+        </p:txBody>
+      </p:sp>
+      <p:sp>
+        <p:nvSpPr>
+          <p:cNvPr id="14" name="Rechteck 3">
+            <a:extLst>
+              <a:ext uri="{FF2B5EF4-FFF2-40B4-BE49-F238E27FC236}">
+                <a16:creationId xmlns:a16="http://schemas.microsoft.com/office/drawing/2014/main" id="{A96EC89B-64D4-FD4B-9D97-D9C569A27447}"/>
+              </a:ext>
+            </a:extLst>
+          </p:cNvPr>
+          <p:cNvSpPr/>
+          <p:nvPr/>
+        </p:nvSpPr>
+        <p:spPr>
+          <a:xfrm>
+            <a:off x="1286756" y="7926277"/>
+            <a:ext cx="9060445" cy="1827363"/>
+          </a:xfrm>
+          <a:prstGeom prst="rect">
+            <a:avLst/>
+          </a:prstGeom>
+        </p:spPr>
+        <p:style>
+          <a:lnRef idx="2">
+            <a:schemeClr val="accent1">
+              <a:shade val="50000"/>
+            </a:schemeClr>
+          </a:lnRef>
+          <a:fillRef idx="1">
+            <a:schemeClr val="accent1"/>
+          </a:fillRef>
+          <a:effectRef idx="0">
+            <a:schemeClr val="accent1"/>
+          </a:effectRef>
+          <a:fontRef idx="minor">
+            <a:schemeClr val="lt1"/>
+          </a:fontRef>
+        </p:style>
+        <p:txBody>
+          <a:bodyPr rtlCol="0" anchor="ctr"/>
+          <a:lstStyle/>
+          <a:p>
+            <a:pPr algn="ctr"/>
+            <a:r>
+              <a:rPr lang="de-DE" dirty="0"/>
+              <a:t>Cross </a:t>
+            </a:r>
+            <a:r>
+              <a:rPr lang="de-DE" dirty="0" err="1"/>
+              <a:t>Functional</a:t>
+            </a:r>
+            <a:r>
+              <a:rPr lang="de-DE" dirty="0"/>
+              <a:t>:</a:t>
+            </a:r>
+          </a:p>
+          <a:p>
+            <a:pPr algn="ctr"/>
+            <a:r>
+              <a:rPr lang="de-DE" b="1" dirty="0">
+                <a:solidFill>
+                  <a:srgbClr val="FF0000"/>
+                </a:solidFill>
+              </a:rPr>
+              <a:t>Projekt Management (5)</a:t>
+            </a:r>
+          </a:p>
+          <a:p>
+            <a:pPr algn="ctr"/>
+            <a:r>
+              <a:rPr lang="de-DE" dirty="0">
+                <a:solidFill>
+                  <a:schemeClr val="tx1">
+                    <a:lumMod val="95000"/>
+                    <a:lumOff val="5000"/>
+                  </a:schemeClr>
+                </a:solidFill>
+              </a:rPr>
+              <a:t>Internettechnologien (5)</a:t>
+            </a:r>
+          </a:p>
+          <a:p>
+            <a:pPr algn="ctr"/>
+            <a:r>
+              <a:rPr lang="de-DE" dirty="0">
+                <a:solidFill>
+                  <a:schemeClr val="tx1">
+                    <a:lumMod val="95000"/>
+                    <a:lumOff val="5000"/>
+                  </a:schemeClr>
+                </a:solidFill>
+              </a:rPr>
+              <a:t>E-Business (5)</a:t>
+            </a:r>
+          </a:p>
+          <a:p>
+            <a:pPr algn="ctr"/>
+            <a:r>
+              <a:rPr lang="de-DE" dirty="0">
+                <a:solidFill>
+                  <a:schemeClr val="tx1">
+                    <a:lumMod val="95000"/>
+                    <a:lumOff val="5000"/>
+                  </a:schemeClr>
+                </a:solidFill>
+              </a:rPr>
+              <a:t>Betriebliche Informationssysteme (5)</a:t>
+            </a:r>
+          </a:p>
+          <a:p>
+            <a:pPr algn="ctr"/>
+            <a:r>
+              <a:rPr lang="de-DE" dirty="0">
+                <a:solidFill>
+                  <a:srgbClr val="FFFF00"/>
+                </a:solidFill>
+              </a:rPr>
+              <a:t>Topics in Business Information Technology (5)</a:t>
+            </a:r>
+          </a:p>
+          <a:p>
+            <a:pPr algn="ctr"/>
+            <a:r>
+              <a:rPr lang="de-DE" dirty="0">
+                <a:solidFill>
+                  <a:srgbClr val="FFFF00"/>
+                </a:solidFill>
+              </a:rPr>
+              <a:t>IT Projekt (5)</a:t>
+            </a:r>
+          </a:p>
+          <a:p>
+            <a:pPr algn="ctr"/>
+            <a:r>
+              <a:rPr lang="de-DE" dirty="0">
+                <a:solidFill>
+                  <a:srgbClr val="00B0F0"/>
+                </a:solidFill>
+              </a:rPr>
+              <a:t>Praxisprojekt (5)</a:t>
+            </a:r>
+          </a:p>
+          <a:p>
+            <a:pPr algn="ctr"/>
+            <a:r>
+              <a:rPr lang="de-DE" dirty="0">
+                <a:solidFill>
+                  <a:srgbClr val="00B050"/>
+                </a:solidFill>
+              </a:rPr>
+              <a:t>Bachelor Thesis (5)</a:t>
+            </a:r>
+          </a:p>
+          <a:p>
+            <a:pPr algn="ctr"/>
+            <a:endParaRPr lang="de-DE" dirty="0">
+              <a:solidFill>
+                <a:srgbClr val="00B0F0"/>
+              </a:solidFill>
+            </a:endParaRPr>
+          </a:p>
+          <a:p>
+            <a:pPr algn="ctr"/>
+            <a:endParaRPr lang="de-DE" dirty="0">
+              <a:solidFill>
+                <a:srgbClr val="FFFF00"/>
+              </a:solidFill>
+            </a:endParaRPr>
+          </a:p>
+          <a:p>
+            <a:pPr algn="ctr"/>
+            <a:endParaRPr lang="de-DE" b="1" dirty="0">
+              <a:solidFill>
+                <a:srgbClr val="FF0000"/>
+              </a:solidFill>
+            </a:endParaRPr>
+          </a:p>
+        </p:txBody>
+      </p:sp>
+    </p:spTree>
+    <p:extLst>
+      <p:ext uri="{BB962C8B-B14F-4D97-AF65-F5344CB8AC3E}">
+        <p14:creationId xmlns:p14="http://schemas.microsoft.com/office/powerpoint/2010/main" val="1120082147"/>
+      </p:ext>
+    </p:extLst>
+  </p:cSld>
+  <p:clrMapOvr>
+    <a:masterClrMapping/>
+  </p:clrMapOvr>
+</p:sld>
+</file>
+
+<file path=ppt/slides/slide4.xml><?xml version="1.0" encoding="utf-8"?>
+<p:sld xmlns:a="http://schemas.openxmlformats.org/drawingml/2006/main" xmlns:r="http://schemas.openxmlformats.org/officeDocument/2006/relationships" xmlns:p="http://schemas.openxmlformats.org/presentationml/2006/main">
+  <p:cSld>
+    <p:spTree>
+      <p:nvGrpSpPr>
+        <p:cNvPr id="1" name=""/>
+        <p:cNvGrpSpPr/>
+        <p:nvPr/>
+      </p:nvGrpSpPr>
+      <p:grpSpPr>
+        <a:xfrm>
+          <a:off x="0" y="0"/>
+          <a:ext cx="0" cy="0"/>
+          <a:chOff x="0" y="0"/>
+          <a:chExt cx="0" cy="0"/>
+        </a:xfrm>
+      </p:grpSpPr>
+      <p:sp>
+        <p:nvSpPr>
+          <p:cNvPr id="2" name="Titel 1">
+            <a:extLst>
+              <a:ext uri="{FF2B5EF4-FFF2-40B4-BE49-F238E27FC236}">
+                <a16:creationId xmlns:a16="http://schemas.microsoft.com/office/drawing/2014/main" id="{8128BF6A-F471-D24C-A54D-BBCCE88CB8AC}"/>
+              </a:ext>
+            </a:extLst>
+          </p:cNvPr>
+          <p:cNvSpPr>
+            <a:spLocks noGrp="1"/>
+          </p:cNvSpPr>
+          <p:nvPr>
+            <p:ph type="title"/>
+          </p:nvPr>
+        </p:nvSpPr>
+        <p:spPr/>
+        <p:txBody>
+          <a:bodyPr/>
+          <a:lstStyle/>
+          <a:p>
+            <a:r>
+              <a:rPr lang="de-DE" dirty="0"/>
+              <a:t>Future State</a:t>
+            </a:r>
+          </a:p>
+        </p:txBody>
+      </p:sp>
+      <p:sp>
+        <p:nvSpPr>
+          <p:cNvPr id="3" name="Inhaltsplatzhalter 2">
+            <a:extLst>
+              <a:ext uri="{FF2B5EF4-FFF2-40B4-BE49-F238E27FC236}">
+                <a16:creationId xmlns:a16="http://schemas.microsoft.com/office/drawing/2014/main" id="{345FB8E8-E89B-F947-9F45-46F20F7FF1FB}"/>
+              </a:ext>
+            </a:extLst>
+          </p:cNvPr>
+          <p:cNvSpPr>
+            <a:spLocks noGrp="1"/>
+          </p:cNvSpPr>
+          <p:nvPr>
+            <p:ph idx="1"/>
+          </p:nvPr>
+        </p:nvSpPr>
+        <p:spPr/>
+        <p:txBody>
+          <a:bodyPr/>
+          <a:lstStyle/>
+          <a:p>
+            <a:endParaRPr lang="de-DE"/>
+          </a:p>
+        </p:txBody>
+      </p:sp>
+    </p:spTree>
+    <p:extLst>
+      <p:ext uri="{BB962C8B-B14F-4D97-AF65-F5344CB8AC3E}">
+        <p14:creationId xmlns:p14="http://schemas.microsoft.com/office/powerpoint/2010/main" val="3865663739"/>
+      </p:ext>
+    </p:extLst>
+  </p:cSld>
+  <p:clrMapOvr>
+    <a:masterClrMapping/>
+  </p:clrMapOvr>
+</p:sld>
+</file>
+
+<file path=ppt/slides/slide5.xml><?xml version="1.0" encoding="utf-8"?>
+<p:sld xmlns:a="http://schemas.openxmlformats.org/drawingml/2006/main" xmlns:r="http://schemas.openxmlformats.org/officeDocument/2006/relationships" xmlns:p="http://schemas.openxmlformats.org/presentationml/2006/main">
+  <p:cSld>
+    <p:spTree>
+      <p:nvGrpSpPr>
+        <p:cNvPr id="1" name=""/>
+        <p:cNvGrpSpPr/>
+        <p:nvPr/>
+      </p:nvGrpSpPr>
+      <p:grpSpPr>
+        <a:xfrm>
+          <a:off x="0" y="0"/>
+          <a:ext cx="0" cy="0"/>
+          <a:chOff x="0" y="0"/>
+          <a:chExt cx="0" cy="0"/>
+        </a:xfrm>
+      </p:grpSpPr>
+      <p:sp>
+        <p:nvSpPr>
+          <p:cNvPr id="2" name="Titel 1">
+            <a:extLst>
+              <a:ext uri="{FF2B5EF4-FFF2-40B4-BE49-F238E27FC236}">
+                <a16:creationId xmlns:a16="http://schemas.microsoft.com/office/drawing/2014/main" id="{302B1279-B3EF-2646-AB97-D39DC4F7B527}"/>
+              </a:ext>
+            </a:extLst>
+          </p:cNvPr>
+          <p:cNvSpPr>
+            <a:spLocks noGrp="1"/>
+          </p:cNvSpPr>
+          <p:nvPr>
+            <p:ph type="title"/>
+          </p:nvPr>
+        </p:nvSpPr>
+        <p:spPr/>
+        <p:txBody>
+          <a:bodyPr/>
+          <a:lstStyle/>
+          <a:p>
+            <a:r>
+              <a:rPr lang="de-DE" dirty="0" err="1"/>
+              <a:t>Methodology</a:t>
+            </a:r>
+            <a:r>
+              <a:rPr lang="de-DE" dirty="0"/>
+              <a:t> / Approach</a:t>
+            </a:r>
+          </a:p>
+        </p:txBody>
+      </p:sp>
+      <p:sp>
+        <p:nvSpPr>
+          <p:cNvPr id="3" name="Inhaltsplatzhalter 2">
+            <a:extLst>
+              <a:ext uri="{FF2B5EF4-FFF2-40B4-BE49-F238E27FC236}">
+                <a16:creationId xmlns:a16="http://schemas.microsoft.com/office/drawing/2014/main" id="{D942E08F-BC02-0242-A9B0-B1BB9183E6EC}"/>
+              </a:ext>
+            </a:extLst>
+          </p:cNvPr>
+          <p:cNvSpPr>
+            <a:spLocks noGrp="1"/>
+          </p:cNvSpPr>
+          <p:nvPr>
+            <p:ph idx="1"/>
+          </p:nvPr>
+        </p:nvSpPr>
+        <p:spPr/>
+        <p:txBody>
+          <a:bodyPr/>
+          <a:lstStyle/>
+          <a:p>
+            <a:endParaRPr lang="de-DE" dirty="0"/>
+          </a:p>
+        </p:txBody>
+      </p:sp>
+    </p:spTree>
+    <p:extLst>
+      <p:ext uri="{BB962C8B-B14F-4D97-AF65-F5344CB8AC3E}">
+        <p14:creationId xmlns:p14="http://schemas.microsoft.com/office/powerpoint/2010/main" val="1910290384"/>
+      </p:ext>
+    </p:extLst>
+  </p:cSld>
+  <p:clrMapOvr>
+    <a:masterClrMapping/>
+  </p:clrMapOvr>
+</p:sld>
+</file>
+
+<file path=ppt/slides/slide6.xml><?xml version="1.0" encoding="utf-8"?>
+<p:sld xmlns:a="http://schemas.openxmlformats.org/drawingml/2006/main" xmlns:r="http://schemas.openxmlformats.org/officeDocument/2006/relationships" xmlns:p="http://schemas.openxmlformats.org/presentationml/2006/main">
+  <p:cSld>
+    <p:spTree>
+      <p:nvGrpSpPr>
+        <p:cNvPr id="1" name=""/>
+        <p:cNvGrpSpPr/>
+        <p:nvPr/>
+      </p:nvGrpSpPr>
+      <p:grpSpPr>
+        <a:xfrm>
+          <a:off x="0" y="0"/>
+          <a:ext cx="0" cy="0"/>
+          <a:chOff x="0" y="0"/>
+          <a:chExt cx="0" cy="0"/>
+        </a:xfrm>
+      </p:grpSpPr>
+      <p:sp>
+        <p:nvSpPr>
+          <p:cNvPr id="2" name="Titel 1">
+            <a:extLst>
+              <a:ext uri="{FF2B5EF4-FFF2-40B4-BE49-F238E27FC236}">
+                <a16:creationId xmlns:a16="http://schemas.microsoft.com/office/drawing/2014/main" id="{87C8146E-BABE-8F4E-B54C-066201B4098F}"/>
+              </a:ext>
+            </a:extLst>
+          </p:cNvPr>
+          <p:cNvSpPr>
+            <a:spLocks noGrp="1"/>
+          </p:cNvSpPr>
+          <p:nvPr>
+            <p:ph type="title"/>
+          </p:nvPr>
+        </p:nvSpPr>
+        <p:spPr/>
+        <p:txBody>
+          <a:bodyPr/>
+          <a:lstStyle/>
+          <a:p>
+            <a:r>
+              <a:rPr lang="de-DE" dirty="0"/>
+              <a:t>Outcomes  </a:t>
+            </a:r>
+            <a:r>
+              <a:rPr lang="de-DE" dirty="0" err="1"/>
+              <a:t>from</a:t>
+            </a:r>
+            <a:r>
+              <a:rPr lang="de-DE" dirty="0"/>
+              <a:t> </a:t>
+            </a:r>
+            <a:r>
+              <a:rPr lang="de-DE" dirty="0" err="1"/>
+              <a:t>Questionnaire</a:t>
+            </a:r>
+            <a:r>
+              <a:rPr lang="de-DE" dirty="0"/>
+              <a:t> – Student </a:t>
+            </a:r>
+            <a:r>
+              <a:rPr lang="de-DE" dirty="0" err="1"/>
+              <a:t>view</a:t>
+            </a:r>
+            <a:endParaRPr lang="de-DE" dirty="0"/>
+          </a:p>
+        </p:txBody>
+      </p:sp>
+      <p:sp>
+        <p:nvSpPr>
+          <p:cNvPr id="3" name="Inhaltsplatzhalter 2">
+            <a:extLst>
+              <a:ext uri="{FF2B5EF4-FFF2-40B4-BE49-F238E27FC236}">
+                <a16:creationId xmlns:a16="http://schemas.microsoft.com/office/drawing/2014/main" id="{8608956C-85E4-D942-A442-F220E2778D5F}"/>
+              </a:ext>
+            </a:extLst>
+          </p:cNvPr>
+          <p:cNvSpPr>
+            <a:spLocks noGrp="1"/>
+          </p:cNvSpPr>
+          <p:nvPr>
+            <p:ph idx="1"/>
+          </p:nvPr>
+        </p:nvSpPr>
+        <p:spPr/>
+        <p:txBody>
+          <a:bodyPr/>
+          <a:lstStyle/>
+          <a:p>
+            <a:endParaRPr lang="de-DE" dirty="0"/>
+          </a:p>
+        </p:txBody>
+      </p:sp>
+    </p:spTree>
+    <p:extLst>
+      <p:ext uri="{BB962C8B-B14F-4D97-AF65-F5344CB8AC3E}">
+        <p14:creationId xmlns:p14="http://schemas.microsoft.com/office/powerpoint/2010/main" val="2568166804"/>
+      </p:ext>
+    </p:extLst>
+  </p:cSld>
+  <p:clrMapOvr>
+    <a:masterClrMapping/>
+  </p:clrMapOvr>
+</p:sld>
+</file>
+
+<file path=ppt/slides/slide7.xml><?xml version="1.0" encoding="utf-8"?>
+<p:sld xmlns:a="http://schemas.openxmlformats.org/drawingml/2006/main" xmlns:r="http://schemas.openxmlformats.org/officeDocument/2006/relationships" xmlns:p="http://schemas.openxmlformats.org/presentationml/2006/main">
+  <p:cSld>
+    <p:spTree>
+      <p:nvGrpSpPr>
+        <p:cNvPr id="1" name=""/>
+        <p:cNvGrpSpPr/>
+        <p:nvPr/>
+      </p:nvGrpSpPr>
+      <p:grpSpPr>
+        <a:xfrm>
+          <a:off x="0" y="0"/>
+          <a:ext cx="0" cy="0"/>
+          <a:chOff x="0" y="0"/>
+          <a:chExt cx="0" cy="0"/>
+        </a:xfrm>
+      </p:grpSpPr>
+      <p:sp>
+        <p:nvSpPr>
+          <p:cNvPr id="2" name="Titel 1">
+            <a:extLst>
+              <a:ext uri="{FF2B5EF4-FFF2-40B4-BE49-F238E27FC236}">
+                <a16:creationId xmlns:a16="http://schemas.microsoft.com/office/drawing/2014/main" id="{87C8146E-BABE-8F4E-B54C-066201B4098F}"/>
+              </a:ext>
+            </a:extLst>
+          </p:cNvPr>
+          <p:cNvSpPr>
+            <a:spLocks noGrp="1"/>
+          </p:cNvSpPr>
+          <p:nvPr>
+            <p:ph type="title"/>
+          </p:nvPr>
+        </p:nvSpPr>
+        <p:spPr/>
+        <p:txBody>
+          <a:bodyPr/>
+          <a:lstStyle/>
+          <a:p>
+            <a:r>
+              <a:rPr lang="de-DE" dirty="0"/>
+              <a:t>Outcomes  </a:t>
+            </a:r>
+            <a:r>
+              <a:rPr lang="de-DE" dirty="0" err="1"/>
+              <a:t>from</a:t>
+            </a:r>
+            <a:r>
+              <a:rPr lang="de-DE" dirty="0"/>
+              <a:t> </a:t>
+            </a:r>
+            <a:r>
+              <a:rPr lang="de-DE" dirty="0" err="1"/>
+              <a:t>Questionnaire</a:t>
+            </a:r>
+            <a:r>
+              <a:rPr lang="de-DE" dirty="0"/>
+              <a:t> – </a:t>
+            </a:r>
+            <a:r>
+              <a:rPr lang="de-DE" dirty="0" err="1"/>
+              <a:t>Lecturer</a:t>
+            </a:r>
+            <a:r>
+              <a:rPr lang="de-DE" dirty="0"/>
+              <a:t> </a:t>
+            </a:r>
+            <a:r>
+              <a:rPr lang="de-DE" dirty="0" err="1"/>
+              <a:t>view</a:t>
+            </a:r>
+            <a:endParaRPr lang="de-DE" dirty="0"/>
+          </a:p>
+        </p:txBody>
+      </p:sp>
+      <p:sp>
+        <p:nvSpPr>
+          <p:cNvPr id="3" name="Inhaltsplatzhalter 2">
+            <a:extLst>
+              <a:ext uri="{FF2B5EF4-FFF2-40B4-BE49-F238E27FC236}">
+                <a16:creationId xmlns:a16="http://schemas.microsoft.com/office/drawing/2014/main" id="{8608956C-85E4-D942-A442-F220E2778D5F}"/>
+              </a:ext>
+            </a:extLst>
+          </p:cNvPr>
+          <p:cNvSpPr>
+            <a:spLocks noGrp="1"/>
+          </p:cNvSpPr>
+          <p:nvPr>
+            <p:ph idx="1"/>
+          </p:nvPr>
+        </p:nvSpPr>
+        <p:spPr/>
+        <p:txBody>
+          <a:bodyPr/>
+          <a:lstStyle/>
+          <a:p>
+            <a:endParaRPr lang="de-DE" dirty="0"/>
+          </a:p>
+        </p:txBody>
+      </p:sp>
+    </p:spTree>
+    <p:extLst>
+      <p:ext uri="{BB962C8B-B14F-4D97-AF65-F5344CB8AC3E}">
+        <p14:creationId xmlns:p14="http://schemas.microsoft.com/office/powerpoint/2010/main" val="1001805346"/>
+      </p:ext>
+    </p:extLst>
+  </p:cSld>
+  <p:clrMapOvr>
+    <a:masterClrMapping/>
+  </p:clrMapOvr>
+</p:sld>
+</file>
+
+<file path=ppt/slides/slide8.xml><?xml version="1.0" encoding="utf-8"?>
+<p:sld xmlns:a="http://schemas.openxmlformats.org/drawingml/2006/main" xmlns:r="http://schemas.openxmlformats.org/officeDocument/2006/relationships" xmlns:p="http://schemas.openxmlformats.org/presentationml/2006/main">
+  <p:cSld>
+    <p:spTree>
+      <p:nvGrpSpPr>
+        <p:cNvPr id="1" name=""/>
+        <p:cNvGrpSpPr/>
+        <p:nvPr/>
+      </p:nvGrpSpPr>
+      <p:grpSpPr>
+        <a:xfrm>
+          <a:off x="0" y="0"/>
+          <a:ext cx="0" cy="0"/>
+          <a:chOff x="0" y="0"/>
+          <a:chExt cx="0" cy="0"/>
+        </a:xfrm>
+      </p:grpSpPr>
+      <p:sp>
+        <p:nvSpPr>
+          <p:cNvPr id="2" name="Titel 1">
+            <a:extLst>
+              <a:ext uri="{FF2B5EF4-FFF2-40B4-BE49-F238E27FC236}">
+                <a16:creationId xmlns:a16="http://schemas.microsoft.com/office/drawing/2014/main" id="{87C8146E-BABE-8F4E-B54C-066201B4098F}"/>
+              </a:ext>
+            </a:extLst>
+          </p:cNvPr>
+          <p:cNvSpPr>
+            <a:spLocks noGrp="1"/>
+          </p:cNvSpPr>
+          <p:nvPr>
+            <p:ph type="title"/>
+          </p:nvPr>
+        </p:nvSpPr>
+        <p:spPr/>
+        <p:txBody>
+          <a:bodyPr/>
+          <a:lstStyle/>
+          <a:p>
+            <a:r>
+              <a:rPr lang="de-DE" dirty="0"/>
+              <a:t>Outcomes </a:t>
+            </a:r>
+            <a:r>
+              <a:rPr lang="de-DE" dirty="0" err="1"/>
+              <a:t>Experts</a:t>
+            </a:r>
+            <a:r>
+              <a:rPr lang="de-DE" dirty="0"/>
+              <a:t> interview</a:t>
+            </a:r>
+          </a:p>
+        </p:txBody>
+      </p:sp>
+      <p:sp>
+        <p:nvSpPr>
+          <p:cNvPr id="3" name="Inhaltsplatzhalter 2">
+            <a:extLst>
+              <a:ext uri="{FF2B5EF4-FFF2-40B4-BE49-F238E27FC236}">
+                <a16:creationId xmlns:a16="http://schemas.microsoft.com/office/drawing/2014/main" id="{8608956C-85E4-D942-A442-F220E2778D5F}"/>
+              </a:ext>
+            </a:extLst>
+          </p:cNvPr>
+          <p:cNvSpPr>
+            <a:spLocks noGrp="1"/>
+          </p:cNvSpPr>
+          <p:nvPr>
+            <p:ph idx="1"/>
+          </p:nvPr>
+        </p:nvSpPr>
+        <p:spPr/>
+        <p:txBody>
+          <a:bodyPr/>
+          <a:lstStyle/>
+          <a:p>
+            <a:endParaRPr lang="de-DE" dirty="0"/>
+          </a:p>
+        </p:txBody>
+      </p:sp>
+    </p:spTree>
+    <p:extLst>
+      <p:ext uri="{BB962C8B-B14F-4D97-AF65-F5344CB8AC3E}">
+        <p14:creationId xmlns:p14="http://schemas.microsoft.com/office/powerpoint/2010/main" val="1296492468"/>
+      </p:ext>
+    </p:extLst>
+  </p:cSld>
+  <p:clrMapOvr>
+    <a:masterClrMapping/>
+  </p:clrMapOvr>
+</p:sld>
+</file>
+
 <file path=ppt/slides/slide9.xml><?xml version="1.0" encoding="utf-8"?>
 <p:sld xmlns:a="http://schemas.openxmlformats.org/drawingml/2006/main" xmlns:r="http://schemas.openxmlformats.org/officeDocument/2006/relationships" xmlns:p="http://schemas.openxmlformats.org/presentationml/2006/main">
   <p:cSld>
@@ -4851,10 +6934,10 @@
       </p:grpSpPr>
       <p:sp>
         <p:nvSpPr>
-          <p:cNvPr id="2" name="Titel 1">
-            <a:extLst>
-              <a:ext uri="{FF2B5EF4-FFF2-40B4-BE49-F238E27FC236}">
-                <a16:creationId xmlns:a16="http://schemas.microsoft.com/office/drawing/2014/main" id="{40D2E1A9-D8C5-044F-B210-E1D509A95963}"/>
+          <p:cNvPr id="2" name="Title 1">
+            <a:extLst>
+              <a:ext uri="{FF2B5EF4-FFF2-40B4-BE49-F238E27FC236}">
+                <a16:creationId xmlns:a16="http://schemas.microsoft.com/office/drawing/2014/main" id="{F5CF0D18-71F6-FA46-B9E0-7756C2999A9F}"/>
               </a:ext>
             </a:extLst>
           </p:cNvPr>
@@ -4870,20 +6953,16 @@
           <a:bodyPr/>
           <a:lstStyle/>
           <a:p>
-            <a:r>
-              <a:rPr lang="de-DE" dirty="0" err="1"/>
-              <a:t>Examples</a:t>
-            </a:r>
-            <a:endParaRPr lang="de-DE" dirty="0"/>
-          </a:p>
-        </p:txBody>
-      </p:sp>
-      <p:sp>
-        <p:nvSpPr>
-          <p:cNvPr id="3" name="Inhaltsplatzhalter 2">
-            <a:extLst>
-              <a:ext uri="{FF2B5EF4-FFF2-40B4-BE49-F238E27FC236}">
-                <a16:creationId xmlns:a16="http://schemas.microsoft.com/office/drawing/2014/main" id="{ED93CB7E-906A-5749-B4B5-07DBD51D6AD6}"/>
+            <a:endParaRPr lang="en-US"/>
+          </a:p>
+        </p:txBody>
+      </p:sp>
+      <p:sp>
+        <p:nvSpPr>
+          <p:cNvPr id="3" name="Content Placeholder 2">
+            <a:extLst>
+              <a:ext uri="{FF2B5EF4-FFF2-40B4-BE49-F238E27FC236}">
+                <a16:creationId xmlns:a16="http://schemas.microsoft.com/office/drawing/2014/main" id="{8920F6B1-78EE-3743-83AF-F87719A2600A}"/>
               </a:ext>
             </a:extLst>
           </p:cNvPr>
@@ -4896,110 +6975,17 @@
         </p:nvSpPr>
         <p:spPr/>
         <p:txBody>
-          <a:bodyPr>
-            <a:normAutofit lnSpcReduction="10000"/>
-          </a:bodyPr>
-          <a:lstStyle/>
-          <a:p>
-            <a:r>
-              <a:rPr lang="de-DE" dirty="0"/>
-              <a:t>Visual </a:t>
-            </a:r>
-            <a:r>
-              <a:rPr lang="de-DE" dirty="0" err="1"/>
-              <a:t>Paradigm</a:t>
-            </a:r>
-            <a:r>
-              <a:rPr lang="de-DE" dirty="0"/>
-              <a:t> </a:t>
-            </a:r>
-            <a:r>
-              <a:rPr lang="de-DE" dirty="0" err="1"/>
-              <a:t>creating</a:t>
-            </a:r>
-            <a:r>
-              <a:rPr lang="de-DE" dirty="0"/>
-              <a:t> </a:t>
-            </a:r>
-            <a:r>
-              <a:rPr lang="de-DE" dirty="0" err="1"/>
-              <a:t>code</a:t>
-            </a:r>
-            <a:r>
-              <a:rPr lang="de-DE" dirty="0"/>
-              <a:t> </a:t>
-            </a:r>
-            <a:r>
-              <a:rPr lang="de-DE" dirty="0" err="1"/>
-              <a:t>based</a:t>
-            </a:r>
-            <a:r>
-              <a:rPr lang="de-DE" dirty="0"/>
-              <a:t> on </a:t>
-            </a:r>
-            <a:r>
-              <a:rPr lang="de-DE" dirty="0" err="1"/>
-              <a:t>models</a:t>
-            </a:r>
-            <a:endParaRPr lang="de-DE" dirty="0"/>
-          </a:p>
-          <a:p>
-            <a:endParaRPr lang="de-DE" dirty="0"/>
-          </a:p>
-          <a:p>
-            <a:r>
-              <a:rPr lang="de-DE" dirty="0" err="1"/>
-              <a:t>Raspberry</a:t>
-            </a:r>
-            <a:r>
-              <a:rPr lang="de-DE" dirty="0"/>
-              <a:t> Pi</a:t>
-            </a:r>
-          </a:p>
-          <a:p>
-            <a:endParaRPr lang="de-DE" dirty="0"/>
-          </a:p>
-          <a:p>
-            <a:r>
-              <a:rPr lang="de-DE" dirty="0"/>
-              <a:t>IFTT</a:t>
-            </a:r>
-          </a:p>
-          <a:p>
-            <a:endParaRPr lang="de-DE" dirty="0"/>
-          </a:p>
-          <a:p>
-            <a:r>
-              <a:rPr lang="de-DE" dirty="0" err="1"/>
-              <a:t>Nao</a:t>
-            </a:r>
-            <a:r>
-              <a:rPr lang="de-DE" dirty="0"/>
-              <a:t> Robot</a:t>
-            </a:r>
-          </a:p>
-          <a:p>
-            <a:endParaRPr lang="de-DE" dirty="0"/>
-          </a:p>
-          <a:p>
-            <a:r>
-              <a:rPr lang="de-DE" dirty="0" err="1"/>
-              <a:t>BlueJ</a:t>
-            </a:r>
-            <a:endParaRPr lang="de-DE" dirty="0"/>
-          </a:p>
-          <a:p>
-            <a:pPr marL="0" indent="0">
-              <a:buNone/>
-            </a:pPr>
-            <a:endParaRPr lang="de-DE" dirty="0"/>
+          <a:bodyPr/>
+          <a:lstStyle/>
+          <a:p>
+            <a:endParaRPr lang="en-US"/>
           </a:p>
         </p:txBody>
       </p:sp>
     </p:spTree>
     <p:extLst>
       <p:ext uri="{BB962C8B-B14F-4D97-AF65-F5344CB8AC3E}">
-        <p14:creationId xmlns:p14="http://schemas.microsoft.com/office/powerpoint/2010/main" val="3372410563"/>
+        <p14:creationId xmlns:p14="http://schemas.microsoft.com/office/powerpoint/2010/main" val="228267503"/>
       </p:ext>
     </p:extLst>
   </p:cSld>
@@ -5302,4 +7288,299 @@
     </a:ext>
   </a:extLst>
 </a:theme>
+</file>
+
+<file path=ppt/theme/theme2.xml><?xml version="1.0" encoding="utf-8"?>
+<a:theme xmlns:a="http://schemas.openxmlformats.org/drawingml/2006/main" name="Office Theme">
+  <a:themeElements>
+    <a:clrScheme name="Office">
+      <a:dk1>
+        <a:sysClr val="windowText" lastClr="000000"/>
+      </a:dk1>
+      <a:lt1>
+        <a:sysClr val="window" lastClr="FFFFFF"/>
+      </a:lt1>
+      <a:dk2>
+        <a:srgbClr val="44546A"/>
+      </a:dk2>
+      <a:lt2>
+        <a:srgbClr val="E7E6E6"/>
+      </a:lt2>
+      <a:accent1>
+        <a:srgbClr val="4472C4"/>
+      </a:accent1>
+      <a:accent2>
+        <a:srgbClr val="ED7D31"/>
+      </a:accent2>
+      <a:accent3>
+        <a:srgbClr val="A5A5A5"/>
+      </a:accent3>
+      <a:accent4>
+        <a:srgbClr val="FFC000"/>
+      </a:accent4>
+      <a:accent5>
+        <a:srgbClr val="5B9BD5"/>
+      </a:accent5>
+      <a:accent6>
+        <a:srgbClr val="70AD47"/>
+      </a:accent6>
+      <a:hlink>
+        <a:srgbClr val="0563C1"/>
+      </a:hlink>
+      <a:folHlink>
+        <a:srgbClr val="954F72"/>
+      </a:folHlink>
+    </a:clrScheme>
+    <a:fontScheme name="Office">
+      <a:majorFont>
+        <a:latin typeface="Calibri Light" panose="020F0302020204030204"/>
+        <a:ea typeface=""/>
+        <a:cs typeface=""/>
+        <a:font script="Jpan" typeface="游ゴシック Light"/>
+        <a:font script="Hang" typeface="맑은 고딕"/>
+        <a:font script="Hans" typeface="等线 Light"/>
+        <a:font script="Hant" typeface="新細明體"/>
+        <a:font script="Arab" typeface="Times New Roman"/>
+        <a:font script="Hebr" typeface="Times New Roman"/>
+        <a:font script="Thai" typeface="Angsana New"/>
+        <a:font script="Ethi" typeface="Nyala"/>
+        <a:font script="Beng" typeface="Vrinda"/>
+        <a:font script="Gujr" typeface="Shruti"/>
+        <a:font script="Khmr" typeface="MoolBoran"/>
+        <a:font script="Knda" typeface="Tunga"/>
+        <a:font script="Guru" typeface="Raavi"/>
+        <a:font script="Cans" typeface="Euphemia"/>
+        <a:font script="Cher" typeface="Plantagenet Cherokee"/>
+        <a:font script="Yiii" typeface="Microsoft Yi Baiti"/>
+        <a:font script="Tibt" typeface="Microsoft Himalaya"/>
+        <a:font script="Thaa" typeface="MV Boli"/>
+        <a:font script="Deva" typeface="Mangal"/>
+        <a:font script="Telu" typeface="Gautami"/>
+        <a:font script="Taml" typeface="Latha"/>
+        <a:font script="Syrc" typeface="Estrangelo Edessa"/>
+        <a:font script="Orya" typeface="Kalinga"/>
+        <a:font script="Mlym" typeface="Kartika"/>
+        <a:font script="Laoo" typeface="DokChampa"/>
+        <a:font script="Sinh" typeface="Iskoola Pota"/>
+        <a:font script="Mong" typeface="Mongolian Baiti"/>
+        <a:font script="Viet" typeface="Times New Roman"/>
+        <a:font script="Uigh" typeface="Microsoft Uighur"/>
+        <a:font script="Geor" typeface="Sylfaen"/>
+        <a:font script="Armn" typeface="Arial"/>
+        <a:font script="Bugi" typeface="Leelawadee UI"/>
+        <a:font script="Bopo" typeface="Microsoft JhengHei"/>
+        <a:font script="Java" typeface="Javanese Text"/>
+        <a:font script="Lisu" typeface="Segoe UI"/>
+        <a:font script="Mymr" typeface="Myanmar Text"/>
+        <a:font script="Nkoo" typeface="Ebrima"/>
+        <a:font script="Olck" typeface="Nirmala UI"/>
+        <a:font script="Osma" typeface="Ebrima"/>
+        <a:font script="Phag" typeface="Phagspa"/>
+        <a:font script="Syrn" typeface="Estrangelo Edessa"/>
+        <a:font script="Syrj" typeface="Estrangelo Edessa"/>
+        <a:font script="Syre" typeface="Estrangelo Edessa"/>
+        <a:font script="Sora" typeface="Nirmala UI"/>
+        <a:font script="Tale" typeface="Microsoft Tai Le"/>
+        <a:font script="Talu" typeface="Microsoft New Tai Lue"/>
+        <a:font script="Tfng" typeface="Ebrima"/>
+      </a:majorFont>
+      <a:minorFont>
+        <a:latin typeface="Calibri" panose="020F0502020204030204"/>
+        <a:ea typeface=""/>
+        <a:cs typeface=""/>
+        <a:font script="Jpan" typeface="游ゴシック"/>
+        <a:font script="Hang" typeface="맑은 고딕"/>
+        <a:font script="Hans" typeface="等线"/>
+        <a:font script="Hant" typeface="新細明體"/>
+        <a:font script="Arab" typeface="Arial"/>
+        <a:font script="Hebr" typeface="Arial"/>
+        <a:font script="Thai" typeface="Cordia New"/>
+        <a:font script="Ethi" typeface="Nyala"/>
+        <a:font script="Beng" typeface="Vrinda"/>
+        <a:font script="Gujr" typeface="Shruti"/>
+        <a:font script="Khmr" typeface="DaunPenh"/>
+        <a:font script="Knda" typeface="Tunga"/>
+        <a:font script="Guru" typeface="Raavi"/>
+        <a:font script="Cans" typeface="Euphemia"/>
+        <a:font script="Cher" typeface="Plantagenet Cherokee"/>
+        <a:font script="Yiii" typeface="Microsoft Yi Baiti"/>
+        <a:font script="Tibt" typeface="Microsoft Himalaya"/>
+        <a:font script="Thaa" typeface="MV Boli"/>
+        <a:font script="Deva" typeface="Mangal"/>
+        <a:font script="Telu" typeface="Gautami"/>
+        <a:font script="Taml" typeface="Latha"/>
+        <a:font script="Syrc" typeface="Estrangelo Edessa"/>
+        <a:font script="Orya" typeface="Kalinga"/>
+        <a:font script="Mlym" typeface="Kartika"/>
+        <a:font script="Laoo" typeface="DokChampa"/>
+        <a:font script="Sinh" typeface="Iskoola Pota"/>
+        <a:font script="Mong" typeface="Mongolian Baiti"/>
+        <a:font script="Viet" typeface="Arial"/>
+        <a:font script="Uigh" typeface="Microsoft Uighur"/>
+        <a:font script="Geor" typeface="Sylfaen"/>
+        <a:font script="Armn" typeface="Arial"/>
+        <a:font script="Bugi" typeface="Leelawadee UI"/>
+        <a:font script="Bopo" typeface="Microsoft JhengHei"/>
+        <a:font script="Java" typeface="Javanese Text"/>
+        <a:font script="Lisu" typeface="Segoe UI"/>
+        <a:font script="Mymr" typeface="Myanmar Text"/>
+        <a:font script="Nkoo" typeface="Ebrima"/>
+        <a:font script="Olck" typeface="Nirmala UI"/>
+        <a:font script="Osma" typeface="Ebrima"/>
+        <a:font script="Phag" typeface="Phagspa"/>
+        <a:font script="Syrn" typeface="Estrangelo Edessa"/>
+        <a:font script="Syrj" typeface="Estrangelo Edessa"/>
+        <a:font script="Syre" typeface="Estrangelo Edessa"/>
+        <a:font script="Sora" typeface="Nirmala UI"/>
+        <a:font script="Tale" typeface="Microsoft Tai Le"/>
+        <a:font script="Talu" typeface="Microsoft New Tai Lue"/>
+        <a:font script="Tfng" typeface="Ebrima"/>
+      </a:minorFont>
+    </a:fontScheme>
+    <a:fmtScheme name="Office">
+      <a:fillStyleLst>
+        <a:solidFill>
+          <a:schemeClr val="phClr"/>
+        </a:solidFill>
+        <a:gradFill rotWithShape="1">
+          <a:gsLst>
+            <a:gs pos="0">
+              <a:schemeClr val="phClr">
+                <a:lumMod val="110000"/>
+                <a:satMod val="105000"/>
+                <a:tint val="67000"/>
+              </a:schemeClr>
+            </a:gs>
+            <a:gs pos="50000">
+              <a:schemeClr val="phClr">
+                <a:lumMod val="105000"/>
+                <a:satMod val="103000"/>
+                <a:tint val="73000"/>
+              </a:schemeClr>
+            </a:gs>
+            <a:gs pos="100000">
+              <a:schemeClr val="phClr">
+                <a:lumMod val="105000"/>
+                <a:satMod val="109000"/>
+                <a:tint val="81000"/>
+              </a:schemeClr>
+            </a:gs>
+          </a:gsLst>
+          <a:lin ang="5400000" scaled="0"/>
+        </a:gradFill>
+        <a:gradFill rotWithShape="1">
+          <a:gsLst>
+            <a:gs pos="0">
+              <a:schemeClr val="phClr">
+                <a:satMod val="103000"/>
+                <a:lumMod val="102000"/>
+                <a:tint val="94000"/>
+              </a:schemeClr>
+            </a:gs>
+            <a:gs pos="50000">
+              <a:schemeClr val="phClr">
+                <a:satMod val="110000"/>
+                <a:lumMod val="100000"/>
+                <a:shade val="100000"/>
+              </a:schemeClr>
+            </a:gs>
+            <a:gs pos="100000">
+              <a:schemeClr val="phClr">
+                <a:lumMod val="99000"/>
+                <a:satMod val="120000"/>
+                <a:shade val="78000"/>
+              </a:schemeClr>
+            </a:gs>
+          </a:gsLst>
+          <a:lin ang="5400000" scaled="0"/>
+        </a:gradFill>
+      </a:fillStyleLst>
+      <a:lnStyleLst>
+        <a:ln w="6350" cap="flat" cmpd="sng" algn="ctr">
+          <a:solidFill>
+            <a:schemeClr val="phClr"/>
+          </a:solidFill>
+          <a:prstDash val="solid"/>
+          <a:miter lim="800000"/>
+        </a:ln>
+        <a:ln w="12700" cap="flat" cmpd="sng" algn="ctr">
+          <a:solidFill>
+            <a:schemeClr val="phClr"/>
+          </a:solidFill>
+          <a:prstDash val="solid"/>
+          <a:miter lim="800000"/>
+        </a:ln>
+        <a:ln w="19050" cap="flat" cmpd="sng" algn="ctr">
+          <a:solidFill>
+            <a:schemeClr val="phClr"/>
+          </a:solidFill>
+          <a:prstDash val="solid"/>
+          <a:miter lim="800000"/>
+        </a:ln>
+      </a:lnStyleLst>
+      <a:effectStyleLst>
+        <a:effectStyle>
+          <a:effectLst/>
+        </a:effectStyle>
+        <a:effectStyle>
+          <a:effectLst/>
+        </a:effectStyle>
+        <a:effectStyle>
+          <a:effectLst>
+            <a:outerShdw blurRad="57150" dist="19050" dir="5400000" algn="ctr" rotWithShape="0">
+              <a:srgbClr val="000000">
+                <a:alpha val="63000"/>
+              </a:srgbClr>
+            </a:outerShdw>
+          </a:effectLst>
+        </a:effectStyle>
+      </a:effectStyleLst>
+      <a:bgFillStyleLst>
+        <a:solidFill>
+          <a:schemeClr val="phClr"/>
+        </a:solidFill>
+        <a:solidFill>
+          <a:schemeClr val="phClr">
+            <a:tint val="95000"/>
+            <a:satMod val="170000"/>
+          </a:schemeClr>
+        </a:solidFill>
+        <a:gradFill rotWithShape="1">
+          <a:gsLst>
+            <a:gs pos="0">
+              <a:schemeClr val="phClr">
+                <a:tint val="93000"/>
+                <a:satMod val="150000"/>
+                <a:shade val="98000"/>
+                <a:lumMod val="102000"/>
+              </a:schemeClr>
+            </a:gs>
+            <a:gs pos="50000">
+              <a:schemeClr val="phClr">
+                <a:tint val="98000"/>
+                <a:satMod val="130000"/>
+                <a:shade val="90000"/>
+                <a:lumMod val="103000"/>
+              </a:schemeClr>
+            </a:gs>
+            <a:gs pos="100000">
+              <a:schemeClr val="phClr">
+                <a:shade val="63000"/>
+                <a:satMod val="120000"/>
+              </a:schemeClr>
+            </a:gs>
+          </a:gsLst>
+          <a:lin ang="5400000" scaled="0"/>
+        </a:gradFill>
+      </a:bgFillStyleLst>
+    </a:fmtScheme>
+  </a:themeElements>
+  <a:objectDefaults/>
+  <a:extraClrSchemeLst/>
+  <a:extLst>
+    <a:ext uri="{05A4C25C-085E-4340-85A3-A5531E510DB2}">
+      <thm15:themeFamily xmlns:thm15="http://schemas.microsoft.com/office/thememl/2012/main" name="Office Theme" id="{62F939B6-93AF-4DB8-9C6B-D6C7DFDC589F}" vid="{4A3C46E8-61CC-4603-A589-7422A47A8E4A}"/>
+    </a:ext>
+  </a:extLst>
+</a:theme>
 </file>
--- a/Team 08-Outcome.pptx
+++ b/Team 08-Outcome.pptx
@@ -5,21 +5,22 @@
     <p:sldMasterId id="2147483648" r:id="rId1"/>
   </p:sldMasterIdLst>
   <p:notesMasterIdLst>
-    <p:notesMasterId r:id="rId14"/>
+    <p:notesMasterId r:id="rId15"/>
   </p:notesMasterIdLst>
   <p:sldIdLst>
     <p:sldId id="256" r:id="rId2"/>
     <p:sldId id="257" r:id="rId3"/>
-    <p:sldId id="267" r:id="rId4"/>
-    <p:sldId id="258" r:id="rId5"/>
-    <p:sldId id="259" r:id="rId6"/>
-    <p:sldId id="260" r:id="rId7"/>
-    <p:sldId id="263" r:id="rId8"/>
-    <p:sldId id="264" r:id="rId9"/>
-    <p:sldId id="266" r:id="rId10"/>
-    <p:sldId id="261" r:id="rId11"/>
-    <p:sldId id="265" r:id="rId12"/>
-    <p:sldId id="262" r:id="rId13"/>
+    <p:sldId id="268" r:id="rId4"/>
+    <p:sldId id="267" r:id="rId5"/>
+    <p:sldId id="258" r:id="rId6"/>
+    <p:sldId id="259" r:id="rId7"/>
+    <p:sldId id="260" r:id="rId8"/>
+    <p:sldId id="263" r:id="rId9"/>
+    <p:sldId id="264" r:id="rId10"/>
+    <p:sldId id="266" r:id="rId11"/>
+    <p:sldId id="261" r:id="rId12"/>
+    <p:sldId id="265" r:id="rId13"/>
+    <p:sldId id="262" r:id="rId14"/>
   </p:sldIdLst>
   <p:sldSz cx="12192000" cy="6858000"/>
   <p:notesSz cx="6858000" cy="9144000"/>
@@ -366,7 +367,7 @@
           <a:p>
             <a:fld id="{003E99BF-A0E5-FA4D-AA09-FB1236F7E33F}" type="slidenum">
               <a:rPr lang="en-US" smtClean="0"/>
-              <a:t>‹#›</a:t>
+              <a:t>‹Nr.›</a:t>
             </a:fld>
             <a:endParaRPr lang="en-US"/>
           </a:p>
@@ -494,7 +495,7 @@
       </p:grpSpPr>
       <p:sp>
         <p:nvSpPr>
-          <p:cNvPr id="2" name="Slide Image Placeholder 1"/>
+          <p:cNvPr id="2" name="Folienbildplatzhalter 1"/>
           <p:cNvSpPr>
             <a:spLocks noGrp="1" noRot="1" noChangeAspect="1"/>
           </p:cNvSpPr>
@@ -506,7 +507,7 @@
       </p:sp>
       <p:sp>
         <p:nvSpPr>
-          <p:cNvPr id="3" name="Notes Placeholder 2"/>
+          <p:cNvPr id="3" name="Notizenplatzhalter 2"/>
           <p:cNvSpPr>
             <a:spLocks noGrp="1"/>
           </p:cNvSpPr>
@@ -519,13 +520,13 @@
           <a:bodyPr/>
           <a:lstStyle/>
           <a:p>
-            <a:endParaRPr lang="en-US" dirty="0"/>
-          </a:p>
-        </p:txBody>
-      </p:sp>
-      <p:sp>
-        <p:nvSpPr>
-          <p:cNvPr id="4" name="Slide Number Placeholder 3"/>
+            <a:endParaRPr lang="de-DE" dirty="0"/>
+          </a:p>
+        </p:txBody>
+      </p:sp>
+      <p:sp>
+        <p:nvSpPr>
+          <p:cNvPr id="4" name="Foliennummernplatzhalter 3"/>
           <p:cNvSpPr>
             <a:spLocks noGrp="1"/>
           </p:cNvSpPr>
@@ -540,7 +541,91 @@
           <a:p>
             <a:fld id="{003E99BF-A0E5-FA4D-AA09-FB1236F7E33F}" type="slidenum">
               <a:rPr lang="en-US" smtClean="0"/>
-              <a:t>3</a:t>
+              <a:t>2</a:t>
+            </a:fld>
+            <a:endParaRPr lang="en-US"/>
+          </a:p>
+        </p:txBody>
+      </p:sp>
+    </p:spTree>
+    <p:extLst>
+      <p:ext uri="{BB962C8B-B14F-4D97-AF65-F5344CB8AC3E}">
+        <p14:creationId xmlns:p14="http://schemas.microsoft.com/office/powerpoint/2010/main" val="1572072931"/>
+      </p:ext>
+    </p:extLst>
+  </p:cSld>
+  <p:clrMapOvr>
+    <a:masterClrMapping/>
+  </p:clrMapOvr>
+</p:notes>
+</file>
+
+<file path=ppt/notesSlides/notesSlide2.xml><?xml version="1.0" encoding="utf-8"?>
+<p:notes xmlns:a="http://schemas.openxmlformats.org/drawingml/2006/main" xmlns:r="http://schemas.openxmlformats.org/officeDocument/2006/relationships" xmlns:p="http://schemas.openxmlformats.org/presentationml/2006/main">
+  <p:cSld>
+    <p:spTree>
+      <p:nvGrpSpPr>
+        <p:cNvPr id="1" name=""/>
+        <p:cNvGrpSpPr/>
+        <p:nvPr/>
+      </p:nvGrpSpPr>
+      <p:grpSpPr>
+        <a:xfrm>
+          <a:off x="0" y="0"/>
+          <a:ext cx="0" cy="0"/>
+          <a:chOff x="0" y="0"/>
+          <a:chExt cx="0" cy="0"/>
+        </a:xfrm>
+      </p:grpSpPr>
+      <p:sp>
+        <p:nvSpPr>
+          <p:cNvPr id="2" name="Slide Image Placeholder 1"/>
+          <p:cNvSpPr>
+            <a:spLocks noGrp="1" noRot="1" noChangeAspect="1"/>
+          </p:cNvSpPr>
+          <p:nvPr>
+            <p:ph type="sldImg"/>
+          </p:nvPr>
+        </p:nvSpPr>
+        <p:spPr/>
+      </p:sp>
+      <p:sp>
+        <p:nvSpPr>
+          <p:cNvPr id="3" name="Notes Placeholder 2"/>
+          <p:cNvSpPr>
+            <a:spLocks noGrp="1"/>
+          </p:cNvSpPr>
+          <p:nvPr>
+            <p:ph type="body" idx="1"/>
+          </p:nvPr>
+        </p:nvSpPr>
+        <p:spPr/>
+        <p:txBody>
+          <a:bodyPr/>
+          <a:lstStyle/>
+          <a:p>
+            <a:endParaRPr lang="en-US" dirty="0"/>
+          </a:p>
+        </p:txBody>
+      </p:sp>
+      <p:sp>
+        <p:nvSpPr>
+          <p:cNvPr id="4" name="Slide Number Placeholder 3"/>
+          <p:cNvSpPr>
+            <a:spLocks noGrp="1"/>
+          </p:cNvSpPr>
+          <p:nvPr>
+            <p:ph type="sldNum" sz="quarter" idx="5"/>
+          </p:nvPr>
+        </p:nvSpPr>
+        <p:spPr/>
+        <p:txBody>
+          <a:bodyPr/>
+          <a:lstStyle/>
+          <a:p>
+            <a:fld id="{003E99BF-A0E5-FA4D-AA09-FB1236F7E33F}" type="slidenum">
+              <a:rPr lang="en-US" smtClean="0"/>
+              <a:t>4</a:t>
             </a:fld>
             <a:endParaRPr lang="en-US"/>
           </a:p>
@@ -760,7 +845,7 @@
           <a:p>
             <a:fld id="{21D39462-1686-F144-956E-428C19DBFAFB}" type="slidenum">
               <a:rPr lang="de-DE" smtClean="0"/>
-              <a:t>‹#›</a:t>
+              <a:t>‹Nr.›</a:t>
             </a:fld>
             <a:endParaRPr lang="de-DE"/>
           </a:p>
@@ -958,7 +1043,7 @@
           <a:p>
             <a:fld id="{21D39462-1686-F144-956E-428C19DBFAFB}" type="slidenum">
               <a:rPr lang="de-DE" smtClean="0"/>
-              <a:t>‹#›</a:t>
+              <a:t>‹Nr.›</a:t>
             </a:fld>
             <a:endParaRPr lang="de-DE"/>
           </a:p>
@@ -1166,7 +1251,7 @@
           <a:p>
             <a:fld id="{21D39462-1686-F144-956E-428C19DBFAFB}" type="slidenum">
               <a:rPr lang="de-DE" smtClean="0"/>
-              <a:t>‹#›</a:t>
+              <a:t>‹Nr.›</a:t>
             </a:fld>
             <a:endParaRPr lang="de-DE"/>
           </a:p>
@@ -1364,7 +1449,7 @@
           <a:p>
             <a:fld id="{21D39462-1686-F144-956E-428C19DBFAFB}" type="slidenum">
               <a:rPr lang="de-DE" smtClean="0"/>
-              <a:t>‹#›</a:t>
+              <a:t>‹Nr.›</a:t>
             </a:fld>
             <a:endParaRPr lang="de-DE"/>
           </a:p>
@@ -1639,7 +1724,7 @@
           <a:p>
             <a:fld id="{21D39462-1686-F144-956E-428C19DBFAFB}" type="slidenum">
               <a:rPr lang="de-DE" smtClean="0"/>
-              <a:t>‹#›</a:t>
+              <a:t>‹Nr.›</a:t>
             </a:fld>
             <a:endParaRPr lang="de-DE"/>
           </a:p>
@@ -1904,7 +1989,7 @@
           <a:p>
             <a:fld id="{21D39462-1686-F144-956E-428C19DBFAFB}" type="slidenum">
               <a:rPr lang="de-DE" smtClean="0"/>
-              <a:t>‹#›</a:t>
+              <a:t>‹Nr.›</a:t>
             </a:fld>
             <a:endParaRPr lang="de-DE"/>
           </a:p>
@@ -2316,7 +2401,7 @@
           <a:p>
             <a:fld id="{21D39462-1686-F144-956E-428C19DBFAFB}" type="slidenum">
               <a:rPr lang="de-DE" smtClean="0"/>
-              <a:t>‹#›</a:t>
+              <a:t>‹Nr.›</a:t>
             </a:fld>
             <a:endParaRPr lang="de-DE"/>
           </a:p>
@@ -2457,7 +2542,7 @@
           <a:p>
             <a:fld id="{21D39462-1686-F144-956E-428C19DBFAFB}" type="slidenum">
               <a:rPr lang="de-DE" smtClean="0"/>
-              <a:t>‹#›</a:t>
+              <a:t>‹Nr.›</a:t>
             </a:fld>
             <a:endParaRPr lang="de-DE"/>
           </a:p>
@@ -2570,7 +2655,7 @@
           <a:p>
             <a:fld id="{21D39462-1686-F144-956E-428C19DBFAFB}" type="slidenum">
               <a:rPr lang="de-DE" smtClean="0"/>
-              <a:t>‹#›</a:t>
+              <a:t>‹Nr.›</a:t>
             </a:fld>
             <a:endParaRPr lang="de-DE"/>
           </a:p>
@@ -2881,7 +2966,7 @@
           <a:p>
             <a:fld id="{21D39462-1686-F144-956E-428C19DBFAFB}" type="slidenum">
               <a:rPr lang="de-DE" smtClean="0"/>
-              <a:t>‹#›</a:t>
+              <a:t>‹Nr.›</a:t>
             </a:fld>
             <a:endParaRPr lang="de-DE"/>
           </a:p>
@@ -3169,7 +3254,7 @@
           <a:p>
             <a:fld id="{21D39462-1686-F144-956E-428C19DBFAFB}" type="slidenum">
               <a:rPr lang="de-DE" smtClean="0"/>
-              <a:t>‹#›</a:t>
+              <a:t>‹Nr.›</a:t>
             </a:fld>
             <a:endParaRPr lang="de-DE"/>
           </a:p>
@@ -3446,7 +3531,7 @@
           <a:p>
             <a:fld id="{21D39462-1686-F144-956E-428C19DBFAFB}" type="slidenum">
               <a:rPr lang="de-DE" smtClean="0"/>
-              <a:t>‹#›</a:t>
+              <a:t>‹Nr.›</a:t>
             </a:fld>
             <a:endParaRPr lang="de-DE"/>
           </a:p>
@@ -3858,6 +3943,86 @@
       </p:grpSpPr>
       <p:sp>
         <p:nvSpPr>
+          <p:cNvPr id="2" name="Title 1">
+            <a:extLst>
+              <a:ext uri="{FF2B5EF4-FFF2-40B4-BE49-F238E27FC236}">
+                <a16:creationId xmlns:a16="http://schemas.microsoft.com/office/drawing/2014/main" id="{F5CF0D18-71F6-FA46-B9E0-7756C2999A9F}"/>
+              </a:ext>
+            </a:extLst>
+          </p:cNvPr>
+          <p:cNvSpPr>
+            <a:spLocks noGrp="1"/>
+          </p:cNvSpPr>
+          <p:nvPr>
+            <p:ph type="title"/>
+          </p:nvPr>
+        </p:nvSpPr>
+        <p:spPr/>
+        <p:txBody>
+          <a:bodyPr/>
+          <a:lstStyle/>
+          <a:p>
+            <a:endParaRPr lang="en-US"/>
+          </a:p>
+        </p:txBody>
+      </p:sp>
+      <p:sp>
+        <p:nvSpPr>
+          <p:cNvPr id="3" name="Content Placeholder 2">
+            <a:extLst>
+              <a:ext uri="{FF2B5EF4-FFF2-40B4-BE49-F238E27FC236}">
+                <a16:creationId xmlns:a16="http://schemas.microsoft.com/office/drawing/2014/main" id="{8920F6B1-78EE-3743-83AF-F87719A2600A}"/>
+              </a:ext>
+            </a:extLst>
+          </p:cNvPr>
+          <p:cNvSpPr>
+            <a:spLocks noGrp="1"/>
+          </p:cNvSpPr>
+          <p:nvPr>
+            <p:ph idx="1"/>
+          </p:nvPr>
+        </p:nvSpPr>
+        <p:spPr/>
+        <p:txBody>
+          <a:bodyPr/>
+          <a:lstStyle/>
+          <a:p>
+            <a:endParaRPr lang="en-US"/>
+          </a:p>
+        </p:txBody>
+      </p:sp>
+    </p:spTree>
+    <p:extLst>
+      <p:ext uri="{BB962C8B-B14F-4D97-AF65-F5344CB8AC3E}">
+        <p14:creationId xmlns:p14="http://schemas.microsoft.com/office/powerpoint/2010/main" val="228267503"/>
+      </p:ext>
+    </p:extLst>
+  </p:cSld>
+  <p:clrMapOvr>
+    <a:masterClrMapping/>
+  </p:clrMapOvr>
+</p:sld>
+</file>
+
+<file path=ppt/slides/slide11.xml><?xml version="1.0" encoding="utf-8"?>
+<p:sld xmlns:a="http://schemas.openxmlformats.org/drawingml/2006/main" xmlns:r="http://schemas.openxmlformats.org/officeDocument/2006/relationships" xmlns:p="http://schemas.openxmlformats.org/presentationml/2006/main">
+  <p:cSld>
+    <p:spTree>
+      <p:nvGrpSpPr>
+        <p:cNvPr id="1" name=""/>
+        <p:cNvGrpSpPr/>
+        <p:nvPr/>
+      </p:nvGrpSpPr>
+      <p:grpSpPr>
+        <a:xfrm>
+          <a:off x="0" y="0"/>
+          <a:ext cx="0" cy="0"/>
+          <a:chOff x="0" y="0"/>
+          <a:chExt cx="0" cy="0"/>
+        </a:xfrm>
+      </p:grpSpPr>
+      <p:sp>
+        <p:nvSpPr>
           <p:cNvPr id="2" name="Titel 1">
             <a:extLst>
               <a:ext uri="{FF2B5EF4-FFF2-40B4-BE49-F238E27FC236}">
@@ -4703,515 +4868,6 @@
 </p:sld>
 </file>
 
-<file path=ppt/slides/slide11.xml><?xml version="1.0" encoding="utf-8"?>
-<p:sld xmlns:a="http://schemas.openxmlformats.org/drawingml/2006/main" xmlns:r="http://schemas.openxmlformats.org/officeDocument/2006/relationships" xmlns:p="http://schemas.openxmlformats.org/presentationml/2006/main">
-  <p:cSld>
-    <p:spTree>
-      <p:nvGrpSpPr>
-        <p:cNvPr id="1" name=""/>
-        <p:cNvGrpSpPr/>
-        <p:nvPr/>
-      </p:nvGrpSpPr>
-      <p:grpSpPr>
-        <a:xfrm>
-          <a:off x="0" y="0"/>
-          <a:ext cx="0" cy="0"/>
-          <a:chOff x="0" y="0"/>
-          <a:chExt cx="0" cy="0"/>
-        </a:xfrm>
-      </p:grpSpPr>
-      <p:sp>
-        <p:nvSpPr>
-          <p:cNvPr id="2" name="Title 1">
-            <a:extLst>
-              <a:ext uri="{FF2B5EF4-FFF2-40B4-BE49-F238E27FC236}">
-                <a16:creationId xmlns:a16="http://schemas.microsoft.com/office/drawing/2014/main" id="{5E5F8FD9-564A-7D46-8E9F-719B4252779C}"/>
-              </a:ext>
-            </a:extLst>
-          </p:cNvPr>
-          <p:cNvSpPr>
-            <a:spLocks noGrp="1"/>
-          </p:cNvSpPr>
-          <p:nvPr>
-            <p:ph type="title"/>
-          </p:nvPr>
-        </p:nvSpPr>
-        <p:spPr/>
-        <p:txBody>
-          <a:bodyPr/>
-          <a:lstStyle/>
-          <a:p>
-            <a:r>
-              <a:rPr lang="en-US" dirty="0"/>
-              <a:t>Tipps from Maja</a:t>
-            </a:r>
-          </a:p>
-        </p:txBody>
-      </p:sp>
-      <p:sp>
-        <p:nvSpPr>
-          <p:cNvPr id="3" name="Content Placeholder 2">
-            <a:extLst>
-              <a:ext uri="{FF2B5EF4-FFF2-40B4-BE49-F238E27FC236}">
-                <a16:creationId xmlns:a16="http://schemas.microsoft.com/office/drawing/2014/main" id="{F21D2186-7A33-7E42-8789-2FF4F85B6147}"/>
-              </a:ext>
-            </a:extLst>
-          </p:cNvPr>
-          <p:cNvSpPr>
-            <a:spLocks noGrp="1"/>
-          </p:cNvSpPr>
-          <p:nvPr>
-            <p:ph idx="1"/>
-          </p:nvPr>
-        </p:nvSpPr>
-        <p:spPr/>
-        <p:txBody>
-          <a:bodyPr>
-            <a:normAutofit fontScale="85000" lnSpcReduction="20000"/>
-          </a:bodyPr>
-          <a:lstStyle/>
-          <a:p>
-            <a:r>
-              <a:rPr lang="en-US" dirty="0"/>
-              <a:t>Pitch</a:t>
-            </a:r>
-          </a:p>
-          <a:p>
-            <a:pPr lvl="1"/>
-            <a:r>
-              <a:rPr lang="en-US" dirty="0" err="1"/>
-              <a:t>Welche</a:t>
-            </a:r>
-            <a:r>
-              <a:rPr lang="en-US" dirty="0"/>
-              <a:t> </a:t>
-            </a:r>
-            <a:r>
-              <a:rPr lang="en-US" dirty="0" err="1"/>
-              <a:t>Lernmethode</a:t>
-            </a:r>
-            <a:r>
-              <a:rPr lang="en-US" dirty="0"/>
-              <a:t> </a:t>
-            </a:r>
-            <a:r>
-              <a:rPr lang="en-US" dirty="0" err="1"/>
-              <a:t>brauchen</a:t>
-            </a:r>
-            <a:r>
-              <a:rPr lang="en-US" dirty="0"/>
-              <a:t> </a:t>
-            </a:r>
-            <a:r>
-              <a:rPr lang="en-US" dirty="0" err="1"/>
-              <a:t>wir</a:t>
-            </a:r>
-            <a:r>
-              <a:rPr lang="en-US" dirty="0"/>
-              <a:t>, </a:t>
-            </a:r>
-            <a:r>
-              <a:rPr lang="en-US" dirty="0" err="1"/>
-              <a:t>welche</a:t>
-            </a:r>
-            <a:r>
-              <a:rPr lang="en-US" dirty="0"/>
-              <a:t> Tools </a:t>
-            </a:r>
-            <a:r>
-              <a:rPr lang="en-US" dirty="0" err="1"/>
-              <a:t>brauchen</a:t>
-            </a:r>
-            <a:r>
-              <a:rPr lang="en-US" dirty="0"/>
-              <a:t> </a:t>
-            </a:r>
-            <a:r>
-              <a:rPr lang="en-US" dirty="0" err="1"/>
-              <a:t>wir</a:t>
-            </a:r>
-            <a:endParaRPr lang="en-US" dirty="0"/>
-          </a:p>
-          <a:p>
-            <a:pPr lvl="2"/>
-            <a:r>
-              <a:rPr lang="en-US" dirty="0"/>
-              <a:t>Brainstorming was muss man </a:t>
-            </a:r>
-            <a:r>
-              <a:rPr lang="en-US" dirty="0" err="1"/>
-              <a:t>alles</a:t>
-            </a:r>
-            <a:r>
-              <a:rPr lang="en-US" dirty="0"/>
-              <a:t> </a:t>
-            </a:r>
-            <a:r>
-              <a:rPr lang="en-US" dirty="0" err="1"/>
-              <a:t>beibringen</a:t>
-            </a:r>
-            <a:endParaRPr lang="en-US" dirty="0"/>
-          </a:p>
-          <a:p>
-            <a:pPr lvl="2"/>
-            <a:r>
-              <a:rPr lang="en-US" dirty="0" err="1"/>
-              <a:t>Welche</a:t>
-            </a:r>
-            <a:r>
-              <a:rPr lang="en-US" dirty="0"/>
-              <a:t> </a:t>
-            </a:r>
-            <a:r>
-              <a:rPr lang="en-US" dirty="0" err="1"/>
-              <a:t>Programmiersprache</a:t>
-            </a:r>
-            <a:r>
-              <a:rPr lang="en-US" dirty="0"/>
-              <a:t> </a:t>
-            </a:r>
-            <a:r>
-              <a:rPr lang="en-US" dirty="0" err="1"/>
-              <a:t>überhaupt</a:t>
-            </a:r>
-            <a:r>
-              <a:rPr lang="en-US" dirty="0"/>
-              <a:t> </a:t>
-            </a:r>
-          </a:p>
-          <a:p>
-            <a:pPr lvl="2"/>
-            <a:endParaRPr lang="en-US" dirty="0"/>
-          </a:p>
-          <a:p>
-            <a:pPr lvl="2"/>
-            <a:r>
-              <a:rPr lang="en-US" dirty="0"/>
-              <a:t>Tools / </a:t>
-            </a:r>
-            <a:r>
-              <a:rPr lang="en-US" dirty="0" err="1"/>
-              <a:t>Möglichkeiten</a:t>
-            </a:r>
-            <a:r>
-              <a:rPr lang="en-US" dirty="0"/>
-              <a:t> </a:t>
-            </a:r>
-            <a:r>
-              <a:rPr lang="en-US" dirty="0" err="1"/>
-              <a:t>im</a:t>
-            </a:r>
-            <a:r>
-              <a:rPr lang="en-US" dirty="0"/>
-              <a:t> Appendix</a:t>
-            </a:r>
-          </a:p>
-          <a:p>
-            <a:pPr lvl="2"/>
-            <a:endParaRPr lang="en-US" dirty="0"/>
-          </a:p>
-          <a:p>
-            <a:pPr lvl="2"/>
-            <a:r>
-              <a:rPr lang="en-US" dirty="0"/>
-              <a:t>Appendix </a:t>
-            </a:r>
-            <a:r>
-              <a:rPr lang="en-US" dirty="0">
-                <a:sym typeface="Wingdings" pitchFamily="2" charset="2"/>
-              </a:rPr>
-              <a:t> auf Trello / GitHub </a:t>
-            </a:r>
-            <a:r>
-              <a:rPr lang="en-US" dirty="0" err="1">
-                <a:sym typeface="Wingdings" pitchFamily="2" charset="2"/>
-              </a:rPr>
-              <a:t>verweisen</a:t>
-            </a:r>
-            <a:r>
-              <a:rPr lang="en-US" dirty="0">
-                <a:sym typeface="Wingdings" pitchFamily="2" charset="2"/>
-              </a:rPr>
-              <a:t>, falls </a:t>
-            </a:r>
-            <a:r>
-              <a:rPr lang="en-US" dirty="0" err="1">
-                <a:sym typeface="Wingdings" pitchFamily="2" charset="2"/>
-              </a:rPr>
-              <a:t>ihr</a:t>
-            </a:r>
-            <a:r>
-              <a:rPr lang="en-US" dirty="0">
-                <a:sym typeface="Wingdings" pitchFamily="2" charset="2"/>
-              </a:rPr>
-              <a:t> questionnaire </a:t>
-            </a:r>
-            <a:r>
-              <a:rPr lang="en-US" dirty="0" err="1">
-                <a:sym typeface="Wingdings" pitchFamily="2" charset="2"/>
-              </a:rPr>
-              <a:t>zeigen</a:t>
-            </a:r>
-            <a:r>
-              <a:rPr lang="en-US" dirty="0">
-                <a:sym typeface="Wingdings" pitchFamily="2" charset="2"/>
-              </a:rPr>
-              <a:t> </a:t>
-            </a:r>
-            <a:r>
-              <a:rPr lang="en-US" dirty="0" err="1">
-                <a:sym typeface="Wingdings" pitchFamily="2" charset="2"/>
-              </a:rPr>
-              <a:t>möchte</a:t>
-            </a:r>
-            <a:endParaRPr lang="en-US" dirty="0"/>
-          </a:p>
-          <a:p>
-            <a:pPr lvl="1"/>
-            <a:r>
-              <a:rPr lang="en-US" dirty="0"/>
-              <a:t>Sell it as Microservices</a:t>
-            </a:r>
-          </a:p>
-          <a:p>
-            <a:pPr lvl="1"/>
-            <a:endParaRPr lang="en-US" dirty="0"/>
-          </a:p>
-          <a:p>
-            <a:pPr lvl="1"/>
-            <a:r>
-              <a:rPr lang="en-US" dirty="0" err="1"/>
-              <a:t>Grafik</a:t>
-            </a:r>
-            <a:r>
-              <a:rPr lang="en-US" dirty="0"/>
-              <a:t> Module </a:t>
-            </a:r>
-            <a:r>
-              <a:rPr lang="en-US" dirty="0" err="1"/>
-              <a:t>auseinander</a:t>
-            </a:r>
-            <a:r>
-              <a:rPr lang="en-US" dirty="0"/>
-              <a:t> und </a:t>
-            </a:r>
-            <a:r>
-              <a:rPr lang="en-US" dirty="0" err="1"/>
-              <a:t>dann</a:t>
-            </a:r>
-            <a:r>
-              <a:rPr lang="en-US" dirty="0"/>
-              <a:t> </a:t>
-            </a:r>
-            <a:r>
-              <a:rPr lang="en-US" dirty="0" err="1"/>
-              <a:t>alle</a:t>
-            </a:r>
-            <a:r>
-              <a:rPr lang="en-US" dirty="0"/>
-              <a:t> </a:t>
-            </a:r>
-            <a:r>
-              <a:rPr lang="en-US" dirty="0" err="1"/>
-              <a:t>zusammen</a:t>
-            </a:r>
-            <a:endParaRPr lang="en-US" dirty="0"/>
-          </a:p>
-          <a:p>
-            <a:pPr lvl="1"/>
-            <a:endParaRPr lang="en-US" dirty="0"/>
-          </a:p>
-          <a:p>
-            <a:pPr lvl="1"/>
-            <a:r>
-              <a:rPr lang="en-US" dirty="0" err="1"/>
-              <a:t>Wir</a:t>
-            </a:r>
-            <a:r>
-              <a:rPr lang="en-US" dirty="0"/>
-              <a:t> </a:t>
-            </a:r>
-            <a:r>
-              <a:rPr lang="en-US" dirty="0" err="1"/>
-              <a:t>haben</a:t>
-            </a:r>
-            <a:r>
-              <a:rPr lang="en-US" dirty="0"/>
-              <a:t> </a:t>
-            </a:r>
-            <a:r>
-              <a:rPr lang="en-US" dirty="0" err="1"/>
-              <a:t>es</a:t>
-            </a:r>
-            <a:r>
-              <a:rPr lang="en-US" dirty="0"/>
-              <a:t> </a:t>
-            </a:r>
-            <a:r>
-              <a:rPr lang="en-US" dirty="0" err="1"/>
-              <a:t>einfach</a:t>
-            </a:r>
-            <a:r>
-              <a:rPr lang="en-US" dirty="0"/>
-              <a:t> </a:t>
-            </a:r>
-            <a:r>
-              <a:rPr lang="en-US" dirty="0" err="1"/>
-              <a:t>zum</a:t>
-            </a:r>
-            <a:r>
-              <a:rPr lang="en-US" dirty="0"/>
-              <a:t> </a:t>
-            </a:r>
-            <a:r>
-              <a:rPr lang="en-US" dirty="0" err="1"/>
-              <a:t>pitchen</a:t>
-            </a:r>
-            <a:r>
-              <a:rPr lang="en-US" dirty="0"/>
-              <a:t> (FHNW </a:t>
-            </a:r>
-            <a:r>
-              <a:rPr lang="en-US" dirty="0" err="1"/>
-              <a:t>als</a:t>
-            </a:r>
-            <a:r>
-              <a:rPr lang="en-US" dirty="0"/>
-              <a:t> </a:t>
-            </a:r>
-            <a:r>
-              <a:rPr lang="en-US" dirty="0" err="1"/>
-              <a:t>Marke</a:t>
-            </a:r>
-            <a:r>
-              <a:rPr lang="en-US" dirty="0"/>
-              <a:t>) – Praxis/</a:t>
-            </a:r>
-            <a:r>
-              <a:rPr lang="en-US" dirty="0" err="1"/>
-              <a:t>Theorie</a:t>
-            </a:r>
-            <a:r>
-              <a:rPr lang="en-US" dirty="0"/>
-              <a:t> </a:t>
-            </a:r>
-            <a:r>
-              <a:rPr lang="en-US" dirty="0" err="1"/>
-              <a:t>verkaufen</a:t>
-            </a:r>
-            <a:endParaRPr lang="en-US" dirty="0"/>
-          </a:p>
-          <a:p>
-            <a:pPr lvl="1"/>
-            <a:endParaRPr lang="en-US" dirty="0"/>
-          </a:p>
-          <a:p>
-            <a:pPr lvl="1"/>
-            <a:r>
-              <a:rPr lang="en-US" dirty="0" err="1"/>
-              <a:t>Wir</a:t>
-            </a:r>
-            <a:r>
-              <a:rPr lang="en-US" dirty="0"/>
-              <a:t> </a:t>
-            </a:r>
-            <a:r>
-              <a:rPr lang="en-US" dirty="0" err="1"/>
-              <a:t>brauchen</a:t>
-            </a:r>
-            <a:r>
-              <a:rPr lang="en-US" dirty="0"/>
-              <a:t> Geld </a:t>
-            </a:r>
-            <a:r>
-              <a:rPr lang="en-US" dirty="0" err="1"/>
-              <a:t>zum</a:t>
-            </a:r>
-            <a:r>
-              <a:rPr lang="en-US" dirty="0"/>
-              <a:t> </a:t>
-            </a:r>
-            <a:r>
-              <a:rPr lang="en-US" dirty="0" err="1"/>
-              <a:t>testen</a:t>
-            </a:r>
-            <a:r>
-              <a:rPr lang="en-US" dirty="0"/>
-              <a:t> (</a:t>
-            </a:r>
-            <a:r>
-              <a:rPr lang="en-US" dirty="0" err="1"/>
-              <a:t>Bedürfnisse</a:t>
-            </a:r>
-            <a:r>
-              <a:rPr lang="en-US" dirty="0"/>
-              <a:t> </a:t>
-            </a:r>
-            <a:r>
-              <a:rPr lang="en-US" dirty="0">
-                <a:sym typeface="Wingdings" pitchFamily="2" charset="2"/>
-              </a:rPr>
-              <a:t> </a:t>
-            </a:r>
-            <a:r>
-              <a:rPr lang="en-US" dirty="0" err="1">
-                <a:sym typeface="Wingdings" pitchFamily="2" charset="2"/>
-              </a:rPr>
-              <a:t>damit</a:t>
-            </a:r>
-            <a:r>
-              <a:rPr lang="en-US" dirty="0">
-                <a:sym typeface="Wingdings" pitchFamily="2" charset="2"/>
-              </a:rPr>
-              <a:t> </a:t>
-            </a:r>
-            <a:r>
-              <a:rPr lang="en-US" dirty="0" err="1">
-                <a:sym typeface="Wingdings" pitchFamily="2" charset="2"/>
-              </a:rPr>
-              <a:t>wir</a:t>
-            </a:r>
-            <a:r>
-              <a:rPr lang="en-US" dirty="0">
-                <a:sym typeface="Wingdings" pitchFamily="2" charset="2"/>
-              </a:rPr>
-              <a:t> </a:t>
-            </a:r>
-            <a:r>
-              <a:rPr lang="en-US" dirty="0" err="1">
-                <a:sym typeface="Wingdings" pitchFamily="2" charset="2"/>
-              </a:rPr>
-              <a:t>starten</a:t>
-            </a:r>
-            <a:r>
-              <a:rPr lang="en-US" dirty="0">
-                <a:sym typeface="Wingdings" pitchFamily="2" charset="2"/>
-              </a:rPr>
-              <a:t> </a:t>
-            </a:r>
-            <a:r>
-              <a:rPr lang="en-US" dirty="0" err="1">
-                <a:sym typeface="Wingdings" pitchFamily="2" charset="2"/>
-              </a:rPr>
-              <a:t>könn</a:t>
-            </a:r>
-            <a:endParaRPr lang="en-US" dirty="0"/>
-          </a:p>
-        </p:txBody>
-      </p:sp>
-    </p:spTree>
-    <p:extLst>
-      <p:ext uri="{BB962C8B-B14F-4D97-AF65-F5344CB8AC3E}">
-        <p14:creationId xmlns:p14="http://schemas.microsoft.com/office/powerpoint/2010/main" val="3314326659"/>
-      </p:ext>
-    </p:extLst>
-  </p:cSld>
-  <p:clrMapOvr>
-    <a:masterClrMapping/>
-  </p:clrMapOvr>
-</p:sld>
-</file>
-
 <file path=ppt/slides/slide12.xml><?xml version="1.0" encoding="utf-8"?>
 <p:sld xmlns:a="http://schemas.openxmlformats.org/drawingml/2006/main" xmlns:r="http://schemas.openxmlformats.org/officeDocument/2006/relationships" xmlns:p="http://schemas.openxmlformats.org/presentationml/2006/main">
   <p:cSld>
@@ -5231,6 +4887,520 @@
       </p:grpSpPr>
       <p:sp>
         <p:nvSpPr>
+          <p:cNvPr id="2" name="Title 1">
+            <a:extLst>
+              <a:ext uri="{FF2B5EF4-FFF2-40B4-BE49-F238E27FC236}">
+                <a16:creationId xmlns:a16="http://schemas.microsoft.com/office/drawing/2014/main" id="{5E5F8FD9-564A-7D46-8E9F-719B4252779C}"/>
+              </a:ext>
+            </a:extLst>
+          </p:cNvPr>
+          <p:cNvSpPr>
+            <a:spLocks noGrp="1"/>
+          </p:cNvSpPr>
+          <p:nvPr>
+            <p:ph type="title"/>
+          </p:nvPr>
+        </p:nvSpPr>
+        <p:spPr/>
+        <p:txBody>
+          <a:bodyPr/>
+          <a:lstStyle/>
+          <a:p>
+            <a:r>
+              <a:rPr lang="en-US" dirty="0"/>
+              <a:t>Tipps from Maja</a:t>
+            </a:r>
+          </a:p>
+        </p:txBody>
+      </p:sp>
+      <p:sp>
+        <p:nvSpPr>
+          <p:cNvPr id="3" name="Content Placeholder 2">
+            <a:extLst>
+              <a:ext uri="{FF2B5EF4-FFF2-40B4-BE49-F238E27FC236}">
+                <a16:creationId xmlns:a16="http://schemas.microsoft.com/office/drawing/2014/main" id="{F21D2186-7A33-7E42-8789-2FF4F85B6147}"/>
+              </a:ext>
+            </a:extLst>
+          </p:cNvPr>
+          <p:cNvSpPr>
+            <a:spLocks noGrp="1"/>
+          </p:cNvSpPr>
+          <p:nvPr>
+            <p:ph idx="1"/>
+          </p:nvPr>
+        </p:nvSpPr>
+        <p:spPr/>
+        <p:txBody>
+          <a:bodyPr>
+            <a:normAutofit fontScale="85000" lnSpcReduction="20000"/>
+          </a:bodyPr>
+          <a:lstStyle/>
+          <a:p>
+            <a:r>
+              <a:rPr lang="en-US" dirty="0"/>
+              <a:t>Pitch</a:t>
+            </a:r>
+          </a:p>
+          <a:p>
+            <a:pPr lvl="1"/>
+            <a:r>
+              <a:rPr lang="en-US" dirty="0" err="1"/>
+              <a:t>Welche</a:t>
+            </a:r>
+            <a:r>
+              <a:rPr lang="en-US" dirty="0"/>
+              <a:t> </a:t>
+            </a:r>
+            <a:r>
+              <a:rPr lang="en-US" dirty="0" err="1"/>
+              <a:t>Lernmethode</a:t>
+            </a:r>
+            <a:r>
+              <a:rPr lang="en-US" dirty="0"/>
+              <a:t> </a:t>
+            </a:r>
+            <a:r>
+              <a:rPr lang="en-US" dirty="0" err="1"/>
+              <a:t>brauchen</a:t>
+            </a:r>
+            <a:r>
+              <a:rPr lang="en-US" dirty="0"/>
+              <a:t> </a:t>
+            </a:r>
+            <a:r>
+              <a:rPr lang="en-US" dirty="0" err="1"/>
+              <a:t>wir</a:t>
+            </a:r>
+            <a:r>
+              <a:rPr lang="en-US" dirty="0"/>
+              <a:t>, </a:t>
+            </a:r>
+            <a:r>
+              <a:rPr lang="en-US" dirty="0" err="1"/>
+              <a:t>welche</a:t>
+            </a:r>
+            <a:r>
+              <a:rPr lang="en-US" dirty="0"/>
+              <a:t> Tools </a:t>
+            </a:r>
+            <a:r>
+              <a:rPr lang="en-US" dirty="0" err="1"/>
+              <a:t>brauchen</a:t>
+            </a:r>
+            <a:r>
+              <a:rPr lang="en-US" dirty="0"/>
+              <a:t> </a:t>
+            </a:r>
+            <a:r>
+              <a:rPr lang="en-US" dirty="0" err="1"/>
+              <a:t>wir</a:t>
+            </a:r>
+            <a:endParaRPr lang="en-US" dirty="0"/>
+          </a:p>
+          <a:p>
+            <a:pPr lvl="2"/>
+            <a:r>
+              <a:rPr lang="en-US" dirty="0"/>
+              <a:t>Brainstorming was muss man </a:t>
+            </a:r>
+            <a:r>
+              <a:rPr lang="en-US" dirty="0" err="1"/>
+              <a:t>alles</a:t>
+            </a:r>
+            <a:r>
+              <a:rPr lang="en-US" dirty="0"/>
+              <a:t> </a:t>
+            </a:r>
+            <a:r>
+              <a:rPr lang="en-US" dirty="0" err="1"/>
+              <a:t>beibringen</a:t>
+            </a:r>
+            <a:endParaRPr lang="en-US" dirty="0"/>
+          </a:p>
+          <a:p>
+            <a:pPr lvl="2"/>
+            <a:r>
+              <a:rPr lang="en-US" dirty="0" err="1"/>
+              <a:t>Welche</a:t>
+            </a:r>
+            <a:r>
+              <a:rPr lang="en-US" dirty="0"/>
+              <a:t> </a:t>
+            </a:r>
+            <a:r>
+              <a:rPr lang="en-US" dirty="0" err="1"/>
+              <a:t>Programmiersprache</a:t>
+            </a:r>
+            <a:r>
+              <a:rPr lang="en-US" dirty="0"/>
+              <a:t> </a:t>
+            </a:r>
+            <a:r>
+              <a:rPr lang="en-US" dirty="0" err="1"/>
+              <a:t>überhaupt</a:t>
+            </a:r>
+            <a:r>
+              <a:rPr lang="en-US" dirty="0"/>
+              <a:t>  -&gt; further research by </a:t>
+            </a:r>
+            <a:r>
+              <a:rPr lang="en-US" dirty="0" err="1"/>
+              <a:t>maja</a:t>
+            </a:r>
+            <a:endParaRPr lang="en-US" dirty="0"/>
+          </a:p>
+          <a:p>
+            <a:pPr lvl="2"/>
+            <a:endParaRPr lang="en-US" dirty="0"/>
+          </a:p>
+          <a:p>
+            <a:pPr lvl="2"/>
+            <a:r>
+              <a:rPr lang="en-US" dirty="0"/>
+              <a:t>Tools / </a:t>
+            </a:r>
+            <a:r>
+              <a:rPr lang="en-US" dirty="0" err="1"/>
+              <a:t>Möglichkeiten</a:t>
+            </a:r>
+            <a:r>
+              <a:rPr lang="en-US" dirty="0"/>
+              <a:t> </a:t>
+            </a:r>
+            <a:r>
+              <a:rPr lang="en-US" dirty="0" err="1"/>
+              <a:t>im</a:t>
+            </a:r>
+            <a:r>
+              <a:rPr lang="en-US" dirty="0"/>
+              <a:t> Appendix</a:t>
+            </a:r>
+          </a:p>
+          <a:p>
+            <a:pPr lvl="2"/>
+            <a:endParaRPr lang="en-US" dirty="0"/>
+          </a:p>
+          <a:p>
+            <a:pPr lvl="2"/>
+            <a:r>
+              <a:rPr lang="en-US" dirty="0"/>
+              <a:t>Appendix </a:t>
+            </a:r>
+            <a:r>
+              <a:rPr lang="en-US" dirty="0">
+                <a:sym typeface="Wingdings" pitchFamily="2" charset="2"/>
+              </a:rPr>
+              <a:t> auf Trello / GitHub </a:t>
+            </a:r>
+            <a:r>
+              <a:rPr lang="en-US" dirty="0" err="1">
+                <a:sym typeface="Wingdings" pitchFamily="2" charset="2"/>
+              </a:rPr>
+              <a:t>verweisen</a:t>
+            </a:r>
+            <a:r>
+              <a:rPr lang="en-US" dirty="0">
+                <a:sym typeface="Wingdings" pitchFamily="2" charset="2"/>
+              </a:rPr>
+              <a:t>, falls </a:t>
+            </a:r>
+            <a:r>
+              <a:rPr lang="en-US" dirty="0" err="1">
+                <a:sym typeface="Wingdings" pitchFamily="2" charset="2"/>
+              </a:rPr>
+              <a:t>ihr</a:t>
+            </a:r>
+            <a:r>
+              <a:rPr lang="en-US" dirty="0">
+                <a:sym typeface="Wingdings" pitchFamily="2" charset="2"/>
+              </a:rPr>
+              <a:t> questionnaire </a:t>
+            </a:r>
+            <a:r>
+              <a:rPr lang="en-US" dirty="0" err="1">
+                <a:sym typeface="Wingdings" pitchFamily="2" charset="2"/>
+              </a:rPr>
+              <a:t>zeigen</a:t>
+            </a:r>
+            <a:r>
+              <a:rPr lang="en-US" dirty="0">
+                <a:sym typeface="Wingdings" pitchFamily="2" charset="2"/>
+              </a:rPr>
+              <a:t> </a:t>
+            </a:r>
+            <a:r>
+              <a:rPr lang="en-US" dirty="0" err="1">
+                <a:sym typeface="Wingdings" pitchFamily="2" charset="2"/>
+              </a:rPr>
+              <a:t>möchte</a:t>
+            </a:r>
+            <a:endParaRPr lang="en-US" dirty="0"/>
+          </a:p>
+          <a:p>
+            <a:pPr lvl="1"/>
+            <a:r>
+              <a:rPr lang="en-US" dirty="0"/>
+              <a:t>Sell it as Microservices</a:t>
+            </a:r>
+          </a:p>
+          <a:p>
+            <a:pPr lvl="1"/>
+            <a:endParaRPr lang="en-US" dirty="0"/>
+          </a:p>
+          <a:p>
+            <a:pPr lvl="1"/>
+            <a:r>
+              <a:rPr lang="en-US" dirty="0" err="1"/>
+              <a:t>Grafik</a:t>
+            </a:r>
+            <a:r>
+              <a:rPr lang="en-US" dirty="0"/>
+              <a:t> Module </a:t>
+            </a:r>
+            <a:r>
+              <a:rPr lang="en-US" dirty="0" err="1"/>
+              <a:t>auseinander</a:t>
+            </a:r>
+            <a:r>
+              <a:rPr lang="en-US" dirty="0"/>
+              <a:t> und </a:t>
+            </a:r>
+            <a:r>
+              <a:rPr lang="en-US" dirty="0" err="1"/>
+              <a:t>dann</a:t>
+            </a:r>
+            <a:r>
+              <a:rPr lang="en-US" dirty="0"/>
+              <a:t> </a:t>
+            </a:r>
+            <a:r>
+              <a:rPr lang="en-US" dirty="0" err="1"/>
+              <a:t>alle</a:t>
+            </a:r>
+            <a:r>
+              <a:rPr lang="en-US" dirty="0"/>
+              <a:t> </a:t>
+            </a:r>
+            <a:r>
+              <a:rPr lang="en-US" dirty="0" err="1"/>
+              <a:t>zusammen</a:t>
+            </a:r>
+            <a:endParaRPr lang="en-US" dirty="0"/>
+          </a:p>
+          <a:p>
+            <a:pPr lvl="1"/>
+            <a:endParaRPr lang="en-US" dirty="0"/>
+          </a:p>
+          <a:p>
+            <a:pPr lvl="1"/>
+            <a:r>
+              <a:rPr lang="en-US" dirty="0" err="1"/>
+              <a:t>Wir</a:t>
+            </a:r>
+            <a:r>
+              <a:rPr lang="en-US" dirty="0"/>
+              <a:t> </a:t>
+            </a:r>
+            <a:r>
+              <a:rPr lang="en-US" dirty="0" err="1"/>
+              <a:t>haben</a:t>
+            </a:r>
+            <a:r>
+              <a:rPr lang="en-US" dirty="0"/>
+              <a:t> es </a:t>
+            </a:r>
+            <a:r>
+              <a:rPr lang="en-US" dirty="0" err="1"/>
+              <a:t>einfach</a:t>
+            </a:r>
+            <a:r>
+              <a:rPr lang="en-US" dirty="0"/>
+              <a:t> </a:t>
+            </a:r>
+            <a:r>
+              <a:rPr lang="en-US" dirty="0" err="1"/>
+              <a:t>zum</a:t>
+            </a:r>
+            <a:r>
+              <a:rPr lang="en-US" dirty="0"/>
+              <a:t> </a:t>
+            </a:r>
+            <a:r>
+              <a:rPr lang="en-US" dirty="0" err="1"/>
+              <a:t>pitchen</a:t>
+            </a:r>
+            <a:r>
+              <a:rPr lang="en-US" dirty="0"/>
+              <a:t> (FHNW </a:t>
+            </a:r>
+            <a:r>
+              <a:rPr lang="en-US" dirty="0" err="1"/>
+              <a:t>als</a:t>
+            </a:r>
+            <a:r>
+              <a:rPr lang="en-US" dirty="0"/>
+              <a:t> </a:t>
+            </a:r>
+            <a:r>
+              <a:rPr lang="en-US" dirty="0" err="1"/>
+              <a:t>Marke</a:t>
+            </a:r>
+            <a:r>
+              <a:rPr lang="en-US" dirty="0"/>
+              <a:t>) – Praxis/</a:t>
+            </a:r>
+            <a:r>
+              <a:rPr lang="en-US" dirty="0" err="1"/>
+              <a:t>Theorie</a:t>
+            </a:r>
+            <a:r>
+              <a:rPr lang="en-US" dirty="0"/>
+              <a:t> </a:t>
+            </a:r>
+            <a:r>
+              <a:rPr lang="en-US" dirty="0" err="1"/>
+              <a:t>verkaufen</a:t>
+            </a:r>
+            <a:r>
+              <a:rPr lang="en-US" dirty="0"/>
+              <a:t> -&gt; </a:t>
+            </a:r>
+            <a:r>
+              <a:rPr lang="en-US" dirty="0" err="1"/>
+              <a:t>ToBE</a:t>
+            </a:r>
+            <a:endParaRPr lang="en-US" dirty="0"/>
+          </a:p>
+          <a:p>
+            <a:pPr lvl="1"/>
+            <a:endParaRPr lang="en-US" dirty="0"/>
+          </a:p>
+          <a:p>
+            <a:pPr lvl="1"/>
+            <a:r>
+              <a:rPr lang="en-US" dirty="0" err="1"/>
+              <a:t>Wir</a:t>
+            </a:r>
+            <a:r>
+              <a:rPr lang="en-US" dirty="0"/>
+              <a:t> </a:t>
+            </a:r>
+            <a:r>
+              <a:rPr lang="en-US" dirty="0" err="1"/>
+              <a:t>brauchen</a:t>
+            </a:r>
+            <a:r>
+              <a:rPr lang="en-US" dirty="0"/>
+              <a:t> Geld </a:t>
+            </a:r>
+            <a:r>
+              <a:rPr lang="en-US" dirty="0" err="1"/>
+              <a:t>zum</a:t>
+            </a:r>
+            <a:r>
+              <a:rPr lang="en-US" dirty="0"/>
+              <a:t> </a:t>
+            </a:r>
+            <a:r>
+              <a:rPr lang="en-US" dirty="0" err="1"/>
+              <a:t>testen</a:t>
+            </a:r>
+            <a:r>
+              <a:rPr lang="en-US" dirty="0"/>
+              <a:t> (</a:t>
+            </a:r>
+            <a:r>
+              <a:rPr lang="en-US" dirty="0" err="1"/>
+              <a:t>Bedürfnisse</a:t>
+            </a:r>
+            <a:r>
+              <a:rPr lang="en-US" dirty="0"/>
+              <a:t> </a:t>
+            </a:r>
+            <a:r>
+              <a:rPr lang="en-US" dirty="0">
+                <a:sym typeface="Wingdings" pitchFamily="2" charset="2"/>
+              </a:rPr>
+              <a:t> </a:t>
+            </a:r>
+            <a:r>
+              <a:rPr lang="en-US" dirty="0" err="1">
+                <a:sym typeface="Wingdings" pitchFamily="2" charset="2"/>
+              </a:rPr>
+              <a:t>damit</a:t>
+            </a:r>
+            <a:r>
+              <a:rPr lang="en-US" dirty="0">
+                <a:sym typeface="Wingdings" pitchFamily="2" charset="2"/>
+              </a:rPr>
+              <a:t> </a:t>
+            </a:r>
+            <a:r>
+              <a:rPr lang="en-US" dirty="0" err="1">
+                <a:sym typeface="Wingdings" pitchFamily="2" charset="2"/>
+              </a:rPr>
+              <a:t>wir</a:t>
+            </a:r>
+            <a:r>
+              <a:rPr lang="en-US" dirty="0">
+                <a:sym typeface="Wingdings" pitchFamily="2" charset="2"/>
+              </a:rPr>
+              <a:t> </a:t>
+            </a:r>
+            <a:r>
+              <a:rPr lang="en-US" dirty="0" err="1">
+                <a:sym typeface="Wingdings" pitchFamily="2" charset="2"/>
+              </a:rPr>
+              <a:t>starten</a:t>
+            </a:r>
+            <a:r>
+              <a:rPr lang="en-US" dirty="0">
+                <a:sym typeface="Wingdings" pitchFamily="2" charset="2"/>
+              </a:rPr>
+              <a:t> </a:t>
+            </a:r>
+            <a:r>
+              <a:rPr lang="en-US" dirty="0" err="1">
+                <a:sym typeface="Wingdings" pitchFamily="2" charset="2"/>
+              </a:rPr>
+              <a:t>könn</a:t>
+            </a:r>
+            <a:endParaRPr lang="en-US" dirty="0"/>
+          </a:p>
+        </p:txBody>
+      </p:sp>
+    </p:spTree>
+    <p:extLst>
+      <p:ext uri="{BB962C8B-B14F-4D97-AF65-F5344CB8AC3E}">
+        <p14:creationId xmlns:p14="http://schemas.microsoft.com/office/powerpoint/2010/main" val="3314326659"/>
+      </p:ext>
+    </p:extLst>
+  </p:cSld>
+  <p:clrMapOvr>
+    <a:masterClrMapping/>
+  </p:clrMapOvr>
+</p:sld>
+</file>
+
+<file path=ppt/slides/slide13.xml><?xml version="1.0" encoding="utf-8"?>
+<p:sld xmlns:a="http://schemas.openxmlformats.org/drawingml/2006/main" xmlns:r="http://schemas.openxmlformats.org/officeDocument/2006/relationships" xmlns:p="http://schemas.openxmlformats.org/presentationml/2006/main">
+  <p:cSld>
+    <p:spTree>
+      <p:nvGrpSpPr>
+        <p:cNvPr id="1" name=""/>
+        <p:cNvGrpSpPr/>
+        <p:nvPr/>
+      </p:nvGrpSpPr>
+      <p:grpSpPr>
+        <a:xfrm>
+          <a:off x="0" y="0"/>
+          <a:ext cx="0" cy="0"/>
+          <a:chOff x="0" y="0"/>
+          <a:chExt cx="0" cy="0"/>
+        </a:xfrm>
+      </p:grpSpPr>
+      <p:sp>
+        <p:nvSpPr>
           <p:cNvPr id="2" name="Titel 1">
             <a:extLst>
               <a:ext uri="{FF2B5EF4-FFF2-40B4-BE49-F238E27FC236}">
@@ -5342,7 +5512,15 @@
           <a:p>
             <a:r>
               <a:rPr lang="de-DE" dirty="0"/>
-              <a:t>IFTT</a:t>
+              <a:t>IFTT (</a:t>
+            </a:r>
+            <a:r>
+              <a:rPr lang="de-DE" dirty="0" err="1"/>
+              <a:t>IfThisThenThat</a:t>
+            </a:r>
+            <a:r>
+              <a:rPr lang="de-DE" dirty="0"/>
+              <a:t>)</a:t>
             </a:r>
           </a:p>
           <a:p>
@@ -5482,14 +5660,14 @@
           <p:nvPr/>
         </p:nvPicPr>
         <p:blipFill>
-          <a:blip r:embed="rId2"/>
+          <a:blip r:embed="rId3"/>
           <a:stretch>
             <a:fillRect/>
           </a:stretch>
         </p:blipFill>
         <p:spPr>
           <a:xfrm>
-            <a:off x="2198024" y="1548406"/>
+            <a:off x="1038925" y="1271187"/>
             <a:ext cx="7487397" cy="4905776"/>
           </a:xfrm>
           <a:prstGeom prst="rect">
@@ -5529,6 +5707,117 @@
       </p:grpSpPr>
       <p:sp>
         <p:nvSpPr>
+          <p:cNvPr id="2" name="Titel 1">
+            <a:extLst>
+              <a:ext uri="{FF2B5EF4-FFF2-40B4-BE49-F238E27FC236}">
+                <a16:creationId xmlns:a16="http://schemas.microsoft.com/office/drawing/2014/main" id="{356965B3-6AAE-1A4A-82E4-AE1A18DCF301}"/>
+              </a:ext>
+            </a:extLst>
+          </p:cNvPr>
+          <p:cNvSpPr>
+            <a:spLocks noGrp="1"/>
+          </p:cNvSpPr>
+          <p:nvPr>
+            <p:ph type="title"/>
+          </p:nvPr>
+        </p:nvSpPr>
+        <p:spPr/>
+        <p:txBody>
+          <a:bodyPr>
+            <a:normAutofit/>
+          </a:bodyPr>
+          <a:lstStyle/>
+          <a:p>
+            <a:r>
+              <a:rPr lang="de-DE" dirty="0"/>
+              <a:t>Bild mit </a:t>
+            </a:r>
+            <a:r>
+              <a:rPr lang="de-DE" dirty="0" err="1"/>
+              <a:t>silos</a:t>
+            </a:r>
+            <a:endParaRPr lang="de-DE" dirty="0"/>
+          </a:p>
+        </p:txBody>
+      </p:sp>
+      <p:sp>
+        <p:nvSpPr>
+          <p:cNvPr id="3" name="Inhaltsplatzhalter 2">
+            <a:extLst>
+              <a:ext uri="{FF2B5EF4-FFF2-40B4-BE49-F238E27FC236}">
+                <a16:creationId xmlns:a16="http://schemas.microsoft.com/office/drawing/2014/main" id="{47B8961F-3FDE-664E-BFF2-62AF7F2D8759}"/>
+              </a:ext>
+            </a:extLst>
+          </p:cNvPr>
+          <p:cNvSpPr>
+            <a:spLocks noGrp="1"/>
+          </p:cNvSpPr>
+          <p:nvPr>
+            <p:ph idx="1"/>
+          </p:nvPr>
+        </p:nvSpPr>
+        <p:spPr/>
+        <p:txBody>
+          <a:bodyPr/>
+          <a:lstStyle/>
+          <a:p>
+            <a:r>
+              <a:rPr lang="de-DE" dirty="0"/>
+              <a:t>Business= BPMN</a:t>
+            </a:r>
+          </a:p>
+          <a:p>
+            <a:r>
+              <a:rPr lang="de-DE" dirty="0"/>
+              <a:t>SW ENGIN-&gt; UML / Entity</a:t>
+            </a:r>
+          </a:p>
+          <a:p>
+            <a:r>
+              <a:rPr lang="de-DE" dirty="0"/>
+              <a:t>IT-&gt; Code (SQL -&gt; Java)</a:t>
+            </a:r>
+          </a:p>
+          <a:p>
+            <a:endParaRPr lang="de-DE" dirty="0"/>
+          </a:p>
+          <a:p>
+            <a:endParaRPr lang="de-DE" dirty="0"/>
+          </a:p>
+        </p:txBody>
+      </p:sp>
+    </p:spTree>
+    <p:extLst>
+      <p:ext uri="{BB962C8B-B14F-4D97-AF65-F5344CB8AC3E}">
+        <p14:creationId xmlns:p14="http://schemas.microsoft.com/office/powerpoint/2010/main" val="3419615922"/>
+      </p:ext>
+    </p:extLst>
+  </p:cSld>
+  <p:clrMapOvr>
+    <a:masterClrMapping/>
+  </p:clrMapOvr>
+</p:sld>
+</file>
+
+<file path=ppt/slides/slide4.xml><?xml version="1.0" encoding="utf-8"?>
+<p:sld xmlns:a="http://schemas.openxmlformats.org/drawingml/2006/main" xmlns:r="http://schemas.openxmlformats.org/officeDocument/2006/relationships" xmlns:p="http://schemas.openxmlformats.org/presentationml/2006/main">
+  <p:cSld>
+    <p:spTree>
+      <p:nvGrpSpPr>
+        <p:cNvPr id="1" name=""/>
+        <p:cNvGrpSpPr/>
+        <p:nvPr/>
+      </p:nvGrpSpPr>
+      <p:grpSpPr>
+        <a:xfrm>
+          <a:off x="0" y="0"/>
+          <a:ext cx="0" cy="0"/>
+          <a:chOff x="0" y="0"/>
+          <a:chExt cx="0" cy="0"/>
+        </a:xfrm>
+      </p:grpSpPr>
+      <p:sp>
+        <p:nvSpPr>
           <p:cNvPr id="4" name="Rechteck 4">
             <a:extLst>
               <a:ext uri="{FF2B5EF4-FFF2-40B4-BE49-F238E27FC236}">
@@ -5708,8 +5997,8 @@
         </p:nvSpPr>
         <p:spPr>
           <a:xfrm>
-            <a:off x="237067" y="1213565"/>
-            <a:ext cx="3612868" cy="6372568"/>
+            <a:off x="-385525" y="1213565"/>
+            <a:ext cx="4681043" cy="5984469"/>
           </a:xfrm>
           <a:prstGeom prst="rect">
             <a:avLst/>
@@ -5773,30 +6062,6 @@
               <a:buChar char="-"/>
             </a:pPr>
             <a:r>
-              <a:rPr lang="de-DE" dirty="0" err="1"/>
-              <a:t>Requirements</a:t>
-            </a:r>
-            <a:r>
-              <a:rPr lang="de-DE" dirty="0"/>
-              <a:t> Engineering (5)</a:t>
-            </a:r>
-          </a:p>
-          <a:p>
-            <a:pPr marL="285750" indent="-285750" algn="ctr">
-              <a:buFontTx/>
-              <a:buChar char="-"/>
-            </a:pPr>
-            <a:r>
-              <a:rPr lang="de-DE" dirty="0"/>
-              <a:t>Einführung in die Wirtschaftsinformatik (5)</a:t>
-            </a:r>
-          </a:p>
-          <a:p>
-            <a:pPr marL="285750" indent="-285750" algn="ctr">
-              <a:buFontTx/>
-              <a:buChar char="-"/>
-            </a:pPr>
-            <a:r>
               <a:rPr lang="de-DE" dirty="0">
                 <a:solidFill>
                   <a:srgbClr val="FF0000"/>
@@ -5812,20 +6077,6 @@
                 </a:schemeClr>
               </a:solidFill>
             </a:endParaRPr>
-          </a:p>
-          <a:p>
-            <a:pPr marL="285750" indent="-285750" algn="ctr">
-              <a:buFontTx/>
-              <a:buChar char="-"/>
-            </a:pPr>
-            <a:r>
-              <a:rPr lang="de-DE" dirty="0">
-                <a:solidFill>
-                  <a:srgbClr val="FF0000"/>
-                </a:solidFill>
-              </a:rPr>
-              <a:t>Accounting (5)</a:t>
-            </a:r>
           </a:p>
           <a:p>
             <a:pPr marL="285750" indent="-285750" algn="ctr">
@@ -5925,48 +6176,6 @@
                   <a:srgbClr val="FFFF00"/>
                 </a:solidFill>
               </a:rPr>
-              <a:t>Statistik und Wahrscheinlichkeit (5)</a:t>
-            </a:r>
-          </a:p>
-          <a:p>
-            <a:pPr marL="285750" indent="-285750" algn="ctr">
-              <a:buFontTx/>
-              <a:buChar char="-"/>
-            </a:pPr>
-            <a:r>
-              <a:rPr lang="de-DE" dirty="0">
-                <a:solidFill>
-                  <a:srgbClr val="FFFF00"/>
-                </a:solidFill>
-              </a:rPr>
-              <a:t>Ethik und Recht (5)</a:t>
-            </a:r>
-          </a:p>
-          <a:p>
-            <a:pPr marL="285750" indent="-285750" algn="ctr">
-              <a:buFontTx/>
-              <a:buChar char="-"/>
-            </a:pPr>
-            <a:r>
-              <a:rPr lang="de-DE" dirty="0">
-                <a:solidFill>
-                  <a:srgbClr val="FFFF00"/>
-                </a:solidFill>
-              </a:rPr>
-              <a:t>Volkswirtschaftslehre (5)</a:t>
-            </a:r>
-          </a:p>
-          <a:p>
-            <a:pPr marL="285750" indent="-285750" algn="ctr">
-              <a:buFontTx/>
-              <a:buChar char="-"/>
-            </a:pPr>
-            <a:r>
-              <a:rPr lang="de-DE" dirty="0">
-                <a:solidFill>
-                  <a:srgbClr val="FFFF00"/>
-                </a:solidFill>
-              </a:rPr>
               <a:t>Logistik und Supply Chain Management (5)</a:t>
             </a:r>
           </a:p>
@@ -6008,10 +6217,10 @@
             <a:r>
               <a:rPr lang="de-DE" dirty="0">
                 <a:solidFill>
-                  <a:srgbClr val="00B0F0"/>
+                  <a:srgbClr val="00B050"/>
                 </a:solidFill>
               </a:rPr>
-              <a:t>Enterprise Content Management (5)</a:t>
+              <a:t>Unternehmungsstrategie (5)</a:t>
             </a:r>
           </a:p>
           <a:p>
@@ -6019,42 +6228,11 @@
               <a:buFontTx/>
               <a:buChar char="-"/>
             </a:pPr>
-            <a:r>
-              <a:rPr lang="de-DE" dirty="0">
-                <a:solidFill>
-                  <a:srgbClr val="00B050"/>
-                </a:solidFill>
-              </a:rPr>
-              <a:t>Unternehmungsstrategie (5)</a:t>
-            </a:r>
-          </a:p>
-          <a:p>
-            <a:pPr marL="285750" indent="-285750" algn="ctr">
-              <a:buFontTx/>
-              <a:buChar char="-"/>
-            </a:pPr>
-            <a:r>
-              <a:rPr lang="de-DE" dirty="0">
-                <a:solidFill>
-                  <a:srgbClr val="00B050"/>
-                </a:solidFill>
-              </a:rPr>
-              <a:t>Digital Enterprise (5)</a:t>
-            </a:r>
-          </a:p>
-          <a:p>
-            <a:pPr marL="285750" indent="-285750" algn="ctr">
-              <a:buFontTx/>
-              <a:buChar char="-"/>
-            </a:pPr>
-            <a:r>
-              <a:rPr lang="de-DE" dirty="0">
-                <a:solidFill>
-                  <a:srgbClr val="00B050"/>
-                </a:solidFill>
-              </a:rPr>
-              <a:t>- IT-Management (5)</a:t>
-            </a:r>
+            <a:endParaRPr lang="de-DE" b="1" dirty="0">
+              <a:solidFill>
+                <a:srgbClr val="FF0000"/>
+              </a:solidFill>
+            </a:endParaRPr>
           </a:p>
           <a:p>
             <a:pPr marL="285750" indent="-285750" algn="ctr">
@@ -6074,6 +6252,17 @@
             </a:pPr>
             <a:endParaRPr lang="de-DE" dirty="0">
               <a:solidFill>
+                <a:srgbClr val="00B050"/>
+              </a:solidFill>
+            </a:endParaRPr>
+          </a:p>
+          <a:p>
+            <a:pPr marL="285750" indent="-285750" algn="ctr">
+              <a:buFontTx/>
+              <a:buChar char="-"/>
+            </a:pPr>
+            <a:endParaRPr lang="de-DE" dirty="0">
+              <a:solidFill>
                 <a:srgbClr val="00B0F0"/>
               </a:solidFill>
             </a:endParaRPr>
@@ -6105,8 +6294,8 @@
         </p:nvSpPr>
         <p:spPr>
           <a:xfrm>
-            <a:off x="4133279" y="1167694"/>
-            <a:ext cx="2768580" cy="2398539"/>
+            <a:off x="3992519" y="1213565"/>
+            <a:ext cx="3295077" cy="2215435"/>
           </a:xfrm>
           <a:prstGeom prst="rect">
             <a:avLst/>
@@ -6143,6 +6332,20 @@
               <a:buChar char="-"/>
             </a:pPr>
             <a:r>
+              <a:rPr lang="de-DE" dirty="0" err="1"/>
+              <a:t>Requirements</a:t>
+            </a:r>
+            <a:r>
+              <a:rPr lang="de-DE" dirty="0"/>
+              <a:t> Engineering (5)</a:t>
+            </a:r>
+          </a:p>
+          <a:p>
+            <a:pPr marL="285750" indent="-285750" algn="ctr">
+              <a:buFontTx/>
+              <a:buChar char="-"/>
+            </a:pPr>
+            <a:r>
               <a:rPr lang="de-DE" dirty="0"/>
               <a:t>Software Engineering (5)</a:t>
             </a:r>
@@ -6171,7 +6374,7 @@
         <p:spPr>
           <a:xfrm>
             <a:off x="7287598" y="1213565"/>
-            <a:ext cx="2909339" cy="2306796"/>
+            <a:ext cx="2909339" cy="2215435"/>
           </a:xfrm>
           <a:prstGeom prst="rect">
             <a:avLst/>
@@ -6239,6 +6442,23 @@
               <a:buFontTx/>
               <a:buChar char="-"/>
             </a:pPr>
+            <a:r>
+              <a:rPr lang="de-DE" dirty="0">
+                <a:solidFill>
+                  <a:schemeClr val="tx1">
+                    <a:lumMod val="95000"/>
+                    <a:lumOff val="5000"/>
+                  </a:schemeClr>
+                </a:solidFill>
+              </a:rPr>
+              <a:t>Internettechnologien (5)</a:t>
+            </a:r>
+          </a:p>
+          <a:p>
+            <a:pPr marL="285750" indent="-285750" algn="ctr">
+              <a:buFontTx/>
+              <a:buChar char="-"/>
+            </a:pPr>
             <a:endParaRPr lang="de-DE" dirty="0"/>
           </a:p>
           <a:p>
@@ -6261,12 +6481,17 @@
         </p:nvSpPr>
         <p:spPr>
           <a:xfrm>
-            <a:off x="1286756" y="7926277"/>
-            <a:ext cx="9060445" cy="1827363"/>
+            <a:off x="3867542" y="3436228"/>
+            <a:ext cx="4363794" cy="3761806"/>
           </a:xfrm>
           <a:prstGeom prst="rect">
             <a:avLst/>
           </a:prstGeom>
+          <a:solidFill>
+            <a:schemeClr val="bg1">
+              <a:lumMod val="75000"/>
+            </a:schemeClr>
+          </a:solidFill>
         </p:spPr>
         <p:style>
           <a:lnRef idx="2">
@@ -6299,18 +6524,7 @@
             </a:r>
             <a:r>
               <a:rPr lang="de-DE" dirty="0"/>
-              <a:t>:</a:t>
-            </a:r>
-          </a:p>
-          <a:p>
-            <a:pPr algn="ctr"/>
-            <a:r>
-              <a:rPr lang="de-DE" b="1" dirty="0">
-                <a:solidFill>
-                  <a:srgbClr val="FF0000"/>
-                </a:solidFill>
-              </a:rPr>
-              <a:t>Projekt Management (5)</a:t>
+              <a:t>/WI:</a:t>
             </a:r>
           </a:p>
           <a:p>
@@ -6324,11 +6538,79 @@
                   </a:schemeClr>
                 </a:solidFill>
               </a:rPr>
-              <a:t>Internettechnologien (5)</a:t>
+              <a:t>Betriebliche Informationssysteme (5)</a:t>
             </a:r>
           </a:p>
           <a:p>
             <a:pPr algn="ctr"/>
+            <a:r>
+              <a:rPr lang="de-DE" dirty="0"/>
+              <a:t>Einführung in die Wirtschaftsinformatik (5)</a:t>
+            </a:r>
+          </a:p>
+          <a:p>
+            <a:pPr algn="ctr"/>
+            <a:r>
+              <a:rPr lang="de-DE" dirty="0">
+                <a:solidFill>
+                  <a:srgbClr val="00B0F0"/>
+                </a:solidFill>
+              </a:rPr>
+              <a:t>Enterprise Content Management (5)</a:t>
+            </a:r>
+            <a:endParaRPr lang="de-DE" dirty="0">
+              <a:solidFill>
+                <a:srgbClr val="00B050"/>
+              </a:solidFill>
+            </a:endParaRPr>
+          </a:p>
+          <a:p>
+            <a:pPr marL="285750" indent="-285750" algn="ctr">
+              <a:buFontTx/>
+              <a:buChar char="-"/>
+            </a:pPr>
+            <a:r>
+              <a:rPr lang="de-DE" dirty="0">
+                <a:solidFill>
+                  <a:srgbClr val="00B050"/>
+                </a:solidFill>
+              </a:rPr>
+              <a:t>Digital Enterprise (5)</a:t>
+            </a:r>
+          </a:p>
+          <a:p>
+            <a:pPr marL="285750" indent="-285750" algn="ctr">
+              <a:buFontTx/>
+              <a:buChar char="-"/>
+            </a:pPr>
+            <a:r>
+              <a:rPr lang="de-DE" dirty="0">
+                <a:solidFill>
+                  <a:srgbClr val="00B050"/>
+                </a:solidFill>
+              </a:rPr>
+              <a:t>IT-Management (5)</a:t>
+            </a:r>
+          </a:p>
+          <a:p>
+            <a:pPr marL="285750" indent="-285750" algn="ctr">
+              <a:buFontTx/>
+              <a:buChar char="-"/>
+            </a:pPr>
+            <a:r>
+              <a:rPr lang="de-DE" b="1" dirty="0">
+                <a:solidFill>
+                  <a:srgbClr val="FF0000"/>
+                </a:solidFill>
+              </a:rPr>
+              <a:t>Projekt Management (5)</a:t>
+            </a:r>
+          </a:p>
+          <a:p>
+            <a:pPr marL="285750" indent="-285750" algn="ctr">
+              <a:buFontTx/>
+              <a:buChar char="-"/>
+            </a:pPr>
             <a:r>
               <a:rPr lang="de-DE" dirty="0">
                 <a:solidFill>
@@ -6342,17 +6624,74 @@
             </a:r>
           </a:p>
           <a:p>
+            <a:pPr marL="285750" indent="-285750" algn="ctr">
+              <a:buFontTx/>
+              <a:buChar char="-"/>
+            </a:pPr>
+            <a:endParaRPr lang="de-DE" dirty="0">
+              <a:solidFill>
+                <a:srgbClr val="00B050"/>
+              </a:solidFill>
+            </a:endParaRPr>
+          </a:p>
+          <a:p>
             <a:pPr algn="ctr"/>
-            <a:r>
-              <a:rPr lang="de-DE" dirty="0">
-                <a:solidFill>
-                  <a:schemeClr val="tx1">
-                    <a:lumMod val="95000"/>
-                    <a:lumOff val="5000"/>
-                  </a:schemeClr>
-                </a:solidFill>
-              </a:rPr>
-              <a:t>Betriebliche Informationssysteme (5)</a:t>
+            <a:endParaRPr lang="de-DE" dirty="0">
+              <a:solidFill>
+                <a:srgbClr val="FFFF00"/>
+              </a:solidFill>
+            </a:endParaRPr>
+          </a:p>
+        </p:txBody>
+      </p:sp>
+      <p:sp>
+        <p:nvSpPr>
+          <p:cNvPr id="11" name="Rechteck 3">
+            <a:extLst>
+              <a:ext uri="{FF2B5EF4-FFF2-40B4-BE49-F238E27FC236}">
+                <a16:creationId xmlns:a16="http://schemas.microsoft.com/office/drawing/2014/main" id="{ABD092B5-B8A5-A048-9839-DC6E50973E09}"/>
+              </a:ext>
+            </a:extLst>
+          </p:cNvPr>
+          <p:cNvSpPr/>
+          <p:nvPr/>
+        </p:nvSpPr>
+        <p:spPr>
+          <a:xfrm>
+            <a:off x="7810181" y="3265242"/>
+            <a:ext cx="3725437" cy="2660188"/>
+          </a:xfrm>
+          <a:prstGeom prst="rect">
+            <a:avLst/>
+          </a:prstGeom>
+          <a:solidFill>
+            <a:srgbClr val="FF0000"/>
+          </a:solidFill>
+        </p:spPr>
+        <p:style>
+          <a:lnRef idx="2">
+            <a:schemeClr val="accent1">
+              <a:shade val="50000"/>
+            </a:schemeClr>
+          </a:lnRef>
+          <a:fillRef idx="1">
+            <a:schemeClr val="accent1"/>
+          </a:fillRef>
+          <a:effectRef idx="0">
+            <a:schemeClr val="accent1"/>
+          </a:effectRef>
+          <a:fontRef idx="minor">
+            <a:schemeClr val="lt1"/>
+          </a:fontRef>
+        </p:style>
+        <p:txBody>
+          <a:bodyPr rtlCol="0" anchor="ctr"/>
+          <a:lstStyle/>
+          <a:p>
+            <a:pPr algn="ctr"/>
+            <a:r>
+              <a:rPr lang="de-DE" dirty="0"/>
+              <a:t>Projektarbeiten</a:t>
             </a:r>
           </a:p>
           <a:p>
@@ -6403,7 +6742,166 @@
             <a:pPr algn="ctr"/>
             <a:endParaRPr lang="de-DE" dirty="0">
               <a:solidFill>
-                <a:srgbClr val="00B0F0"/>
+                <a:srgbClr val="FFFF00"/>
+              </a:solidFill>
+            </a:endParaRPr>
+          </a:p>
+        </p:txBody>
+      </p:sp>
+      <p:sp>
+        <p:nvSpPr>
+          <p:cNvPr id="12" name="Rechteck 3">
+            <a:extLst>
+              <a:ext uri="{FF2B5EF4-FFF2-40B4-BE49-F238E27FC236}">
+                <a16:creationId xmlns:a16="http://schemas.microsoft.com/office/drawing/2014/main" id="{712C5B68-A87B-8844-8873-9A1691DE54E9}"/>
+              </a:ext>
+            </a:extLst>
+          </p:cNvPr>
+          <p:cNvSpPr/>
+          <p:nvPr/>
+        </p:nvSpPr>
+        <p:spPr>
+          <a:xfrm>
+            <a:off x="7896483" y="5651663"/>
+            <a:ext cx="3552835" cy="2894344"/>
+          </a:xfrm>
+          <a:prstGeom prst="rect">
+            <a:avLst/>
+          </a:prstGeom>
+          <a:solidFill>
+            <a:schemeClr val="accent6">
+              <a:lumMod val="60000"/>
+              <a:lumOff val="40000"/>
+            </a:schemeClr>
+          </a:solidFill>
+        </p:spPr>
+        <p:style>
+          <a:lnRef idx="2">
+            <a:schemeClr val="accent1">
+              <a:shade val="50000"/>
+            </a:schemeClr>
+          </a:lnRef>
+          <a:fillRef idx="1">
+            <a:schemeClr val="accent1"/>
+          </a:fillRef>
+          <a:effectRef idx="0">
+            <a:schemeClr val="accent1"/>
+          </a:effectRef>
+          <a:fontRef idx="minor">
+            <a:schemeClr val="lt1"/>
+          </a:fontRef>
+        </p:style>
+        <p:txBody>
+          <a:bodyPr rtlCol="0" anchor="ctr"/>
+          <a:lstStyle/>
+          <a:p>
+            <a:pPr algn="ctr"/>
+            <a:r>
+              <a:rPr lang="de-DE" dirty="0" err="1"/>
+              <a:t>Addtional</a:t>
+            </a:r>
+            <a:r>
+              <a:rPr lang="de-DE" dirty="0"/>
+              <a:t> (</a:t>
+            </a:r>
+            <a:r>
+              <a:rPr lang="de-DE" dirty="0" err="1"/>
+              <a:t>to</a:t>
+            </a:r>
+            <a:r>
+              <a:rPr lang="de-DE" dirty="0"/>
+              <a:t> </a:t>
+            </a:r>
+            <a:r>
+              <a:rPr lang="de-DE" dirty="0" err="1"/>
+              <a:t>be</a:t>
+            </a:r>
+            <a:r>
+              <a:rPr lang="de-DE" dirty="0"/>
+              <a:t> </a:t>
+            </a:r>
+            <a:r>
+              <a:rPr lang="de-DE" dirty="0" err="1"/>
+              <a:t>dropped</a:t>
+            </a:r>
+            <a:r>
+              <a:rPr lang="de-DE" dirty="0"/>
+              <a:t>)</a:t>
+            </a:r>
+          </a:p>
+          <a:p>
+            <a:pPr algn="ctr"/>
+            <a:r>
+              <a:rPr lang="de-DE" dirty="0">
+                <a:solidFill>
+                  <a:srgbClr val="FF0000"/>
+                </a:solidFill>
+              </a:rPr>
+              <a:t>Accounting (5)</a:t>
+            </a:r>
+            <a:endParaRPr lang="de-DE" dirty="0"/>
+          </a:p>
+          <a:p>
+            <a:pPr marL="285750" indent="-285750" algn="ctr">
+              <a:buFontTx/>
+              <a:buChar char="-"/>
+            </a:pPr>
+            <a:r>
+              <a:rPr lang="de-DE" dirty="0">
+                <a:solidFill>
+                  <a:srgbClr val="FFFF00"/>
+                </a:solidFill>
+              </a:rPr>
+              <a:t>Ethik und Recht (5)</a:t>
+            </a:r>
+          </a:p>
+          <a:p>
+            <a:pPr marL="285750" indent="-285750" algn="ctr">
+              <a:buFontTx/>
+              <a:buChar char="-"/>
+            </a:pPr>
+            <a:r>
+              <a:rPr lang="de-DE" dirty="0">
+                <a:solidFill>
+                  <a:srgbClr val="FFFF00"/>
+                </a:solidFill>
+              </a:rPr>
+              <a:t>Volkswirtschaftslehre (5)</a:t>
+            </a:r>
+          </a:p>
+          <a:p>
+            <a:pPr marL="285750" indent="-285750" algn="ctr">
+              <a:buFontTx/>
+              <a:buChar char="-"/>
+            </a:pPr>
+            <a:r>
+              <a:rPr lang="de-DE" dirty="0">
+                <a:solidFill>
+                  <a:srgbClr val="FFFF00"/>
+                </a:solidFill>
+              </a:rPr>
+              <a:t>Statistik und Wahrscheinlichkeit (5)</a:t>
+            </a:r>
+          </a:p>
+          <a:p>
+            <a:pPr marL="285750" indent="-285750" algn="ctr">
+              <a:buFontTx/>
+              <a:buChar char="-"/>
+            </a:pPr>
+            <a:endParaRPr lang="de-DE" dirty="0">
+              <a:solidFill>
+                <a:srgbClr val="FFFF00"/>
+              </a:solidFill>
+            </a:endParaRPr>
+          </a:p>
+          <a:p>
+            <a:pPr marL="285750" indent="-285750" algn="ctr">
+              <a:buFontTx/>
+              <a:buChar char="-"/>
+            </a:pPr>
+            <a:endParaRPr lang="de-DE" dirty="0">
+              <a:solidFill>
+                <a:srgbClr val="00B050"/>
               </a:solidFill>
             </a:endParaRPr>
           </a:p>
@@ -6415,103 +6913,12 @@
               </a:solidFill>
             </a:endParaRPr>
           </a:p>
-          <a:p>
-            <a:pPr algn="ctr"/>
-            <a:endParaRPr lang="de-DE" b="1" dirty="0">
-              <a:solidFill>
-                <a:srgbClr val="FF0000"/>
-              </a:solidFill>
-            </a:endParaRPr>
-          </a:p>
         </p:txBody>
       </p:sp>
     </p:spTree>
     <p:extLst>
       <p:ext uri="{BB962C8B-B14F-4D97-AF65-F5344CB8AC3E}">
         <p14:creationId xmlns:p14="http://schemas.microsoft.com/office/powerpoint/2010/main" val="1120082147"/>
-      </p:ext>
-    </p:extLst>
-  </p:cSld>
-  <p:clrMapOvr>
-    <a:masterClrMapping/>
-  </p:clrMapOvr>
-</p:sld>
-</file>
-
-<file path=ppt/slides/slide4.xml><?xml version="1.0" encoding="utf-8"?>
-<p:sld xmlns:a="http://schemas.openxmlformats.org/drawingml/2006/main" xmlns:r="http://schemas.openxmlformats.org/officeDocument/2006/relationships" xmlns:p="http://schemas.openxmlformats.org/presentationml/2006/main">
-  <p:cSld>
-    <p:spTree>
-      <p:nvGrpSpPr>
-        <p:cNvPr id="1" name=""/>
-        <p:cNvGrpSpPr/>
-        <p:nvPr/>
-      </p:nvGrpSpPr>
-      <p:grpSpPr>
-        <a:xfrm>
-          <a:off x="0" y="0"/>
-          <a:ext cx="0" cy="0"/>
-          <a:chOff x="0" y="0"/>
-          <a:chExt cx="0" cy="0"/>
-        </a:xfrm>
-      </p:grpSpPr>
-      <p:sp>
-        <p:nvSpPr>
-          <p:cNvPr id="2" name="Titel 1">
-            <a:extLst>
-              <a:ext uri="{FF2B5EF4-FFF2-40B4-BE49-F238E27FC236}">
-                <a16:creationId xmlns:a16="http://schemas.microsoft.com/office/drawing/2014/main" id="{8128BF6A-F471-D24C-A54D-BBCCE88CB8AC}"/>
-              </a:ext>
-            </a:extLst>
-          </p:cNvPr>
-          <p:cNvSpPr>
-            <a:spLocks noGrp="1"/>
-          </p:cNvSpPr>
-          <p:nvPr>
-            <p:ph type="title"/>
-          </p:nvPr>
-        </p:nvSpPr>
-        <p:spPr/>
-        <p:txBody>
-          <a:bodyPr/>
-          <a:lstStyle/>
-          <a:p>
-            <a:r>
-              <a:rPr lang="de-DE" dirty="0"/>
-              <a:t>Future State</a:t>
-            </a:r>
-          </a:p>
-        </p:txBody>
-      </p:sp>
-      <p:sp>
-        <p:nvSpPr>
-          <p:cNvPr id="3" name="Inhaltsplatzhalter 2">
-            <a:extLst>
-              <a:ext uri="{FF2B5EF4-FFF2-40B4-BE49-F238E27FC236}">
-                <a16:creationId xmlns:a16="http://schemas.microsoft.com/office/drawing/2014/main" id="{345FB8E8-E89B-F947-9F45-46F20F7FF1FB}"/>
-              </a:ext>
-            </a:extLst>
-          </p:cNvPr>
-          <p:cNvSpPr>
-            <a:spLocks noGrp="1"/>
-          </p:cNvSpPr>
-          <p:nvPr>
-            <p:ph idx="1"/>
-          </p:nvPr>
-        </p:nvSpPr>
-        <p:spPr/>
-        <p:txBody>
-          <a:bodyPr/>
-          <a:lstStyle/>
-          <a:p>
-            <a:endParaRPr lang="de-DE"/>
-          </a:p>
-        </p:txBody>
-      </p:sp>
-    </p:spTree>
-    <p:extLst>
-      <p:ext uri="{BB962C8B-B14F-4D97-AF65-F5344CB8AC3E}">
-        <p14:creationId xmlns:p14="http://schemas.microsoft.com/office/powerpoint/2010/main" val="3865663739"/>
       </p:ext>
     </p:extLst>
   </p:cSld>
@@ -6543,7 +6950,7 @@
           <p:cNvPr id="2" name="Titel 1">
             <a:extLst>
               <a:ext uri="{FF2B5EF4-FFF2-40B4-BE49-F238E27FC236}">
-                <a16:creationId xmlns:a16="http://schemas.microsoft.com/office/drawing/2014/main" id="{302B1279-B3EF-2646-AB97-D39DC4F7B527}"/>
+                <a16:creationId xmlns:a16="http://schemas.microsoft.com/office/drawing/2014/main" id="{8128BF6A-F471-D24C-A54D-BBCCE88CB8AC}"/>
               </a:ext>
             </a:extLst>
           </p:cNvPr>
@@ -6560,12 +6967,8 @@
           <a:lstStyle/>
           <a:p>
             <a:r>
-              <a:rPr lang="de-DE" dirty="0" err="1"/>
-              <a:t>Methodology</a:t>
-            </a:r>
-            <a:r>
               <a:rPr lang="de-DE" dirty="0"/>
-              <a:t> / Approach</a:t>
+              <a:t>Future State</a:t>
             </a:r>
           </a:p>
         </p:txBody>
@@ -6575,7 +6978,7 @@
           <p:cNvPr id="3" name="Inhaltsplatzhalter 2">
             <a:extLst>
               <a:ext uri="{FF2B5EF4-FFF2-40B4-BE49-F238E27FC236}">
-                <a16:creationId xmlns:a16="http://schemas.microsoft.com/office/drawing/2014/main" id="{D942E08F-BC02-0242-A9B0-B1BB9183E6EC}"/>
+                <a16:creationId xmlns:a16="http://schemas.microsoft.com/office/drawing/2014/main" id="{345FB8E8-E89B-F947-9F45-46F20F7FF1FB}"/>
               </a:ext>
             </a:extLst>
           </p:cNvPr>
@@ -6591,14 +6994,14 @@
           <a:bodyPr/>
           <a:lstStyle/>
           <a:p>
-            <a:endParaRPr lang="de-DE" dirty="0"/>
+            <a:endParaRPr lang="de-DE"/>
           </a:p>
         </p:txBody>
       </p:sp>
     </p:spTree>
     <p:extLst>
       <p:ext uri="{BB962C8B-B14F-4D97-AF65-F5344CB8AC3E}">
-        <p14:creationId xmlns:p14="http://schemas.microsoft.com/office/powerpoint/2010/main" val="1910290384"/>
+        <p14:creationId xmlns:p14="http://schemas.microsoft.com/office/powerpoint/2010/main" val="3865663739"/>
       </p:ext>
     </p:extLst>
   </p:cSld>
@@ -6630,7 +7033,7 @@
           <p:cNvPr id="2" name="Titel 1">
             <a:extLst>
               <a:ext uri="{FF2B5EF4-FFF2-40B4-BE49-F238E27FC236}">
-                <a16:creationId xmlns:a16="http://schemas.microsoft.com/office/drawing/2014/main" id="{87C8146E-BABE-8F4E-B54C-066201B4098F}"/>
+                <a16:creationId xmlns:a16="http://schemas.microsoft.com/office/drawing/2014/main" id="{302B1279-B3EF-2646-AB97-D39DC4F7B527}"/>
               </a:ext>
             </a:extLst>
           </p:cNvPr>
@@ -6647,30 +7050,13 @@
           <a:lstStyle/>
           <a:p>
             <a:r>
+              <a:rPr lang="de-DE" dirty="0" err="1"/>
+              <a:t>Methodology</a:t>
+            </a:r>
+            <a:r>
               <a:rPr lang="de-DE" dirty="0"/>
-              <a:t>Outcomes  </a:t>
-            </a:r>
-            <a:r>
-              <a:rPr lang="de-DE" dirty="0" err="1"/>
-              <a:t>from</a:t>
-            </a:r>
-            <a:r>
-              <a:rPr lang="de-DE" dirty="0"/>
-              <a:t> </a:t>
-            </a:r>
-            <a:r>
-              <a:rPr lang="de-DE" dirty="0" err="1"/>
-              <a:t>Questionnaire</a:t>
-            </a:r>
-            <a:r>
-              <a:rPr lang="de-DE" dirty="0"/>
-              <a:t> – Student </a:t>
-            </a:r>
-            <a:r>
-              <a:rPr lang="de-DE" dirty="0" err="1"/>
-              <a:t>view</a:t>
-            </a:r>
-            <a:endParaRPr lang="de-DE" dirty="0"/>
+              <a:t> / Approach</a:t>
+            </a:r>
           </a:p>
         </p:txBody>
       </p:sp>
@@ -6679,7 +7065,7 @@
           <p:cNvPr id="3" name="Inhaltsplatzhalter 2">
             <a:extLst>
               <a:ext uri="{FF2B5EF4-FFF2-40B4-BE49-F238E27FC236}">
-                <a16:creationId xmlns:a16="http://schemas.microsoft.com/office/drawing/2014/main" id="{8608956C-85E4-D942-A442-F220E2778D5F}"/>
+                <a16:creationId xmlns:a16="http://schemas.microsoft.com/office/drawing/2014/main" id="{D942E08F-BC02-0242-A9B0-B1BB9183E6EC}"/>
               </a:ext>
             </a:extLst>
           </p:cNvPr>
@@ -6702,7 +7088,7 @@
     </p:spTree>
     <p:extLst>
       <p:ext uri="{BB962C8B-B14F-4D97-AF65-F5344CB8AC3E}">
-        <p14:creationId xmlns:p14="http://schemas.microsoft.com/office/powerpoint/2010/main" val="2568166804"/>
+        <p14:creationId xmlns:p14="http://schemas.microsoft.com/office/powerpoint/2010/main" val="1910290384"/>
       </p:ext>
     </p:extLst>
   </p:cSld>
@@ -6768,15 +7154,7 @@
             </a:r>
             <a:r>
               <a:rPr lang="de-DE" dirty="0"/>
-              <a:t> – </a:t>
-            </a:r>
-            <a:r>
-              <a:rPr lang="de-DE" dirty="0" err="1"/>
-              <a:t>Lecturer</a:t>
-            </a:r>
-            <a:r>
-              <a:rPr lang="de-DE" dirty="0"/>
-              <a:t> </a:t>
+              <a:t> – Student </a:t>
             </a:r>
             <a:r>
               <a:rPr lang="de-DE" dirty="0" err="1"/>
@@ -6814,7 +7192,7 @@
     </p:spTree>
     <p:extLst>
       <p:ext uri="{BB962C8B-B14F-4D97-AF65-F5344CB8AC3E}">
-        <p14:creationId xmlns:p14="http://schemas.microsoft.com/office/powerpoint/2010/main" val="1001805346"/>
+        <p14:creationId xmlns:p14="http://schemas.microsoft.com/office/powerpoint/2010/main" val="2568166804"/>
       </p:ext>
     </p:extLst>
   </p:cSld>
@@ -6864,16 +7242,37 @@
           <a:p>
             <a:r>
               <a:rPr lang="de-DE" dirty="0"/>
-              <a:t>Outcomes </a:t>
+              <a:t>Outcomes  </a:t>
             </a:r>
             <a:r>
               <a:rPr lang="de-DE" dirty="0" err="1"/>
-              <a:t>Experts</a:t>
+              <a:t>from</a:t>
             </a:r>
             <a:r>
               <a:rPr lang="de-DE" dirty="0"/>
-              <a:t> interview</a:t>
-            </a:r>
+              <a:t> </a:t>
+            </a:r>
+            <a:r>
+              <a:rPr lang="de-DE" dirty="0" err="1"/>
+              <a:t>Questionnaire</a:t>
+            </a:r>
+            <a:r>
+              <a:rPr lang="de-DE" dirty="0"/>
+              <a:t> – </a:t>
+            </a:r>
+            <a:r>
+              <a:rPr lang="de-DE" dirty="0" err="1"/>
+              <a:t>Lecturer</a:t>
+            </a:r>
+            <a:r>
+              <a:rPr lang="de-DE" dirty="0"/>
+              <a:t> </a:t>
+            </a:r>
+            <a:r>
+              <a:rPr lang="de-DE" dirty="0" err="1"/>
+              <a:t>view</a:t>
+            </a:r>
+            <a:endParaRPr lang="de-DE" dirty="0"/>
           </a:p>
         </p:txBody>
       </p:sp>
@@ -6905,7 +7304,7 @@
     </p:spTree>
     <p:extLst>
       <p:ext uri="{BB962C8B-B14F-4D97-AF65-F5344CB8AC3E}">
-        <p14:creationId xmlns:p14="http://schemas.microsoft.com/office/powerpoint/2010/main" val="1296492468"/>
+        <p14:creationId xmlns:p14="http://schemas.microsoft.com/office/powerpoint/2010/main" val="1001805346"/>
       </p:ext>
     </p:extLst>
   </p:cSld>
@@ -6934,10 +7333,10 @@
       </p:grpSpPr>
       <p:sp>
         <p:nvSpPr>
-          <p:cNvPr id="2" name="Title 1">
-            <a:extLst>
-              <a:ext uri="{FF2B5EF4-FFF2-40B4-BE49-F238E27FC236}">
-                <a16:creationId xmlns:a16="http://schemas.microsoft.com/office/drawing/2014/main" id="{F5CF0D18-71F6-FA46-B9E0-7756C2999A9F}"/>
+          <p:cNvPr id="2" name="Titel 1">
+            <a:extLst>
+              <a:ext uri="{FF2B5EF4-FFF2-40B4-BE49-F238E27FC236}">
+                <a16:creationId xmlns:a16="http://schemas.microsoft.com/office/drawing/2014/main" id="{87C8146E-BABE-8F4E-B54C-066201B4098F}"/>
               </a:ext>
             </a:extLst>
           </p:cNvPr>
@@ -6953,16 +7352,27 @@
           <a:bodyPr/>
           <a:lstStyle/>
           <a:p>
-            <a:endParaRPr lang="en-US"/>
-          </a:p>
-        </p:txBody>
-      </p:sp>
-      <p:sp>
-        <p:nvSpPr>
-          <p:cNvPr id="3" name="Content Placeholder 2">
-            <a:extLst>
-              <a:ext uri="{FF2B5EF4-FFF2-40B4-BE49-F238E27FC236}">
-                <a16:creationId xmlns:a16="http://schemas.microsoft.com/office/drawing/2014/main" id="{8920F6B1-78EE-3743-83AF-F87719A2600A}"/>
+            <a:r>
+              <a:rPr lang="de-DE" dirty="0"/>
+              <a:t>Outcomes </a:t>
+            </a:r>
+            <a:r>
+              <a:rPr lang="de-DE" dirty="0" err="1"/>
+              <a:t>Experts</a:t>
+            </a:r>
+            <a:r>
+              <a:rPr lang="de-DE" dirty="0"/>
+              <a:t> interview</a:t>
+            </a:r>
+          </a:p>
+        </p:txBody>
+      </p:sp>
+      <p:sp>
+        <p:nvSpPr>
+          <p:cNvPr id="3" name="Inhaltsplatzhalter 2">
+            <a:extLst>
+              <a:ext uri="{FF2B5EF4-FFF2-40B4-BE49-F238E27FC236}">
+                <a16:creationId xmlns:a16="http://schemas.microsoft.com/office/drawing/2014/main" id="{8608956C-85E4-D942-A442-F220E2778D5F}"/>
               </a:ext>
             </a:extLst>
           </p:cNvPr>
@@ -6978,14 +7388,14 @@
           <a:bodyPr/>
           <a:lstStyle/>
           <a:p>
-            <a:endParaRPr lang="en-US"/>
+            <a:endParaRPr lang="de-DE" dirty="0"/>
           </a:p>
         </p:txBody>
       </p:sp>
     </p:spTree>
     <p:extLst>
       <p:ext uri="{BB962C8B-B14F-4D97-AF65-F5344CB8AC3E}">
-        <p14:creationId xmlns:p14="http://schemas.microsoft.com/office/powerpoint/2010/main" val="228267503"/>
+        <p14:creationId xmlns:p14="http://schemas.microsoft.com/office/powerpoint/2010/main" val="1296492468"/>
       </p:ext>
     </p:extLst>
   </p:cSld>

--- a/Team 08-Outcome.pptx
+++ b/Team 08-Outcome.pptx
@@ -5708,7 +5708,7 @@
         </p:nvSpPr>
         <p:spPr>
           <a:xfrm>
-            <a:off x="237067" y="1213565"/>
+            <a:off x="327542" y="2559971"/>
             <a:ext cx="3612868" cy="6372568"/>
           </a:xfrm>
           <a:prstGeom prst="rect">
@@ -6262,7 +6262,7 @@
         <p:spPr>
           <a:xfrm>
             <a:off x="1286756" y="7926277"/>
-            <a:ext cx="9060445" cy="1827363"/>
+            <a:ext cx="9060445" cy="1827364"/>
           </a:xfrm>
           <a:prstGeom prst="rect">
             <a:avLst/>
